--- a/Format Proposal M Arief Wicaksono.pptx
+++ b/Format Proposal M Arief Wicaksono.pptx
@@ -5854,7 +5854,7 @@
                   <a:schemeClr val="tx1"/>
                 </a:solidFill>
               </a:rPr>
-              <a:t> 100mL air </a:t>
+              <a:t> 1 L air </a:t>
             </a:r>
             <a:r>
               <a:rPr lang="en-US" dirty="0" err="1">
@@ -6174,7 +6174,7 @@
                   <a:schemeClr val="tx1"/>
                 </a:solidFill>
               </a:rPr>
-              <a:t> 200.000 yang </a:t>
+              <a:t> 200 yang </a:t>
             </a:r>
             <a:r>
               <a:rPr lang="en-US" dirty="0" err="1">
@@ -6206,7 +6206,7 @@
                   <a:schemeClr val="tx1"/>
                 </a:solidFill>
               </a:rPr>
-              <a:t> 200.000 </a:t>
+              <a:t> 200 </a:t>
             </a:r>
             <a:r>
               <a:rPr lang="en-US" dirty="0" err="1">
@@ -9176,6 +9176,110 @@
       </p:grpSpPr>
       <p:sp>
         <p:nvSpPr>
+          <p:cNvPr id="11" name="Rectangle 10">
+            <a:extLst>
+              <a:ext uri="{FF2B5EF4-FFF2-40B4-BE49-F238E27FC236}">
+                <a16:creationId xmlns:a16="http://schemas.microsoft.com/office/drawing/2014/main" id="{DA1D87DB-D812-4032-88B2-C957A9D3F910}"/>
+              </a:ext>
+            </a:extLst>
+          </p:cNvPr>
+          <p:cNvSpPr/>
+          <p:nvPr/>
+        </p:nvSpPr>
+        <p:spPr>
+          <a:xfrm>
+            <a:off x="8424674" y="1188720"/>
+            <a:ext cx="3767328" cy="5669280"/>
+          </a:xfrm>
+          <a:prstGeom prst="rect">
+            <a:avLst/>
+          </a:prstGeom>
+          <a:solidFill>
+            <a:schemeClr val="bg1"/>
+          </a:solidFill>
+          <a:ln>
+            <a:noFill/>
+          </a:ln>
+        </p:spPr>
+        <p:style>
+          <a:lnRef idx="2">
+            <a:schemeClr val="accent1">
+              <a:shade val="50000"/>
+            </a:schemeClr>
+          </a:lnRef>
+          <a:fillRef idx="1">
+            <a:schemeClr val="accent1"/>
+          </a:fillRef>
+          <a:effectRef idx="0">
+            <a:schemeClr val="accent1"/>
+          </a:effectRef>
+          <a:fontRef idx="minor">
+            <a:schemeClr val="lt1"/>
+          </a:fontRef>
+        </p:style>
+        <p:txBody>
+          <a:bodyPr rtlCol="0" anchor="ctr"/>
+          <a:lstStyle/>
+          <a:p>
+            <a:pPr algn="ctr"/>
+            <a:endParaRPr lang="en-US"/>
+          </a:p>
+        </p:txBody>
+      </p:sp>
+      <p:sp>
+        <p:nvSpPr>
+          <p:cNvPr id="10" name="Rectangle 9">
+            <a:extLst>
+              <a:ext uri="{FF2B5EF4-FFF2-40B4-BE49-F238E27FC236}">
+                <a16:creationId xmlns:a16="http://schemas.microsoft.com/office/drawing/2014/main" id="{5B554E82-1B80-47D6-B0CC-597B338C39C9}"/>
+              </a:ext>
+            </a:extLst>
+          </p:cNvPr>
+          <p:cNvSpPr/>
+          <p:nvPr/>
+        </p:nvSpPr>
+        <p:spPr>
+          <a:xfrm>
+            <a:off x="0" y="1188720"/>
+            <a:ext cx="3767328" cy="5669280"/>
+          </a:xfrm>
+          <a:prstGeom prst="rect">
+            <a:avLst/>
+          </a:prstGeom>
+          <a:solidFill>
+            <a:schemeClr val="bg1"/>
+          </a:solidFill>
+          <a:ln>
+            <a:noFill/>
+          </a:ln>
+        </p:spPr>
+        <p:style>
+          <a:lnRef idx="2">
+            <a:schemeClr val="accent1">
+              <a:shade val="50000"/>
+            </a:schemeClr>
+          </a:lnRef>
+          <a:fillRef idx="1">
+            <a:schemeClr val="accent1"/>
+          </a:fillRef>
+          <a:effectRef idx="0">
+            <a:schemeClr val="accent1"/>
+          </a:effectRef>
+          <a:fontRef idx="minor">
+            <a:schemeClr val="lt1"/>
+          </a:fontRef>
+        </p:style>
+        <p:txBody>
+          <a:bodyPr rtlCol="0" anchor="ctr"/>
+          <a:lstStyle/>
+          <a:p>
+            <a:pPr algn="ctr"/>
+            <a:endParaRPr lang="en-US"/>
+          </a:p>
+        </p:txBody>
+      </p:sp>
+      <p:sp>
+        <p:nvSpPr>
           <p:cNvPr id="6" name="Title 1">
             <a:extLst>
               <a:ext uri="{FF2B5EF4-FFF2-40B4-BE49-F238E27FC236}">
@@ -9192,14 +9296,15 @@
         </p:nvSpPr>
         <p:spPr>
           <a:xfrm>
-            <a:off x="282848" y="117841"/>
-            <a:ext cx="10515600" cy="1325563"/>
+            <a:off x="767480" y="117842"/>
+            <a:ext cx="10515600" cy="1067256"/>
           </a:xfrm>
         </p:spPr>
         <p:txBody>
           <a:bodyPr/>
           <a:lstStyle/>
           <a:p>
+            <a:pPr algn="ctr"/>
             <a:r>
               <a:rPr lang="en-US" b="1" dirty="0" err="1">
                 <a:solidFill>
@@ -9252,8 +9357,8 @@
         </p:nvCxnSpPr>
         <p:spPr>
           <a:xfrm>
-            <a:off x="396071" y="1189829"/>
-            <a:ext cx="5989489" cy="0"/>
+            <a:off x="0" y="1189829"/>
+            <a:ext cx="12192000" cy="0"/>
           </a:xfrm>
           <a:prstGeom prst="line">
             <a:avLst/>
@@ -9293,8 +9398,8 @@
         </p:nvSpPr>
         <p:spPr>
           <a:xfrm>
-            <a:off x="1695448" y="4168849"/>
-            <a:ext cx="9845041" cy="865173"/>
+            <a:off x="845511" y="4415761"/>
+            <a:ext cx="2076305" cy="1655518"/>
           </a:xfrm>
           <a:prstGeom prst="rect">
             <a:avLst/>
@@ -9306,7 +9411,7 @@
           </a:bodyPr>
           <a:lstStyle/>
           <a:p>
-            <a:pPr lvl="0" algn="just">
+            <a:pPr lvl="0" algn="ctr">
               <a:lnSpc>
                 <a:spcPct val="107000"/>
               </a:lnSpc>
@@ -9315,39 +9420,39 @@
               </a:spcAft>
             </a:pPr>
             <a:r>
-              <a:rPr lang="en-US" sz="2400" dirty="0" err="1">
-                <a:solidFill>
-                  <a:schemeClr val="bg1"/>
+              <a:rPr lang="en-US" sz="2400" b="1" dirty="0" err="1">
+                <a:solidFill>
+                  <a:srgbClr val="5F9ED7"/>
                 </a:solidFill>
                 <a:ea typeface="Calibri" panose="020F0502020204030204" pitchFamily="34" charset="0"/>
                 <a:cs typeface="Times New Roman" panose="02020603050405020304" pitchFamily="18" charset="0"/>
               </a:rPr>
-              <a:t>Dapat</a:t>
-            </a:r>
-            <a:r>
-              <a:rPr lang="en-US" sz="2400" dirty="0">
-                <a:solidFill>
-                  <a:schemeClr val="bg1"/>
+              <a:t>Jumlah</a:t>
+            </a:r>
+            <a:r>
+              <a:rPr lang="en-US" sz="2400" b="1" dirty="0">
+                <a:solidFill>
+                  <a:srgbClr val="5F9ED7"/>
                 </a:solidFill>
                 <a:ea typeface="Calibri" panose="020F0502020204030204" pitchFamily="34" charset="0"/>
                 <a:cs typeface="Times New Roman" panose="02020603050405020304" pitchFamily="18" charset="0"/>
               </a:rPr>
-              <a:t> </a:t>
-            </a:r>
-            <a:r>
-              <a:rPr lang="en-US" sz="2400" dirty="0" err="1">
-                <a:solidFill>
-                  <a:schemeClr val="bg1"/>
+              <a:t> larva </a:t>
+            </a:r>
+            <a:r>
+              <a:rPr lang="en-US" sz="2400" b="1" dirty="0" err="1">
+                <a:solidFill>
+                  <a:srgbClr val="5F9ED7"/>
                 </a:solidFill>
                 <a:ea typeface="Calibri" panose="020F0502020204030204" pitchFamily="34" charset="0"/>
                 <a:cs typeface="Times New Roman" panose="02020603050405020304" pitchFamily="18" charset="0"/>
               </a:rPr>
-              <a:t>diketahuinya</a:t>
-            </a:r>
-            <a:r>
-              <a:rPr lang="en-US" sz="2400" dirty="0">
-                <a:solidFill>
-                  <a:schemeClr val="bg1"/>
+              <a:t>awal</a:t>
+            </a:r>
+            <a:r>
+              <a:rPr lang="en-US" sz="2400" b="1" dirty="0">
+                <a:solidFill>
+                  <a:srgbClr val="5F9ED7"/>
                 </a:solidFill>
                 <a:ea typeface="Calibri" panose="020F0502020204030204" pitchFamily="34" charset="0"/>
                 <a:cs typeface="Times New Roman" panose="02020603050405020304" pitchFamily="18" charset="0"/>
@@ -9355,19 +9460,19 @@
               <a:t> </a:t>
             </a:r>
             <a:r>
-              <a:rPr lang="en-US" sz="2400" dirty="0" err="1">
-                <a:solidFill>
-                  <a:schemeClr val="bg1"/>
+              <a:rPr lang="en-US" sz="2400" b="1" dirty="0" err="1">
+                <a:solidFill>
+                  <a:srgbClr val="5F9ED7"/>
                 </a:solidFill>
                 <a:ea typeface="Calibri" panose="020F0502020204030204" pitchFamily="34" charset="0"/>
                 <a:cs typeface="Times New Roman" panose="02020603050405020304" pitchFamily="18" charset="0"/>
               </a:rPr>
-              <a:t>perhitungan</a:t>
-            </a:r>
-            <a:r>
-              <a:rPr lang="en-US" sz="2400" dirty="0">
-                <a:solidFill>
-                  <a:schemeClr val="bg1"/>
+              <a:t>dapat</a:t>
+            </a:r>
+            <a:r>
+              <a:rPr lang="en-US" sz="2400" b="1" dirty="0">
+                <a:solidFill>
+                  <a:srgbClr val="5F9ED7"/>
                 </a:solidFill>
                 <a:ea typeface="Calibri" panose="020F0502020204030204" pitchFamily="34" charset="0"/>
                 <a:cs typeface="Times New Roman" panose="02020603050405020304" pitchFamily="18" charset="0"/>
@@ -9375,39 +9480,39 @@
               <a:t> </a:t>
             </a:r>
             <a:r>
-              <a:rPr lang="en-US" sz="2400" dirty="0" err="1">
-                <a:solidFill>
-                  <a:schemeClr val="bg1"/>
+              <a:rPr lang="en-US" sz="2400" b="1" dirty="0" err="1">
+                <a:solidFill>
+                  <a:srgbClr val="5F9ED7"/>
                 </a:solidFill>
                 <a:ea typeface="Calibri" panose="020F0502020204030204" pitchFamily="34" charset="0"/>
                 <a:cs typeface="Times New Roman" panose="02020603050405020304" pitchFamily="18" charset="0"/>
               </a:rPr>
-              <a:t>awal</a:t>
-            </a:r>
-            <a:r>
-              <a:rPr lang="en-US" sz="2400" dirty="0">
-                <a:solidFill>
-                  <a:schemeClr val="bg1"/>
+              <a:t>dihitung</a:t>
+            </a:r>
+            <a:r>
+              <a:rPr lang="en-US" sz="2400" b="1" dirty="0">
+                <a:solidFill>
+                  <a:srgbClr val="5F9ED7"/>
                 </a:solidFill>
                 <a:ea typeface="Calibri" panose="020F0502020204030204" pitchFamily="34" charset="0"/>
                 <a:cs typeface="Times New Roman" panose="02020603050405020304" pitchFamily="18" charset="0"/>
               </a:rPr>
-              <a:t> larva </a:t>
-            </a:r>
-            <a:r>
-              <a:rPr lang="en-US" sz="2400" dirty="0" err="1">
-                <a:solidFill>
-                  <a:schemeClr val="bg1"/>
+              <a:t> </a:t>
+            </a:r>
+            <a:r>
+              <a:rPr lang="en-US" sz="2400" b="1" dirty="0" err="1">
+                <a:solidFill>
+                  <a:srgbClr val="5F9ED7"/>
                 </a:solidFill>
                 <a:ea typeface="Calibri" panose="020F0502020204030204" pitchFamily="34" charset="0"/>
                 <a:cs typeface="Times New Roman" panose="02020603050405020304" pitchFamily="18" charset="0"/>
               </a:rPr>
-              <a:t>rajungan</a:t>
-            </a:r>
-            <a:r>
-              <a:rPr lang="en-US" sz="2400" dirty="0">
-                <a:solidFill>
-                  <a:schemeClr val="bg1"/>
+              <a:t>tanpa</a:t>
+            </a:r>
+            <a:r>
+              <a:rPr lang="en-US" sz="2400" b="1" dirty="0">
+                <a:solidFill>
+                  <a:srgbClr val="5F9ED7"/>
                 </a:solidFill>
                 <a:ea typeface="Calibri" panose="020F0502020204030204" pitchFamily="34" charset="0"/>
                 <a:cs typeface="Times New Roman" panose="02020603050405020304" pitchFamily="18" charset="0"/>
@@ -9415,72 +9520,445 @@
               <a:t> </a:t>
             </a:r>
             <a:r>
-              <a:rPr lang="en-US" sz="2400" dirty="0" err="1">
-                <a:solidFill>
-                  <a:schemeClr val="bg1"/>
+              <a:rPr lang="en-US" sz="2400" b="1" dirty="0" err="1">
+                <a:solidFill>
+                  <a:srgbClr val="5F9ED7"/>
                 </a:solidFill>
                 <a:ea typeface="Calibri" panose="020F0502020204030204" pitchFamily="34" charset="0"/>
                 <a:cs typeface="Times New Roman" panose="02020603050405020304" pitchFamily="18" charset="0"/>
               </a:rPr>
-              <a:t>saat</a:t>
-            </a:r>
-            <a:r>
-              <a:rPr lang="en-US" sz="2400" dirty="0">
-                <a:solidFill>
-                  <a:schemeClr val="bg1"/>
+              <a:t>perasaan</a:t>
+            </a:r>
+            <a:r>
+              <a:rPr lang="en-US" sz="2400" b="1" dirty="0">
+                <a:solidFill>
+                  <a:srgbClr val="5F9ED7"/>
                 </a:solidFill>
                 <a:ea typeface="Calibri" panose="020F0502020204030204" pitchFamily="34" charset="0"/>
                 <a:cs typeface="Times New Roman" panose="02020603050405020304" pitchFamily="18" charset="0"/>
               </a:rPr>
               <a:t> </a:t>
             </a:r>
-            <a:r>
-              <a:rPr lang="en-US" sz="2400" dirty="0" err="1">
+          </a:p>
+        </p:txBody>
+      </p:sp>
+      <p:sp>
+        <p:nvSpPr>
+          <p:cNvPr id="5" name="Rectangle 4">
+            <a:extLst>
+              <a:ext uri="{FF2B5EF4-FFF2-40B4-BE49-F238E27FC236}">
+                <a16:creationId xmlns:a16="http://schemas.microsoft.com/office/drawing/2014/main" id="{4188062F-5814-4430-BD88-7517832B5551}"/>
+              </a:ext>
+            </a:extLst>
+          </p:cNvPr>
+          <p:cNvSpPr/>
+          <p:nvPr/>
+        </p:nvSpPr>
+        <p:spPr>
+          <a:xfrm>
+            <a:off x="4529165" y="5008520"/>
+            <a:ext cx="2992230" cy="470000"/>
+          </a:xfrm>
+          <a:prstGeom prst="rect">
+            <a:avLst/>
+          </a:prstGeom>
+        </p:spPr>
+        <p:txBody>
+          <a:bodyPr wrap="square">
+            <a:spAutoFit/>
+          </a:bodyPr>
+          <a:lstStyle/>
+          <a:p>
+            <a:pPr lvl="0" algn="ctr">
+              <a:lnSpc>
+                <a:spcPct val="107000"/>
+              </a:lnSpc>
+              <a:spcAft>
+                <a:spcPts val="0"/>
+              </a:spcAft>
+            </a:pPr>
+            <a:r>
+              <a:rPr lang="en-US" sz="2400" b="1" dirty="0" err="1">
                 <a:solidFill>
                   <a:schemeClr val="bg1"/>
                 </a:solidFill>
                 <a:ea typeface="Calibri" panose="020F0502020204030204" pitchFamily="34" charset="0"/>
                 <a:cs typeface="Times New Roman" panose="02020603050405020304" pitchFamily="18" charset="0"/>
               </a:rPr>
-              <a:t>berada</a:t>
-            </a:r>
-            <a:r>
-              <a:rPr lang="en-US" sz="2400" dirty="0">
+              <a:t>Efisiensi</a:t>
+            </a:r>
+            <a:r>
+              <a:rPr lang="en-US" sz="2400" b="1" dirty="0">
                 <a:solidFill>
                   <a:schemeClr val="bg1"/>
                 </a:solidFill>
                 <a:ea typeface="Calibri" panose="020F0502020204030204" pitchFamily="34" charset="0"/>
                 <a:cs typeface="Times New Roman" panose="02020603050405020304" pitchFamily="18" charset="0"/>
               </a:rPr>
-              <a:t> pada </a:t>
-            </a:r>
-            <a:r>
-              <a:rPr lang="en-US" sz="2400" dirty="0" err="1">
-                <a:solidFill>
-                  <a:schemeClr val="bg1"/>
+              <a:t> Waktu</a:t>
+            </a:r>
+          </a:p>
+        </p:txBody>
+      </p:sp>
+      <p:sp>
+        <p:nvSpPr>
+          <p:cNvPr id="8" name="Rectangle 7">
+            <a:extLst>
+              <a:ext uri="{FF2B5EF4-FFF2-40B4-BE49-F238E27FC236}">
+                <a16:creationId xmlns:a16="http://schemas.microsoft.com/office/drawing/2014/main" id="{B5C67EC6-DF11-47C2-9082-529F7656607B}"/>
+              </a:ext>
+            </a:extLst>
+          </p:cNvPr>
+          <p:cNvSpPr/>
+          <p:nvPr/>
+        </p:nvSpPr>
+        <p:spPr>
+          <a:xfrm>
+            <a:off x="8824870" y="4415761"/>
+            <a:ext cx="2966936" cy="2445862"/>
+          </a:xfrm>
+          <a:prstGeom prst="rect">
+            <a:avLst/>
+          </a:prstGeom>
+        </p:spPr>
+        <p:txBody>
+          <a:bodyPr wrap="square">
+            <a:spAutoFit/>
+          </a:bodyPr>
+          <a:lstStyle/>
+          <a:p>
+            <a:pPr lvl="0" algn="ctr">
+              <a:lnSpc>
+                <a:spcPct val="107000"/>
+              </a:lnSpc>
+              <a:spcAft>
+                <a:spcPts val="0"/>
+              </a:spcAft>
+            </a:pPr>
+            <a:r>
+              <a:rPr lang="en-US" sz="2400" b="1" dirty="0" err="1">
+                <a:solidFill>
+                  <a:srgbClr val="5F9ED7"/>
                 </a:solidFill>
                 <a:ea typeface="Calibri" panose="020F0502020204030204" pitchFamily="34" charset="0"/>
                 <a:cs typeface="Times New Roman" panose="02020603050405020304" pitchFamily="18" charset="0"/>
               </a:rPr>
-              <a:t>tahapan</a:t>
-            </a:r>
-            <a:r>
-              <a:rPr lang="en-US" sz="2400">
-                <a:solidFill>
-                  <a:schemeClr val="bg1"/>
+              <a:t>Dapat</a:t>
+            </a:r>
+            <a:r>
+              <a:rPr lang="en-US" sz="2400" b="1" dirty="0">
+                <a:solidFill>
+                  <a:srgbClr val="5F9ED7"/>
                 </a:solidFill>
                 <a:ea typeface="Calibri" panose="020F0502020204030204" pitchFamily="34" charset="0"/>
                 <a:cs typeface="Times New Roman" panose="02020603050405020304" pitchFamily="18" charset="0"/>
               </a:rPr>
-              <a:t> Zoea 1</a:t>
-            </a:r>
-            <a:endParaRPr lang="en-US" sz="2400" dirty="0">
+              <a:t> </a:t>
+            </a:r>
+            <a:r>
+              <a:rPr lang="en-US" sz="2400" b="1" dirty="0" err="1">
+                <a:solidFill>
+                  <a:srgbClr val="5F9ED7"/>
+                </a:solidFill>
+                <a:ea typeface="Calibri" panose="020F0502020204030204" pitchFamily="34" charset="0"/>
+                <a:cs typeface="Times New Roman" panose="02020603050405020304" pitchFamily="18" charset="0"/>
+              </a:rPr>
+              <a:t>menghitung</a:t>
+            </a:r>
+            <a:r>
+              <a:rPr lang="en-US" sz="2400" b="1" dirty="0">
+                <a:solidFill>
+                  <a:srgbClr val="5F9ED7"/>
+                </a:solidFill>
+                <a:ea typeface="Calibri" panose="020F0502020204030204" pitchFamily="34" charset="0"/>
+                <a:cs typeface="Times New Roman" panose="02020603050405020304" pitchFamily="18" charset="0"/>
+              </a:rPr>
+              <a:t> </a:t>
+            </a:r>
+            <a:r>
+              <a:rPr lang="en-US" sz="2400" b="1" dirty="0" err="1">
+                <a:solidFill>
+                  <a:srgbClr val="5F9ED7"/>
+                </a:solidFill>
+                <a:ea typeface="Calibri" panose="020F0502020204030204" pitchFamily="34" charset="0"/>
+                <a:cs typeface="Times New Roman" panose="02020603050405020304" pitchFamily="18" charset="0"/>
+              </a:rPr>
+              <a:t>nilai</a:t>
+            </a:r>
+            <a:r>
+              <a:rPr lang="en-US" sz="2400" b="1" dirty="0">
+                <a:solidFill>
+                  <a:srgbClr val="5F9ED7"/>
+                </a:solidFill>
+                <a:ea typeface="Calibri" panose="020F0502020204030204" pitchFamily="34" charset="0"/>
+                <a:cs typeface="Times New Roman" panose="02020603050405020304" pitchFamily="18" charset="0"/>
+              </a:rPr>
+              <a:t> Survival Rate Larva </a:t>
+            </a:r>
+            <a:r>
+              <a:rPr lang="en-US" sz="2400" b="1" dirty="0" err="1">
+                <a:solidFill>
+                  <a:srgbClr val="5F9ED7"/>
+                </a:solidFill>
+                <a:ea typeface="Calibri" panose="020F0502020204030204" pitchFamily="34" charset="0"/>
+                <a:cs typeface="Times New Roman" panose="02020603050405020304" pitchFamily="18" charset="0"/>
+              </a:rPr>
+              <a:t>kepiting</a:t>
+            </a:r>
+            <a:r>
+              <a:rPr lang="en-US" sz="2400" b="1" dirty="0">
+                <a:solidFill>
+                  <a:srgbClr val="5F9ED7"/>
+                </a:solidFill>
+                <a:ea typeface="Calibri" panose="020F0502020204030204" pitchFamily="34" charset="0"/>
+                <a:cs typeface="Times New Roman" panose="02020603050405020304" pitchFamily="18" charset="0"/>
+              </a:rPr>
+              <a:t> </a:t>
+            </a:r>
+            <a:r>
+              <a:rPr lang="en-US" sz="2400" b="1" dirty="0" err="1">
+                <a:solidFill>
+                  <a:srgbClr val="5F9ED7"/>
+                </a:solidFill>
+                <a:ea typeface="Calibri" panose="020F0502020204030204" pitchFamily="34" charset="0"/>
+                <a:cs typeface="Times New Roman" panose="02020603050405020304" pitchFamily="18" charset="0"/>
+              </a:rPr>
+              <a:t>rajungan</a:t>
+            </a:r>
+            <a:r>
+              <a:rPr lang="en-US" sz="2400" b="1" dirty="0">
+                <a:solidFill>
+                  <a:srgbClr val="5F9ED7"/>
+                </a:solidFill>
+                <a:ea typeface="Calibri" panose="020F0502020204030204" pitchFamily="34" charset="0"/>
+                <a:cs typeface="Times New Roman" panose="02020603050405020304" pitchFamily="18" charset="0"/>
+              </a:rPr>
+              <a:t> </a:t>
+            </a:r>
+            <a:r>
+              <a:rPr lang="en-US" sz="2400" b="1" dirty="0" err="1">
+                <a:solidFill>
+                  <a:srgbClr val="5F9ED7"/>
+                </a:solidFill>
+                <a:ea typeface="Calibri" panose="020F0502020204030204" pitchFamily="34" charset="0"/>
+                <a:cs typeface="Times New Roman" panose="02020603050405020304" pitchFamily="18" charset="0"/>
+              </a:rPr>
+              <a:t>dengan</a:t>
+            </a:r>
+            <a:r>
+              <a:rPr lang="en-US" sz="2400" b="1" dirty="0">
+                <a:solidFill>
+                  <a:srgbClr val="5F9ED7"/>
+                </a:solidFill>
+                <a:ea typeface="Calibri" panose="020F0502020204030204" pitchFamily="34" charset="0"/>
+                <a:cs typeface="Times New Roman" panose="02020603050405020304" pitchFamily="18" charset="0"/>
+              </a:rPr>
+              <a:t> </a:t>
+            </a:r>
+            <a:r>
+              <a:rPr lang="en-US" sz="2400" b="1" dirty="0" err="1">
+                <a:solidFill>
+                  <a:srgbClr val="5F9ED7"/>
+                </a:solidFill>
+                <a:ea typeface="Calibri" panose="020F0502020204030204" pitchFamily="34" charset="0"/>
+                <a:cs typeface="Times New Roman" panose="02020603050405020304" pitchFamily="18" charset="0"/>
+              </a:rPr>
+              <a:t>perhitungan</a:t>
+            </a:r>
+            <a:r>
+              <a:rPr lang="en-US" sz="2400" b="1" dirty="0">
+                <a:solidFill>
+                  <a:srgbClr val="5F9ED7"/>
+                </a:solidFill>
+                <a:ea typeface="Calibri" panose="020F0502020204030204" pitchFamily="34" charset="0"/>
+                <a:cs typeface="Times New Roman" panose="02020603050405020304" pitchFamily="18" charset="0"/>
+              </a:rPr>
+              <a:t> yang </a:t>
+            </a:r>
+            <a:r>
+              <a:rPr lang="en-US" sz="2400" b="1" dirty="0" err="1">
+                <a:solidFill>
+                  <a:srgbClr val="5F9ED7"/>
+                </a:solidFill>
+                <a:ea typeface="Calibri" panose="020F0502020204030204" pitchFamily="34" charset="0"/>
+                <a:cs typeface="Times New Roman" panose="02020603050405020304" pitchFamily="18" charset="0"/>
+              </a:rPr>
+              <a:t>jelas</a:t>
+            </a:r>
+            <a:endParaRPr lang="en-US" sz="2400" b="1" dirty="0">
               <a:solidFill>
-                <a:schemeClr val="bg1"/>
+                <a:srgbClr val="5F9ED7"/>
               </a:solidFill>
               <a:ea typeface="Calibri" panose="020F0502020204030204" pitchFamily="34" charset="0"/>
               <a:cs typeface="Times New Roman" panose="02020603050405020304" pitchFamily="18" charset="0"/>
             </a:endParaRPr>
+          </a:p>
+        </p:txBody>
+      </p:sp>
+      <p:pic>
+        <p:nvPicPr>
+          <p:cNvPr id="13" name="Picture 12">
+            <a:extLst>
+              <a:ext uri="{FF2B5EF4-FFF2-40B4-BE49-F238E27FC236}">
+                <a16:creationId xmlns:a16="http://schemas.microsoft.com/office/drawing/2014/main" id="{8324876C-AA6F-42B0-9804-0AB8A40C42A2}"/>
+              </a:ext>
+            </a:extLst>
+          </p:cNvPr>
+          <p:cNvPicPr>
+            <a:picLocks noChangeAspect="1"/>
+          </p:cNvPicPr>
+          <p:nvPr/>
+        </p:nvPicPr>
+        <p:blipFill>
+          <a:blip r:embed="rId2">
+            <a:extLst>
+              <a:ext uri="{28A0092B-C50C-407E-A947-70E740481C1C}">
+                <a14:useLocalDpi xmlns:a14="http://schemas.microsoft.com/office/drawing/2010/main" val="0"/>
+              </a:ext>
+            </a:extLst>
+          </a:blip>
+          <a:stretch>
+            <a:fillRect/>
+          </a:stretch>
+        </p:blipFill>
+        <p:spPr>
+          <a:xfrm>
+            <a:off x="5064250" y="1766258"/>
+            <a:ext cx="2063500" cy="2514085"/>
+          </a:xfrm>
+          <a:prstGeom prst="rect">
+            <a:avLst/>
+          </a:prstGeom>
+        </p:spPr>
+      </p:pic>
+      <p:pic>
+        <p:nvPicPr>
+          <p:cNvPr id="15" name="Picture 14">
+            <a:extLst>
+              <a:ext uri="{FF2B5EF4-FFF2-40B4-BE49-F238E27FC236}">
+                <a16:creationId xmlns:a16="http://schemas.microsoft.com/office/drawing/2014/main" id="{93D03BEB-22D9-4973-B024-583E462654EA}"/>
+              </a:ext>
+            </a:extLst>
+          </p:cNvPr>
+          <p:cNvPicPr>
+            <a:picLocks noChangeAspect="1"/>
+          </p:cNvPicPr>
+          <p:nvPr/>
+        </p:nvPicPr>
+        <p:blipFill>
+          <a:blip r:embed="rId3">
+            <a:extLst>
+              <a:ext uri="{28A0092B-C50C-407E-A947-70E740481C1C}">
+                <a14:useLocalDpi xmlns:a14="http://schemas.microsoft.com/office/drawing/2010/main" val="0"/>
+              </a:ext>
+            </a:extLst>
+          </a:blip>
+          <a:stretch>
+            <a:fillRect/>
+          </a:stretch>
+        </p:blipFill>
+        <p:spPr>
+          <a:xfrm>
+            <a:off x="1109523" y="1818967"/>
+            <a:ext cx="1548279" cy="2361429"/>
+          </a:xfrm>
+          <a:prstGeom prst="rect">
+            <a:avLst/>
+          </a:prstGeom>
+        </p:spPr>
+      </p:pic>
+      <p:pic>
+        <p:nvPicPr>
+          <p:cNvPr id="1032" name="Picture 8" descr="Related image">
+            <a:extLst>
+              <a:ext uri="{FF2B5EF4-FFF2-40B4-BE49-F238E27FC236}">
+                <a16:creationId xmlns:a16="http://schemas.microsoft.com/office/drawing/2014/main" id="{83EB2C86-7264-451E-8487-9A3469851522}"/>
+              </a:ext>
+            </a:extLst>
+          </p:cNvPr>
+          <p:cNvPicPr>
+            <a:picLocks noChangeAspect="1" noChangeArrowheads="1"/>
+          </p:cNvPicPr>
+          <p:nvPr/>
+        </p:nvPicPr>
+        <p:blipFill>
+          <a:blip r:embed="rId4">
+            <a:extLst>
+              <a:ext uri="{28A0092B-C50C-407E-A947-70E740481C1C}">
+                <a14:useLocalDpi xmlns:a14="http://schemas.microsoft.com/office/drawing/2010/main" val="0"/>
+              </a:ext>
+            </a:extLst>
+          </a:blip>
+          <a:srcRect/>
+          <a:stretch>
+            <a:fillRect/>
+          </a:stretch>
+        </p:blipFill>
+        <p:spPr bwMode="auto">
+          <a:xfrm>
+            <a:off x="8640241" y="2202434"/>
+            <a:ext cx="2442236" cy="2208595"/>
+          </a:xfrm>
+          <a:prstGeom prst="rect">
+            <a:avLst/>
+          </a:prstGeom>
+          <a:noFill/>
+          <a:extLst>
+            <a:ext uri="{909E8E84-426E-40DD-AFC4-6F175D3DCCD1}">
+              <a14:hiddenFill xmlns:a14="http://schemas.microsoft.com/office/drawing/2010/main">
+                <a:solidFill>
+                  <a:srgbClr val="FFFFFF"/>
+                </a:solidFill>
+              </a14:hiddenFill>
+            </a:ext>
+          </a:extLst>
+        </p:spPr>
+      </p:pic>
+      <p:sp>
+        <p:nvSpPr>
+          <p:cNvPr id="20" name="Rectangle 19">
+            <a:extLst>
+              <a:ext uri="{FF2B5EF4-FFF2-40B4-BE49-F238E27FC236}">
+                <a16:creationId xmlns:a16="http://schemas.microsoft.com/office/drawing/2014/main" id="{FFD5D47B-6578-4205-9538-6D4F5B0334CA}"/>
+              </a:ext>
+            </a:extLst>
+          </p:cNvPr>
+          <p:cNvSpPr/>
+          <p:nvPr/>
+        </p:nvSpPr>
+        <p:spPr>
+          <a:xfrm>
+            <a:off x="10756869" y="1412872"/>
+            <a:ext cx="1082349" cy="1569660"/>
+          </a:xfrm>
+          <a:prstGeom prst="rect">
+            <a:avLst/>
+          </a:prstGeom>
+          <a:noFill/>
+        </p:spPr>
+        <p:txBody>
+          <a:bodyPr wrap="none" lIns="91440" tIns="45720" rIns="91440" bIns="45720">
+            <a:spAutoFit/>
+          </a:bodyPr>
+          <a:lstStyle/>
+          <a:p>
+            <a:pPr algn="ctr"/>
+            <a:r>
+              <a:rPr lang="en-US" sz="9600" b="1" cap="none" spc="0" dirty="0">
+                <a:ln w="0"/>
+                <a:solidFill>
+                  <a:srgbClr val="5F9ED7"/>
+                </a:solidFill>
+                <a:effectLst>
+                  <a:outerShdw blurRad="38100" dist="19050" dir="2700000" algn="tl" rotWithShape="0">
+                    <a:schemeClr val="dk1">
+                      <a:alpha val="40000"/>
+                    </a:schemeClr>
+                  </a:outerShdw>
+                </a:effectLst>
+              </a:rPr>
+              <a:t>%</a:t>
+            </a:r>
           </a:p>
         </p:txBody>
       </p:sp>

--- a/Format Proposal M Arief Wicaksono.pptx
+++ b/Format Proposal M Arief Wicaksono.pptx
@@ -14,7 +14,8 @@
     <p:sldId id="264" r:id="rId8"/>
     <p:sldId id="265" r:id="rId9"/>
     <p:sldId id="258" r:id="rId10"/>
-    <p:sldId id="259" r:id="rId11"/>
+    <p:sldId id="267" r:id="rId11"/>
+    <p:sldId id="259" r:id="rId12"/>
   </p:sldIdLst>
   <p:sldSz cx="12192000" cy="6858000"/>
   <p:notesSz cx="6858000" cy="9144000"/>
@@ -268,7 +269,7 @@
           <a:p>
             <a:fld id="{9F113E82-C92C-46AA-8370-989E97B0C8C4}" type="datetimeFigureOut">
               <a:rPr lang="en-US" smtClean="0"/>
-              <a:t>8/22/2019</a:t>
+              <a:t>8/23/2019</a:t>
             </a:fld>
             <a:endParaRPr lang="en-US"/>
           </a:p>
@@ -466,7 +467,7 @@
           <a:p>
             <a:fld id="{9F113E82-C92C-46AA-8370-989E97B0C8C4}" type="datetimeFigureOut">
               <a:rPr lang="en-US" smtClean="0"/>
-              <a:t>8/22/2019</a:t>
+              <a:t>8/23/2019</a:t>
             </a:fld>
             <a:endParaRPr lang="en-US"/>
           </a:p>
@@ -674,7 +675,7 @@
           <a:p>
             <a:fld id="{9F113E82-C92C-46AA-8370-989E97B0C8C4}" type="datetimeFigureOut">
               <a:rPr lang="en-US" smtClean="0"/>
-              <a:t>8/22/2019</a:t>
+              <a:t>8/23/2019</a:t>
             </a:fld>
             <a:endParaRPr lang="en-US"/>
           </a:p>
@@ -872,7 +873,7 @@
           <a:p>
             <a:fld id="{9F113E82-C92C-46AA-8370-989E97B0C8C4}" type="datetimeFigureOut">
               <a:rPr lang="en-US" smtClean="0"/>
-              <a:t>8/22/2019</a:t>
+              <a:t>8/23/2019</a:t>
             </a:fld>
             <a:endParaRPr lang="en-US"/>
           </a:p>
@@ -1147,7 +1148,7 @@
           <a:p>
             <a:fld id="{9F113E82-C92C-46AA-8370-989E97B0C8C4}" type="datetimeFigureOut">
               <a:rPr lang="en-US" smtClean="0"/>
-              <a:t>8/22/2019</a:t>
+              <a:t>8/23/2019</a:t>
             </a:fld>
             <a:endParaRPr lang="en-US"/>
           </a:p>
@@ -1412,7 +1413,7 @@
           <a:p>
             <a:fld id="{9F113E82-C92C-46AA-8370-989E97B0C8C4}" type="datetimeFigureOut">
               <a:rPr lang="en-US" smtClean="0"/>
-              <a:t>8/22/2019</a:t>
+              <a:t>8/23/2019</a:t>
             </a:fld>
             <a:endParaRPr lang="en-US"/>
           </a:p>
@@ -1824,7 +1825,7 @@
           <a:p>
             <a:fld id="{9F113E82-C92C-46AA-8370-989E97B0C8C4}" type="datetimeFigureOut">
               <a:rPr lang="en-US" smtClean="0"/>
-              <a:t>8/22/2019</a:t>
+              <a:t>8/23/2019</a:t>
             </a:fld>
             <a:endParaRPr lang="en-US"/>
           </a:p>
@@ -1965,7 +1966,7 @@
           <a:p>
             <a:fld id="{9F113E82-C92C-46AA-8370-989E97B0C8C4}" type="datetimeFigureOut">
               <a:rPr lang="en-US" smtClean="0"/>
-              <a:t>8/22/2019</a:t>
+              <a:t>8/23/2019</a:t>
             </a:fld>
             <a:endParaRPr lang="en-US"/>
           </a:p>
@@ -2078,7 +2079,7 @@
           <a:p>
             <a:fld id="{9F113E82-C92C-46AA-8370-989E97B0C8C4}" type="datetimeFigureOut">
               <a:rPr lang="en-US" smtClean="0"/>
-              <a:t>8/22/2019</a:t>
+              <a:t>8/23/2019</a:t>
             </a:fld>
             <a:endParaRPr lang="en-US"/>
           </a:p>
@@ -2389,7 +2390,7 @@
           <a:p>
             <a:fld id="{9F113E82-C92C-46AA-8370-989E97B0C8C4}" type="datetimeFigureOut">
               <a:rPr lang="en-US" smtClean="0"/>
-              <a:t>8/22/2019</a:t>
+              <a:t>8/23/2019</a:t>
             </a:fld>
             <a:endParaRPr lang="en-US"/>
           </a:p>
@@ -2677,7 +2678,7 @@
           <a:p>
             <a:fld id="{9F113E82-C92C-46AA-8370-989E97B0C8C4}" type="datetimeFigureOut">
               <a:rPr lang="en-US" smtClean="0"/>
-              <a:t>8/22/2019</a:t>
+              <a:t>8/23/2019</a:t>
             </a:fld>
             <a:endParaRPr lang="en-US"/>
           </a:p>
@@ -2921,7 +2922,7 @@
           <a:p>
             <a:fld id="{9F113E82-C92C-46AA-8370-989E97B0C8C4}" type="datetimeFigureOut">
               <a:rPr lang="en-US" smtClean="0"/>
-              <a:t>8/22/2019</a:t>
+              <a:t>8/23/2019</a:t>
             </a:fld>
             <a:endParaRPr lang="en-US"/>
           </a:p>
@@ -3972,313 +3973,363 @@
       </p:grpSpPr>
       <p:sp>
         <p:nvSpPr>
-          <p:cNvPr id="2" name="Title 1">
-            <a:extLst>
-              <a:ext uri="{FF2B5EF4-FFF2-40B4-BE49-F238E27FC236}">
-                <a16:creationId xmlns:a16="http://schemas.microsoft.com/office/drawing/2014/main" id="{241297FC-CCB7-4A22-BF4A-1E92F9697BAA}"/>
-              </a:ext>
-            </a:extLst>
-          </p:cNvPr>
-          <p:cNvSpPr>
-            <a:spLocks noGrp="1"/>
+          <p:cNvPr id="4" name="Rectangle 3">
+            <a:extLst>
+              <a:ext uri="{FF2B5EF4-FFF2-40B4-BE49-F238E27FC236}">
+                <a16:creationId xmlns:a16="http://schemas.microsoft.com/office/drawing/2014/main" id="{C4425D5C-36D9-4531-A8C3-0E79F12D080A}"/>
+              </a:ext>
+            </a:extLst>
+          </p:cNvPr>
+          <p:cNvSpPr/>
+          <p:nvPr/>
+        </p:nvSpPr>
+        <p:spPr>
+          <a:xfrm>
+            <a:off x="993531" y="2175608"/>
+            <a:ext cx="2444261" cy="1169377"/>
+          </a:xfrm>
+          <a:prstGeom prst="rect">
+            <a:avLst/>
+          </a:prstGeom>
+          <a:solidFill>
+            <a:schemeClr val="bg1"/>
+          </a:solidFill>
+          <a:ln>
+            <a:noFill/>
+          </a:ln>
+        </p:spPr>
+        <p:style>
+          <a:lnRef idx="2">
+            <a:schemeClr val="accent1">
+              <a:shade val="50000"/>
+            </a:schemeClr>
+          </a:lnRef>
+          <a:fillRef idx="1">
+            <a:schemeClr val="accent1"/>
+          </a:fillRef>
+          <a:effectRef idx="0">
+            <a:schemeClr val="accent1"/>
+          </a:effectRef>
+          <a:fontRef idx="minor">
+            <a:schemeClr val="lt1"/>
+          </a:fontRef>
+        </p:style>
+        <p:txBody>
+          <a:bodyPr rtlCol="0" anchor="ctr"/>
+          <a:lstStyle/>
+          <a:p>
+            <a:pPr algn="ctr"/>
+            <a:r>
+              <a:rPr lang="en-US" dirty="0">
+                <a:solidFill>
+                  <a:srgbClr val="5F9ED7"/>
+                </a:solidFill>
+              </a:rPr>
+              <a:t>Input Gambar</a:t>
+            </a:r>
+          </a:p>
+        </p:txBody>
+      </p:sp>
+      <p:sp>
+        <p:nvSpPr>
+          <p:cNvPr id="5" name="Rectangle 4">
+            <a:extLst>
+              <a:ext uri="{FF2B5EF4-FFF2-40B4-BE49-F238E27FC236}">
+                <a16:creationId xmlns:a16="http://schemas.microsoft.com/office/drawing/2014/main" id="{A2D97FA1-C1D0-40B6-9F56-85E55F5BC362}"/>
+              </a:ext>
+            </a:extLst>
+          </p:cNvPr>
+          <p:cNvSpPr/>
+          <p:nvPr/>
+        </p:nvSpPr>
+        <p:spPr>
+          <a:xfrm>
+            <a:off x="8656025" y="2175608"/>
+            <a:ext cx="2444261" cy="1169377"/>
+          </a:xfrm>
+          <a:prstGeom prst="rect">
+            <a:avLst/>
+          </a:prstGeom>
+          <a:solidFill>
+            <a:schemeClr val="bg1"/>
+          </a:solidFill>
+          <a:ln>
+            <a:noFill/>
+          </a:ln>
+        </p:spPr>
+        <p:style>
+          <a:lnRef idx="2">
+            <a:schemeClr val="accent1">
+              <a:shade val="50000"/>
+            </a:schemeClr>
+          </a:lnRef>
+          <a:fillRef idx="1">
+            <a:schemeClr val="accent1"/>
+          </a:fillRef>
+          <a:effectRef idx="0">
+            <a:schemeClr val="accent1"/>
+          </a:effectRef>
+          <a:fontRef idx="minor">
+            <a:schemeClr val="lt1"/>
+          </a:fontRef>
+        </p:style>
+        <p:txBody>
+          <a:bodyPr rtlCol="0" anchor="ctr"/>
+          <a:lstStyle/>
+          <a:p>
+            <a:pPr algn="ctr"/>
+            <a:r>
+              <a:rPr lang="en-US" dirty="0" err="1">
+                <a:solidFill>
+                  <a:srgbClr val="5F9ED7"/>
+                </a:solidFill>
+              </a:rPr>
+              <a:t>Deteksi</a:t>
+            </a:r>
+            <a:r>
+              <a:rPr lang="en-US" dirty="0">
+                <a:solidFill>
+                  <a:srgbClr val="5F9ED7"/>
+                </a:solidFill>
+              </a:rPr>
+              <a:t> oleh </a:t>
+            </a:r>
+            <a:r>
+              <a:rPr lang="en-US" dirty="0" err="1">
+                <a:solidFill>
+                  <a:srgbClr val="5F9ED7"/>
+                </a:solidFill>
+              </a:rPr>
+              <a:t>Algoritma</a:t>
+            </a:r>
+            <a:r>
+              <a:rPr lang="en-US" dirty="0">
+                <a:solidFill>
+                  <a:srgbClr val="5F9ED7"/>
+                </a:solidFill>
+              </a:rPr>
+              <a:t> </a:t>
+            </a:r>
+            <a:r>
+              <a:rPr lang="en-US" dirty="0" err="1">
+                <a:solidFill>
+                  <a:srgbClr val="5F9ED7"/>
+                </a:solidFill>
+              </a:rPr>
+              <a:t>deteksi</a:t>
+            </a:r>
+            <a:r>
+              <a:rPr lang="en-US" dirty="0">
+                <a:solidFill>
+                  <a:srgbClr val="5F9ED7"/>
+                </a:solidFill>
+              </a:rPr>
+              <a:t> </a:t>
+            </a:r>
+            <a:r>
+              <a:rPr lang="en-US" dirty="0" err="1">
+                <a:solidFill>
+                  <a:srgbClr val="5F9ED7"/>
+                </a:solidFill>
+              </a:rPr>
+              <a:t>objek</a:t>
+            </a:r>
+            <a:endParaRPr lang="en-US" dirty="0">
+              <a:solidFill>
+                <a:srgbClr val="5F9ED7"/>
+              </a:solidFill>
+            </a:endParaRPr>
+          </a:p>
+        </p:txBody>
+      </p:sp>
+      <p:sp>
+        <p:nvSpPr>
+          <p:cNvPr id="6" name="Rectangle 5">
+            <a:extLst>
+              <a:ext uri="{FF2B5EF4-FFF2-40B4-BE49-F238E27FC236}">
+                <a16:creationId xmlns:a16="http://schemas.microsoft.com/office/drawing/2014/main" id="{672FF0EB-E33F-4534-B192-79301C37551B}"/>
+              </a:ext>
+            </a:extLst>
+          </p:cNvPr>
+          <p:cNvSpPr/>
+          <p:nvPr/>
+        </p:nvSpPr>
+        <p:spPr>
+          <a:xfrm>
+            <a:off x="8656026" y="5399627"/>
+            <a:ext cx="2444261" cy="1169377"/>
+          </a:xfrm>
+          <a:prstGeom prst="rect">
+            <a:avLst/>
+          </a:prstGeom>
+          <a:solidFill>
+            <a:schemeClr val="bg1"/>
+          </a:solidFill>
+          <a:ln>
+            <a:noFill/>
+          </a:ln>
+        </p:spPr>
+        <p:style>
+          <a:lnRef idx="2">
+            <a:schemeClr val="accent1">
+              <a:shade val="50000"/>
+            </a:schemeClr>
+          </a:lnRef>
+          <a:fillRef idx="1">
+            <a:schemeClr val="accent1"/>
+          </a:fillRef>
+          <a:effectRef idx="0">
+            <a:schemeClr val="accent1"/>
+          </a:effectRef>
+          <a:fontRef idx="minor">
+            <a:schemeClr val="lt1"/>
+          </a:fontRef>
+        </p:style>
+        <p:txBody>
+          <a:bodyPr rtlCol="0" anchor="ctr"/>
+          <a:lstStyle/>
+          <a:p>
+            <a:pPr algn="ctr"/>
+            <a:r>
+              <a:rPr lang="en-US" dirty="0" err="1">
+                <a:solidFill>
+                  <a:srgbClr val="5F9ED7"/>
+                </a:solidFill>
+              </a:rPr>
+              <a:t>Menghitung</a:t>
+            </a:r>
+            <a:r>
+              <a:rPr lang="en-US" dirty="0">
+                <a:solidFill>
+                  <a:srgbClr val="5F9ED7"/>
+                </a:solidFill>
+              </a:rPr>
+              <a:t> </a:t>
+            </a:r>
+            <a:r>
+              <a:rPr lang="en-US" dirty="0" err="1">
+                <a:solidFill>
+                  <a:srgbClr val="5F9ED7"/>
+                </a:solidFill>
+              </a:rPr>
+              <a:t>Jumlah</a:t>
+            </a:r>
+            <a:r>
+              <a:rPr lang="en-US" dirty="0">
+                <a:solidFill>
+                  <a:srgbClr val="5F9ED7"/>
+                </a:solidFill>
+              </a:rPr>
+              <a:t> larva pada </a:t>
+            </a:r>
+            <a:r>
+              <a:rPr lang="en-US" dirty="0" err="1">
+                <a:solidFill>
+                  <a:srgbClr val="5F9ED7"/>
+                </a:solidFill>
+              </a:rPr>
+              <a:t>gambar</a:t>
+            </a:r>
+            <a:endParaRPr lang="en-US" dirty="0">
+              <a:solidFill>
+                <a:srgbClr val="5F9ED7"/>
+              </a:solidFill>
+            </a:endParaRPr>
+          </a:p>
+        </p:txBody>
+      </p:sp>
+      <p:sp>
+        <p:nvSpPr>
+          <p:cNvPr id="7" name="Title 1">
+            <a:extLst>
+              <a:ext uri="{FF2B5EF4-FFF2-40B4-BE49-F238E27FC236}">
+                <a16:creationId xmlns:a16="http://schemas.microsoft.com/office/drawing/2014/main" id="{F0E73FEA-EC84-4C23-9AA5-CCB3CEE4FDED}"/>
+              </a:ext>
+            </a:extLst>
+          </p:cNvPr>
+          <p:cNvSpPr txBox="1">
+            <a:spLocks/>
           </p:cNvSpPr>
-          <p:nvPr>
-            <p:ph type="title"/>
-          </p:nvPr>
+          <p:nvPr/>
         </p:nvSpPr>
         <p:spPr>
           <a:xfrm>
             <a:off x="282848" y="117841"/>
             <a:ext cx="10515600" cy="1325563"/>
           </a:xfrm>
-        </p:spPr>
-        <p:txBody>
-          <a:bodyPr/>
-          <a:lstStyle/>
-          <a:p>
-            <a:r>
-              <a:rPr lang="en-US" b="1" dirty="0" err="1">
-                <a:solidFill>
-                  <a:schemeClr val="bg1"/>
-                </a:solidFill>
-                <a:latin typeface="Bahnschrift" panose="020B0502040204020203" pitchFamily="34" charset="0"/>
-              </a:rPr>
-              <a:t>Rancangan</a:t>
-            </a:r>
-            <a:r>
-              <a:rPr lang="en-US" b="1" dirty="0">
-                <a:solidFill>
-                  <a:schemeClr val="bg1"/>
-                </a:solidFill>
-                <a:latin typeface="Bahnschrift" panose="020B0502040204020203" pitchFamily="34" charset="0"/>
-              </a:rPr>
-              <a:t> </a:t>
-            </a:r>
-            <a:r>
-              <a:rPr lang="en-US" b="1" dirty="0" err="1">
-                <a:solidFill>
-                  <a:schemeClr val="bg1"/>
-                </a:solidFill>
-                <a:latin typeface="Bahnschrift" panose="020B0502040204020203" pitchFamily="34" charset="0"/>
-              </a:rPr>
-              <a:t>Sistem</a:t>
-            </a:r>
-            <a:r>
-              <a:rPr lang="en-US" b="1" dirty="0">
-                <a:solidFill>
-                  <a:schemeClr val="bg1"/>
-                </a:solidFill>
-                <a:latin typeface="Bahnschrift" panose="020B0502040204020203" pitchFamily="34" charset="0"/>
-              </a:rPr>
-              <a:t> </a:t>
-            </a:r>
-          </a:p>
-        </p:txBody>
-      </p:sp>
-      <p:pic>
-        <p:nvPicPr>
-          <p:cNvPr id="5" name="Picture 4">
-            <a:extLst>
-              <a:ext uri="{FF2B5EF4-FFF2-40B4-BE49-F238E27FC236}">
-                <a16:creationId xmlns:a16="http://schemas.microsoft.com/office/drawing/2014/main" id="{ED627B83-1121-4809-ADB3-948759B2DF2D}"/>
-              </a:ext>
-            </a:extLst>
-          </p:cNvPr>
-          <p:cNvPicPr>
-            <a:picLocks noChangeAspect="1"/>
-          </p:cNvPicPr>
-          <p:nvPr/>
-        </p:nvPicPr>
-        <p:blipFill>
-          <a:blip r:embed="rId2">
-            <a:extLst>
-              <a:ext uri="{28A0092B-C50C-407E-A947-70E740481C1C}">
-                <a14:useLocalDpi xmlns:a14="http://schemas.microsoft.com/office/drawing/2010/main" val="0"/>
-              </a:ext>
-            </a:extLst>
-          </a:blip>
-          <a:stretch>
-            <a:fillRect/>
-          </a:stretch>
-        </p:blipFill>
-        <p:spPr>
-          <a:xfrm>
-            <a:off x="1026821" y="2858105"/>
-            <a:ext cx="2116213" cy="2473426"/>
-          </a:xfrm>
           <a:prstGeom prst="rect">
             <a:avLst/>
           </a:prstGeom>
         </p:spPr>
-      </p:pic>
-      <p:pic>
-        <p:nvPicPr>
-          <p:cNvPr id="1026" name="Picture 2" descr="Image result for raspberry pi vector">
-            <a:extLst>
-              <a:ext uri="{FF2B5EF4-FFF2-40B4-BE49-F238E27FC236}">
-                <a16:creationId xmlns:a16="http://schemas.microsoft.com/office/drawing/2014/main" id="{A3CDE048-FAE5-4E7B-B883-E43680FF5E3D}"/>
-              </a:ext>
-            </a:extLst>
-          </p:cNvPr>
-          <p:cNvPicPr>
-            <a:picLocks noChangeAspect="1" noChangeArrowheads="1"/>
-          </p:cNvPicPr>
-          <p:nvPr/>
-        </p:nvPicPr>
-        <p:blipFill>
-          <a:blip r:embed="rId3">
-            <a:extLst>
-              <a:ext uri="{28A0092B-C50C-407E-A947-70E740481C1C}">
-                <a14:useLocalDpi xmlns:a14="http://schemas.microsoft.com/office/drawing/2010/main" val="0"/>
-              </a:ext>
-            </a:extLst>
-          </a:blip>
-          <a:srcRect/>
-          <a:stretch>
-            <a:fillRect/>
-          </a:stretch>
-        </p:blipFill>
-        <p:spPr bwMode="auto">
-          <a:xfrm>
-            <a:off x="5248668" y="782724"/>
-            <a:ext cx="1694664" cy="1186347"/>
-          </a:xfrm>
-          <a:prstGeom prst="rect">
-            <a:avLst/>
-          </a:prstGeom>
-          <a:noFill/>
-          <a:extLst>
-            <a:ext uri="{909E8E84-426E-40DD-AFC4-6F175D3DCCD1}">
-              <a14:hiddenFill xmlns:a14="http://schemas.microsoft.com/office/drawing/2010/main">
-                <a:solidFill>
-                  <a:srgbClr val="FFFFFF"/>
-                </a:solidFill>
-              </a14:hiddenFill>
-            </a:ext>
-          </a:extLst>
-        </p:spPr>
-      </p:pic>
-      <p:sp>
-        <p:nvSpPr>
-          <p:cNvPr id="15" name="TextBox 14">
-            <a:extLst>
-              <a:ext uri="{FF2B5EF4-FFF2-40B4-BE49-F238E27FC236}">
-                <a16:creationId xmlns:a16="http://schemas.microsoft.com/office/drawing/2014/main" id="{C5088306-F2BD-417D-B32D-3D0C4342449B}"/>
-              </a:ext>
-            </a:extLst>
-          </p:cNvPr>
-          <p:cNvSpPr txBox="1"/>
-          <p:nvPr/>
-        </p:nvSpPr>
-        <p:spPr>
-          <a:xfrm>
-            <a:off x="462746" y="5661878"/>
-            <a:ext cx="3244361" cy="830997"/>
-          </a:xfrm>
-          <a:prstGeom prst="rect">
-            <a:avLst/>
-          </a:prstGeom>
-          <a:noFill/>
-        </p:spPr>
         <p:txBody>
-          <a:bodyPr wrap="square" rtlCol="0">
-            <a:spAutoFit/>
+          <a:bodyPr vert="horz" lIns="91440" tIns="45720" rIns="91440" bIns="45720" rtlCol="0" anchor="ctr">
+            <a:normAutofit/>
           </a:bodyPr>
-          <a:lstStyle/>
-          <a:p>
-            <a:r>
-              <a:rPr lang="en-US" sz="1200" dirty="0" err="1"/>
-              <a:t>Sebelum</a:t>
-            </a:r>
-            <a:r>
-              <a:rPr lang="en-US" sz="1200" dirty="0"/>
-              <a:t> Zoea yang </a:t>
-            </a:r>
-            <a:r>
-              <a:rPr lang="en-US" sz="1200" dirty="0" err="1"/>
-              <a:t>dipanen</a:t>
-            </a:r>
-            <a:r>
-              <a:rPr lang="en-US" sz="1200" dirty="0"/>
-              <a:t> </a:t>
-            </a:r>
-            <a:r>
-              <a:rPr lang="en-US" sz="1200" dirty="0" err="1"/>
-              <a:t>dari</a:t>
-            </a:r>
-            <a:r>
-              <a:rPr lang="en-US" sz="1200" dirty="0"/>
-              <a:t> </a:t>
-            </a:r>
-            <a:r>
-              <a:rPr lang="en-US" sz="1200" dirty="0" err="1"/>
-              <a:t>bak</a:t>
-            </a:r>
-            <a:r>
-              <a:rPr lang="en-US" sz="1200" dirty="0"/>
-              <a:t> </a:t>
-            </a:r>
-            <a:r>
-              <a:rPr lang="en-US" sz="1200" dirty="0" err="1"/>
-              <a:t>penetasan</a:t>
-            </a:r>
-            <a:endParaRPr lang="en-US" sz="1200" dirty="0"/>
-          </a:p>
-          <a:p>
-            <a:r>
-              <a:rPr lang="en-US" sz="1200" dirty="0" err="1"/>
-              <a:t>Dipindahkan</a:t>
-            </a:r>
-            <a:r>
-              <a:rPr lang="en-US" sz="1200" dirty="0"/>
-              <a:t> </a:t>
-            </a:r>
-            <a:r>
-              <a:rPr lang="en-US" sz="1200" dirty="0" err="1"/>
-              <a:t>ke</a:t>
-            </a:r>
-            <a:r>
-              <a:rPr lang="en-US" sz="1200" dirty="0"/>
-              <a:t> </a:t>
-            </a:r>
-            <a:r>
-              <a:rPr lang="en-US" sz="1200" dirty="0" err="1"/>
-              <a:t>bak</a:t>
-            </a:r>
-            <a:r>
-              <a:rPr lang="en-US" sz="1200" dirty="0"/>
-              <a:t> </a:t>
-            </a:r>
-            <a:r>
-              <a:rPr lang="en-US" sz="1200" dirty="0" err="1"/>
-              <a:t>pemeliharaan</a:t>
-            </a:r>
-            <a:r>
-              <a:rPr lang="en-US" sz="1200" dirty="0"/>
-              <a:t> </a:t>
-            </a:r>
-            <a:r>
-              <a:rPr lang="en-US" sz="1200" dirty="0" err="1"/>
-              <a:t>menggunakan</a:t>
-            </a:r>
-            <a:r>
-              <a:rPr lang="en-US" sz="1200" dirty="0"/>
-              <a:t> </a:t>
-            </a:r>
-          </a:p>
-          <a:p>
-            <a:r>
-              <a:rPr lang="en-US" sz="1200" dirty="0" err="1"/>
-              <a:t>wadah</a:t>
-            </a:r>
-            <a:r>
-              <a:rPr lang="en-US" sz="1200" dirty="0"/>
-              <a:t> 1 Liter, </a:t>
-            </a:r>
-            <a:r>
-              <a:rPr lang="en-US" sz="1200" dirty="0" err="1"/>
-              <a:t>kamera</a:t>
-            </a:r>
-            <a:r>
-              <a:rPr lang="en-US" sz="1200" dirty="0"/>
-              <a:t> </a:t>
-            </a:r>
-            <a:r>
-              <a:rPr lang="en-US" sz="1200" dirty="0" err="1"/>
-              <a:t>akan</a:t>
-            </a:r>
-            <a:r>
-              <a:rPr lang="en-US" sz="1200" dirty="0"/>
-              <a:t> </a:t>
-            </a:r>
-            <a:r>
-              <a:rPr lang="en-US" sz="1200" dirty="0" err="1"/>
-              <a:t>mengambil</a:t>
-            </a:r>
-            <a:r>
-              <a:rPr lang="en-US" sz="1200" dirty="0"/>
-              <a:t> </a:t>
-            </a:r>
-            <a:r>
-              <a:rPr lang="en-US" sz="1200" dirty="0" err="1"/>
-              <a:t>gambar</a:t>
-            </a:r>
-            <a:endParaRPr lang="en-US" sz="1200" dirty="0"/>
-          </a:p>
-          <a:p>
-            <a:r>
-              <a:rPr lang="en-US" sz="1200" dirty="0"/>
-              <a:t>larva</a:t>
+          <a:lstStyle>
+            <a:lvl1pPr algn="l" defTabSz="914400" rtl="0" eaLnBrk="1" latinLnBrk="0" hangingPunct="1">
+              <a:lnSpc>
+                <a:spcPct val="90000"/>
+              </a:lnSpc>
+              <a:spcBef>
+                <a:spcPct val="0"/>
+              </a:spcBef>
+              <a:buNone/>
+              <a:defRPr sz="4400" kern="1200">
+                <a:solidFill>
+                  <a:schemeClr val="tx1"/>
+                </a:solidFill>
+                <a:latin typeface="+mj-lt"/>
+                <a:ea typeface="+mj-ea"/>
+                <a:cs typeface="+mj-cs"/>
+              </a:defRPr>
+            </a:lvl1pPr>
+          </a:lstStyle>
+          <a:p>
+            <a:r>
+              <a:rPr lang="en-US" b="1" dirty="0" err="1">
+                <a:solidFill>
+                  <a:schemeClr val="bg1"/>
+                </a:solidFill>
+                <a:latin typeface="Bahnschrift" panose="020B0502040204020203" pitchFamily="34" charset="0"/>
+              </a:rPr>
+              <a:t>Rancangan</a:t>
+            </a:r>
+            <a:r>
+              <a:rPr lang="en-US" b="1" dirty="0">
+                <a:solidFill>
+                  <a:schemeClr val="bg1"/>
+                </a:solidFill>
+                <a:latin typeface="Bahnschrift" panose="020B0502040204020203" pitchFamily="34" charset="0"/>
+              </a:rPr>
+              <a:t> </a:t>
+            </a:r>
+            <a:r>
+              <a:rPr lang="en-US" b="1" dirty="0" err="1">
+                <a:solidFill>
+                  <a:schemeClr val="bg1"/>
+                </a:solidFill>
+                <a:latin typeface="Bahnschrift" panose="020B0502040204020203" pitchFamily="34" charset="0"/>
+              </a:rPr>
+              <a:t>Sistem</a:t>
+            </a:r>
+            <a:r>
+              <a:rPr lang="en-US" b="1" dirty="0">
+                <a:solidFill>
+                  <a:schemeClr val="bg1"/>
+                </a:solidFill>
+                <a:latin typeface="Bahnschrift" panose="020B0502040204020203" pitchFamily="34" charset="0"/>
+              </a:rPr>
+              <a:t> </a:t>
             </a:r>
           </a:p>
         </p:txBody>
       </p:sp>
       <p:cxnSp>
         <p:nvCxnSpPr>
-          <p:cNvPr id="18" name="Straight Connector 17">
-            <a:extLst>
-              <a:ext uri="{FF2B5EF4-FFF2-40B4-BE49-F238E27FC236}">
-                <a16:creationId xmlns:a16="http://schemas.microsoft.com/office/drawing/2014/main" id="{5EBBF3DF-1039-42F4-995D-C40C7A64D16A}"/>
+          <p:cNvPr id="8" name="Straight Connector 7">
+            <a:extLst>
+              <a:ext uri="{FF2B5EF4-FFF2-40B4-BE49-F238E27FC236}">
+                <a16:creationId xmlns:a16="http://schemas.microsoft.com/office/drawing/2014/main" id="{11113E4C-A68B-48CD-9A5D-F37B600CB456}"/>
               </a:ext>
             </a:extLst>
           </p:cNvPr>
@@ -4316,59 +4367,12 @@
           </a:fontRef>
         </p:style>
       </p:cxnSp>
-      <p:pic>
-        <p:nvPicPr>
-          <p:cNvPr id="1032" name="Picture 8" descr="Image result for database flat design png">
-            <a:extLst>
-              <a:ext uri="{FF2B5EF4-FFF2-40B4-BE49-F238E27FC236}">
-                <a16:creationId xmlns:a16="http://schemas.microsoft.com/office/drawing/2014/main" id="{83A42935-D96D-4CE4-9926-88F99E4FD878}"/>
-              </a:ext>
-            </a:extLst>
-          </p:cNvPr>
-          <p:cNvPicPr>
-            <a:picLocks noChangeAspect="1" noChangeArrowheads="1"/>
-          </p:cNvPicPr>
-          <p:nvPr/>
-        </p:nvPicPr>
-        <p:blipFill>
-          <a:blip r:embed="rId4">
-            <a:extLst>
-              <a:ext uri="{28A0092B-C50C-407E-A947-70E740481C1C}">
-                <a14:useLocalDpi xmlns:a14="http://schemas.microsoft.com/office/drawing/2010/main" val="0"/>
-              </a:ext>
-            </a:extLst>
-          </a:blip>
-          <a:srcRect/>
-          <a:stretch>
-            <a:fillRect/>
-          </a:stretch>
-        </p:blipFill>
-        <p:spPr bwMode="auto">
-          <a:xfrm>
-            <a:off x="9798079" y="311205"/>
-            <a:ext cx="1943838" cy="1943838"/>
-          </a:xfrm>
-          <a:prstGeom prst="rect">
-            <a:avLst/>
-          </a:prstGeom>
-          <a:noFill/>
-          <a:extLst>
-            <a:ext uri="{909E8E84-426E-40DD-AFC4-6F175D3DCCD1}">
-              <a14:hiddenFill xmlns:a14="http://schemas.microsoft.com/office/drawing/2010/main">
-                <a:solidFill>
-                  <a:srgbClr val="FFFFFF"/>
-                </a:solidFill>
-              </a14:hiddenFill>
-            </a:ext>
-          </a:extLst>
-        </p:spPr>
-      </p:pic>
       <p:sp>
         <p:nvSpPr>
-          <p:cNvPr id="25" name="Arrow: Right 24">
-            <a:extLst>
-              <a:ext uri="{FF2B5EF4-FFF2-40B4-BE49-F238E27FC236}">
-                <a16:creationId xmlns:a16="http://schemas.microsoft.com/office/drawing/2014/main" id="{BEBB4EA7-34EF-4803-9A97-FD4C6F01FC78}"/>
+          <p:cNvPr id="9" name="Rectangle 8">
+            <a:extLst>
+              <a:ext uri="{FF2B5EF4-FFF2-40B4-BE49-F238E27FC236}">
+                <a16:creationId xmlns:a16="http://schemas.microsoft.com/office/drawing/2014/main" id="{60B0BA1F-9C56-4CFC-BF23-3DC8927CE5F2}"/>
               </a:ext>
             </a:extLst>
           </p:cNvPr>
@@ -4377,12 +4381,18 @@
         </p:nvSpPr>
         <p:spPr>
           <a:xfrm>
-            <a:off x="7078709" y="1189829"/>
-            <a:ext cx="2335623" cy="456832"/>
+            <a:off x="993531" y="5399628"/>
+            <a:ext cx="2444261" cy="1169377"/>
           </a:xfrm>
-          <a:prstGeom prst="rightArrow">
+          <a:prstGeom prst="rect">
             <a:avLst/>
           </a:prstGeom>
+          <a:solidFill>
+            <a:schemeClr val="bg1"/>
+          </a:solidFill>
+          <a:ln>
+            <a:noFill/>
+          </a:ln>
         </p:spPr>
         <p:style>
           <a:lnRef idx="2">
@@ -4405,16 +4415,349 @@
           <a:lstStyle/>
           <a:p>
             <a:pPr algn="ctr"/>
-            <a:endParaRPr lang="en-US"/>
+            <a:r>
+              <a:rPr lang="en-US" dirty="0">
+                <a:solidFill>
+                  <a:srgbClr val="5F9ED7"/>
+                </a:solidFill>
+              </a:rPr>
+              <a:t>Hasil Output : </a:t>
+            </a:r>
+            <a:r>
+              <a:rPr lang="en-US" dirty="0" err="1">
+                <a:solidFill>
+                  <a:srgbClr val="5F9ED7"/>
+                </a:solidFill>
+              </a:rPr>
+              <a:t>Jumlah</a:t>
+            </a:r>
+            <a:r>
+              <a:rPr lang="en-US" dirty="0">
+                <a:solidFill>
+                  <a:srgbClr val="5F9ED7"/>
+                </a:solidFill>
+              </a:rPr>
+              <a:t> larva pada 1 </a:t>
+            </a:r>
+            <a:r>
+              <a:rPr lang="en-US" dirty="0" err="1">
+                <a:solidFill>
+                  <a:srgbClr val="5F9ED7"/>
+                </a:solidFill>
+              </a:rPr>
+              <a:t>kolam</a:t>
+            </a:r>
+            <a:r>
+              <a:rPr lang="en-US" dirty="0">
+                <a:solidFill>
+                  <a:srgbClr val="5F9ED7"/>
+                </a:solidFill>
+              </a:rPr>
+              <a:t> </a:t>
+            </a:r>
+            <a:r>
+              <a:rPr lang="en-US" dirty="0" err="1">
+                <a:solidFill>
+                  <a:srgbClr val="5F9ED7"/>
+                </a:solidFill>
+              </a:rPr>
+              <a:t>Pemeliharaan</a:t>
+            </a:r>
+            <a:r>
+              <a:rPr lang="en-US" dirty="0">
+                <a:solidFill>
+                  <a:srgbClr val="5F9ED7"/>
+                </a:solidFill>
+              </a:rPr>
+              <a:t> </a:t>
+            </a:r>
           </a:p>
         </p:txBody>
       </p:sp>
       <p:sp>
         <p:nvSpPr>
-          <p:cNvPr id="26" name="TextBox 25">
-            <a:extLst>
-              <a:ext uri="{FF2B5EF4-FFF2-40B4-BE49-F238E27FC236}">
-                <a16:creationId xmlns:a16="http://schemas.microsoft.com/office/drawing/2014/main" id="{FE19ECD9-02D0-4D41-ADB5-13AC0053C22A}"/>
+          <p:cNvPr id="12" name="Arrow: Right 11">
+            <a:extLst>
+              <a:ext uri="{FF2B5EF4-FFF2-40B4-BE49-F238E27FC236}">
+                <a16:creationId xmlns:a16="http://schemas.microsoft.com/office/drawing/2014/main" id="{CB9420EF-7307-4E19-BAD1-A0EDA2AFB84B}"/>
+              </a:ext>
+            </a:extLst>
+          </p:cNvPr>
+          <p:cNvSpPr/>
+          <p:nvPr/>
+        </p:nvSpPr>
+        <p:spPr>
+          <a:xfrm>
+            <a:off x="3717314" y="2436445"/>
+            <a:ext cx="4658590" cy="647700"/>
+          </a:xfrm>
+          <a:prstGeom prst="rightArrow">
+            <a:avLst/>
+          </a:prstGeom>
+          <a:solidFill>
+            <a:schemeClr val="bg1"/>
+          </a:solidFill>
+        </p:spPr>
+        <p:style>
+          <a:lnRef idx="2">
+            <a:schemeClr val="accent5">
+              <a:shade val="50000"/>
+            </a:schemeClr>
+          </a:lnRef>
+          <a:fillRef idx="1">
+            <a:schemeClr val="accent5"/>
+          </a:fillRef>
+          <a:effectRef idx="0">
+            <a:schemeClr val="accent5"/>
+          </a:effectRef>
+          <a:fontRef idx="minor">
+            <a:schemeClr val="lt1"/>
+          </a:fontRef>
+        </p:style>
+        <p:txBody>
+          <a:bodyPr rtlCol="0" anchor="ctr"/>
+          <a:lstStyle/>
+          <a:p>
+            <a:pPr algn="ctr"/>
+            <a:endParaRPr lang="en-US"/>
+          </a:p>
+        </p:txBody>
+      </p:sp>
+      <p:sp>
+        <p:nvSpPr>
+          <p:cNvPr id="14" name="Arrow: Right 13">
+            <a:extLst>
+              <a:ext uri="{FF2B5EF4-FFF2-40B4-BE49-F238E27FC236}">
+                <a16:creationId xmlns:a16="http://schemas.microsoft.com/office/drawing/2014/main" id="{78DFDF5D-BE13-401D-A2EC-D4EA1F6C8897}"/>
+              </a:ext>
+            </a:extLst>
+          </p:cNvPr>
+          <p:cNvSpPr/>
+          <p:nvPr/>
+        </p:nvSpPr>
+        <p:spPr>
+          <a:xfrm rot="5400000">
+            <a:off x="8955001" y="4019939"/>
+            <a:ext cx="1846310" cy="647700"/>
+          </a:xfrm>
+          <a:prstGeom prst="rightArrow">
+            <a:avLst/>
+          </a:prstGeom>
+          <a:solidFill>
+            <a:schemeClr val="bg1"/>
+          </a:solidFill>
+        </p:spPr>
+        <p:style>
+          <a:lnRef idx="2">
+            <a:schemeClr val="accent5">
+              <a:shade val="50000"/>
+            </a:schemeClr>
+          </a:lnRef>
+          <a:fillRef idx="1">
+            <a:schemeClr val="accent5"/>
+          </a:fillRef>
+          <a:effectRef idx="0">
+            <a:schemeClr val="accent5"/>
+          </a:effectRef>
+          <a:fontRef idx="minor">
+            <a:schemeClr val="lt1"/>
+          </a:fontRef>
+        </p:style>
+        <p:txBody>
+          <a:bodyPr rtlCol="0" anchor="ctr"/>
+          <a:lstStyle/>
+          <a:p>
+            <a:pPr algn="ctr"/>
+            <a:endParaRPr lang="en-US"/>
+          </a:p>
+        </p:txBody>
+      </p:sp>
+      <p:sp>
+        <p:nvSpPr>
+          <p:cNvPr id="17" name="Arrow: Right 16">
+            <a:extLst>
+              <a:ext uri="{FF2B5EF4-FFF2-40B4-BE49-F238E27FC236}">
+                <a16:creationId xmlns:a16="http://schemas.microsoft.com/office/drawing/2014/main" id="{FE400D9F-B3CC-4D9E-A5AB-A29E3BF034DA}"/>
+              </a:ext>
+            </a:extLst>
+          </p:cNvPr>
+          <p:cNvSpPr/>
+          <p:nvPr/>
+        </p:nvSpPr>
+        <p:spPr>
+          <a:xfrm flipH="1">
+            <a:off x="3717314" y="5660465"/>
+            <a:ext cx="4658590" cy="647700"/>
+          </a:xfrm>
+          <a:prstGeom prst="rightArrow">
+            <a:avLst/>
+          </a:prstGeom>
+          <a:solidFill>
+            <a:schemeClr val="bg1"/>
+          </a:solidFill>
+        </p:spPr>
+        <p:style>
+          <a:lnRef idx="2">
+            <a:schemeClr val="accent5">
+              <a:shade val="50000"/>
+            </a:schemeClr>
+          </a:lnRef>
+          <a:fillRef idx="1">
+            <a:schemeClr val="accent5"/>
+          </a:fillRef>
+          <a:effectRef idx="0">
+            <a:schemeClr val="accent5"/>
+          </a:effectRef>
+          <a:fontRef idx="minor">
+            <a:schemeClr val="lt1"/>
+          </a:fontRef>
+        </p:style>
+        <p:txBody>
+          <a:bodyPr rtlCol="0" anchor="ctr"/>
+          <a:lstStyle/>
+          <a:p>
+            <a:pPr algn="ctr"/>
+            <a:endParaRPr lang="en-US"/>
+          </a:p>
+        </p:txBody>
+      </p:sp>
+    </p:spTree>
+    <p:extLst>
+      <p:ext uri="{BB962C8B-B14F-4D97-AF65-F5344CB8AC3E}">
+        <p14:creationId xmlns:p14="http://schemas.microsoft.com/office/powerpoint/2010/main" val="1115344817"/>
+      </p:ext>
+    </p:extLst>
+  </p:cSld>
+  <p:clrMapOvr>
+    <a:masterClrMapping/>
+  </p:clrMapOvr>
+</p:sld>
+</file>
+
+<file path=ppt/slides/slide11.xml><?xml version="1.0" encoding="utf-8"?>
+<p:sld xmlns:a="http://schemas.openxmlformats.org/drawingml/2006/main" xmlns:r="http://schemas.openxmlformats.org/officeDocument/2006/relationships" xmlns:p="http://schemas.openxmlformats.org/presentationml/2006/main">
+  <p:cSld>
+    <p:spTree>
+      <p:nvGrpSpPr>
+        <p:cNvPr id="1" name=""/>
+        <p:cNvGrpSpPr/>
+        <p:nvPr/>
+      </p:nvGrpSpPr>
+      <p:grpSpPr>
+        <a:xfrm>
+          <a:off x="0" y="0"/>
+          <a:ext cx="0" cy="0"/>
+          <a:chOff x="0" y="0"/>
+          <a:chExt cx="0" cy="0"/>
+        </a:xfrm>
+      </p:grpSpPr>
+      <p:sp>
+        <p:nvSpPr>
+          <p:cNvPr id="2" name="Title 1">
+            <a:extLst>
+              <a:ext uri="{FF2B5EF4-FFF2-40B4-BE49-F238E27FC236}">
+                <a16:creationId xmlns:a16="http://schemas.microsoft.com/office/drawing/2014/main" id="{241297FC-CCB7-4A22-BF4A-1E92F9697BAA}"/>
+              </a:ext>
+            </a:extLst>
+          </p:cNvPr>
+          <p:cNvSpPr>
+            <a:spLocks noGrp="1"/>
+          </p:cNvSpPr>
+          <p:nvPr>
+            <p:ph type="title"/>
+          </p:nvPr>
+        </p:nvSpPr>
+        <p:spPr>
+          <a:xfrm>
+            <a:off x="282848" y="117841"/>
+            <a:ext cx="10515600" cy="1325563"/>
+          </a:xfrm>
+        </p:spPr>
+        <p:txBody>
+          <a:bodyPr/>
+          <a:lstStyle/>
+          <a:p>
+            <a:r>
+              <a:rPr lang="en-US" b="1" dirty="0" err="1">
+                <a:solidFill>
+                  <a:schemeClr val="bg1"/>
+                </a:solidFill>
+                <a:latin typeface="Bahnschrift" panose="020B0502040204020203" pitchFamily="34" charset="0"/>
+              </a:rPr>
+              <a:t>Rancangan</a:t>
+            </a:r>
+            <a:r>
+              <a:rPr lang="en-US" b="1" dirty="0">
+                <a:solidFill>
+                  <a:schemeClr val="bg1"/>
+                </a:solidFill>
+                <a:latin typeface="Bahnschrift" panose="020B0502040204020203" pitchFamily="34" charset="0"/>
+              </a:rPr>
+              <a:t> </a:t>
+            </a:r>
+            <a:r>
+              <a:rPr lang="en-US" b="1" dirty="0" err="1">
+                <a:solidFill>
+                  <a:schemeClr val="bg1"/>
+                </a:solidFill>
+                <a:latin typeface="Bahnschrift" panose="020B0502040204020203" pitchFamily="34" charset="0"/>
+              </a:rPr>
+              <a:t>Sistem</a:t>
+            </a:r>
+            <a:r>
+              <a:rPr lang="en-US" b="1" dirty="0">
+                <a:solidFill>
+                  <a:schemeClr val="bg1"/>
+                </a:solidFill>
+                <a:latin typeface="Bahnschrift" panose="020B0502040204020203" pitchFamily="34" charset="0"/>
+              </a:rPr>
+              <a:t> </a:t>
+            </a:r>
+          </a:p>
+        </p:txBody>
+      </p:sp>
+      <p:pic>
+        <p:nvPicPr>
+          <p:cNvPr id="5" name="Picture 4">
+            <a:extLst>
+              <a:ext uri="{FF2B5EF4-FFF2-40B4-BE49-F238E27FC236}">
+                <a16:creationId xmlns:a16="http://schemas.microsoft.com/office/drawing/2014/main" id="{ED627B83-1121-4809-ADB3-948759B2DF2D}"/>
+              </a:ext>
+            </a:extLst>
+          </p:cNvPr>
+          <p:cNvPicPr>
+            <a:picLocks noChangeAspect="1"/>
+          </p:cNvPicPr>
+          <p:nvPr/>
+        </p:nvPicPr>
+        <p:blipFill>
+          <a:blip r:embed="rId2">
+            <a:extLst>
+              <a:ext uri="{28A0092B-C50C-407E-A947-70E740481C1C}">
+                <a14:useLocalDpi xmlns:a14="http://schemas.microsoft.com/office/drawing/2010/main" val="0"/>
+              </a:ext>
+            </a:extLst>
+          </a:blip>
+          <a:stretch>
+            <a:fillRect/>
+          </a:stretch>
+        </p:blipFill>
+        <p:spPr>
+          <a:xfrm>
+            <a:off x="1026821" y="2858105"/>
+            <a:ext cx="2116213" cy="2473426"/>
+          </a:xfrm>
+          <a:prstGeom prst="rect">
+            <a:avLst/>
+          </a:prstGeom>
+        </p:spPr>
+      </p:pic>
+      <p:sp>
+        <p:nvSpPr>
+          <p:cNvPr id="15" name="TextBox 14">
+            <a:extLst>
+              <a:ext uri="{FF2B5EF4-FFF2-40B4-BE49-F238E27FC236}">
+                <a16:creationId xmlns:a16="http://schemas.microsoft.com/office/drawing/2014/main" id="{C5088306-F2BD-417D-B32D-3D0C4342449B}"/>
               </a:ext>
             </a:extLst>
           </p:cNvPr>
@@ -4423,8 +4766,8 @@
         </p:nvSpPr>
         <p:spPr>
           <a:xfrm>
-            <a:off x="5248669" y="2093042"/>
-            <a:ext cx="3495281" cy="1569660"/>
+            <a:off x="462746" y="5661878"/>
+            <a:ext cx="3244361" cy="830997"/>
           </a:xfrm>
           <a:prstGeom prst="rect">
             <a:avLst/>
@@ -4438,333 +4781,305 @@
           <a:lstStyle/>
           <a:p>
             <a:r>
-              <a:rPr lang="en-US" sz="1200" dirty="0"/>
-              <a:t>Gambar larva </a:t>
-            </a:r>
-            <a:r>
-              <a:rPr lang="en-US" sz="1200" dirty="0" err="1"/>
-              <a:t>kemudian</a:t>
-            </a:r>
-            <a:r>
-              <a:rPr lang="en-US" sz="1200" dirty="0"/>
-              <a:t> di </a:t>
-            </a:r>
-            <a:r>
-              <a:rPr lang="en-US" sz="1200" dirty="0" err="1"/>
-              <a:t>kirim</a:t>
-            </a:r>
-            <a:r>
-              <a:rPr lang="en-US" sz="1200" dirty="0"/>
-              <a:t> </a:t>
-            </a:r>
-            <a:r>
-              <a:rPr lang="en-US" sz="1200" dirty="0" err="1"/>
+              <a:rPr lang="en-US" sz="1200" dirty="0" err="1">
+                <a:solidFill>
+                  <a:schemeClr val="bg1"/>
+                </a:solidFill>
+              </a:rPr>
+              <a:t>Sebelum</a:t>
+            </a:r>
+            <a:r>
+              <a:rPr lang="en-US" sz="1200" dirty="0">
+                <a:solidFill>
+                  <a:schemeClr val="bg1"/>
+                </a:solidFill>
+              </a:rPr>
+              <a:t> Zoea yang </a:t>
+            </a:r>
+            <a:r>
+              <a:rPr lang="en-US" sz="1200" dirty="0" err="1">
+                <a:solidFill>
+                  <a:schemeClr val="bg1"/>
+                </a:solidFill>
+              </a:rPr>
+              <a:t>dipanen</a:t>
+            </a:r>
+            <a:r>
+              <a:rPr lang="en-US" sz="1200" dirty="0">
+                <a:solidFill>
+                  <a:schemeClr val="bg1"/>
+                </a:solidFill>
+              </a:rPr>
+              <a:t> </a:t>
+            </a:r>
+            <a:r>
+              <a:rPr lang="en-US" sz="1200" dirty="0" err="1">
+                <a:solidFill>
+                  <a:schemeClr val="bg1"/>
+                </a:solidFill>
+              </a:rPr>
+              <a:t>dari</a:t>
+            </a:r>
+            <a:r>
+              <a:rPr lang="en-US" sz="1200" dirty="0">
+                <a:solidFill>
+                  <a:schemeClr val="bg1"/>
+                </a:solidFill>
+              </a:rPr>
+              <a:t> </a:t>
+            </a:r>
+            <a:r>
+              <a:rPr lang="en-US" sz="1200" dirty="0" err="1">
+                <a:solidFill>
+                  <a:schemeClr val="bg1"/>
+                </a:solidFill>
+              </a:rPr>
+              <a:t>bak</a:t>
+            </a:r>
+            <a:r>
+              <a:rPr lang="en-US" sz="1200" dirty="0">
+                <a:solidFill>
+                  <a:schemeClr val="bg1"/>
+                </a:solidFill>
+              </a:rPr>
+              <a:t> </a:t>
+            </a:r>
+            <a:r>
+              <a:rPr lang="en-US" sz="1200" dirty="0" err="1">
+                <a:solidFill>
+                  <a:schemeClr val="bg1"/>
+                </a:solidFill>
+              </a:rPr>
+              <a:t>penetasan</a:t>
+            </a:r>
+            <a:endParaRPr lang="en-US" sz="1200" dirty="0">
+              <a:solidFill>
+                <a:schemeClr val="bg1"/>
+              </a:solidFill>
+            </a:endParaRPr>
+          </a:p>
+          <a:p>
+            <a:r>
+              <a:rPr lang="en-US" sz="1200" dirty="0" err="1">
+                <a:solidFill>
+                  <a:schemeClr val="bg1"/>
+                </a:solidFill>
+              </a:rPr>
+              <a:t>Dipindahkan</a:t>
+            </a:r>
+            <a:r>
+              <a:rPr lang="en-US" sz="1200" dirty="0">
+                <a:solidFill>
+                  <a:schemeClr val="bg1"/>
+                </a:solidFill>
+              </a:rPr>
+              <a:t> </a:t>
+            </a:r>
+            <a:r>
+              <a:rPr lang="en-US" sz="1200" dirty="0" err="1">
+                <a:solidFill>
+                  <a:schemeClr val="bg1"/>
+                </a:solidFill>
+              </a:rPr>
               <a:t>ke</a:t>
             </a:r>
             <a:r>
-              <a:rPr lang="en-US" sz="1200" dirty="0"/>
-              <a:t> Raspberry pi 3 dan di proses </a:t>
-            </a:r>
-            <a:r>
-              <a:rPr lang="en-US" sz="1200" dirty="0" err="1"/>
-              <a:t>untuk</a:t>
-            </a:r>
-            <a:r>
-              <a:rPr lang="en-US" sz="1200" dirty="0"/>
-              <a:t> </a:t>
-            </a:r>
-            <a:r>
-              <a:rPr lang="en-US" sz="1200" dirty="0" err="1"/>
-              <a:t>mendeteksi</a:t>
-            </a:r>
-            <a:r>
-              <a:rPr lang="en-US" sz="1200" dirty="0"/>
-              <a:t> larva yang </a:t>
-            </a:r>
-            <a:r>
-              <a:rPr lang="en-US" sz="1200" dirty="0" err="1"/>
-              <a:t>ada</a:t>
-            </a:r>
-            <a:r>
-              <a:rPr lang="en-US" sz="1200" dirty="0"/>
-              <a:t> pada </a:t>
-            </a:r>
-            <a:r>
-              <a:rPr lang="en-US" sz="1200" dirty="0" err="1"/>
+              <a:rPr lang="en-US" sz="1200" dirty="0">
+                <a:solidFill>
+                  <a:schemeClr val="bg1"/>
+                </a:solidFill>
+              </a:rPr>
+              <a:t> </a:t>
+            </a:r>
+            <a:r>
+              <a:rPr lang="en-US" sz="1200" dirty="0" err="1">
+                <a:solidFill>
+                  <a:schemeClr val="bg1"/>
+                </a:solidFill>
+              </a:rPr>
+              <a:t>bak</a:t>
+            </a:r>
+            <a:r>
+              <a:rPr lang="en-US" sz="1200" dirty="0">
+                <a:solidFill>
+                  <a:schemeClr val="bg1"/>
+                </a:solidFill>
+              </a:rPr>
+              <a:t> </a:t>
+            </a:r>
+            <a:r>
+              <a:rPr lang="en-US" sz="1200" dirty="0" err="1">
+                <a:solidFill>
+                  <a:schemeClr val="bg1"/>
+                </a:solidFill>
+              </a:rPr>
+              <a:t>pemeliharaan</a:t>
+            </a:r>
+            <a:r>
+              <a:rPr lang="en-US" sz="1200" dirty="0">
+                <a:solidFill>
+                  <a:schemeClr val="bg1"/>
+                </a:solidFill>
+              </a:rPr>
+              <a:t> </a:t>
+            </a:r>
+            <a:r>
+              <a:rPr lang="en-US" sz="1200" dirty="0" err="1">
+                <a:solidFill>
+                  <a:schemeClr val="bg1"/>
+                </a:solidFill>
+              </a:rPr>
+              <a:t>menggunakan</a:t>
+            </a:r>
+            <a:r>
+              <a:rPr lang="en-US" sz="1200" dirty="0">
+                <a:solidFill>
+                  <a:schemeClr val="bg1"/>
+                </a:solidFill>
+              </a:rPr>
+              <a:t> </a:t>
+            </a:r>
+          </a:p>
+          <a:p>
+            <a:r>
+              <a:rPr lang="en-US" sz="1200" dirty="0" err="1">
+                <a:solidFill>
+                  <a:schemeClr val="bg1"/>
+                </a:solidFill>
+              </a:rPr>
+              <a:t>wadah</a:t>
+            </a:r>
+            <a:r>
+              <a:rPr lang="en-US" sz="1200" dirty="0">
+                <a:solidFill>
+                  <a:schemeClr val="bg1"/>
+                </a:solidFill>
+              </a:rPr>
+              <a:t> 1 Liter, </a:t>
+            </a:r>
+            <a:r>
+              <a:rPr lang="en-US" sz="1200" dirty="0" err="1">
+                <a:solidFill>
+                  <a:schemeClr val="bg1"/>
+                </a:solidFill>
+              </a:rPr>
+              <a:t>kamera</a:t>
+            </a:r>
+            <a:r>
+              <a:rPr lang="en-US" sz="1200" dirty="0">
+                <a:solidFill>
+                  <a:schemeClr val="bg1"/>
+                </a:solidFill>
+              </a:rPr>
+              <a:t> </a:t>
+            </a:r>
+            <a:r>
+              <a:rPr lang="en-US" sz="1200" dirty="0" err="1">
+                <a:solidFill>
+                  <a:schemeClr val="bg1"/>
+                </a:solidFill>
+              </a:rPr>
+              <a:t>akan</a:t>
+            </a:r>
+            <a:r>
+              <a:rPr lang="en-US" sz="1200" dirty="0">
+                <a:solidFill>
+                  <a:schemeClr val="bg1"/>
+                </a:solidFill>
+              </a:rPr>
+              <a:t> </a:t>
+            </a:r>
+            <a:r>
+              <a:rPr lang="en-US" sz="1200" dirty="0" err="1">
+                <a:solidFill>
+                  <a:schemeClr val="bg1"/>
+                </a:solidFill>
+              </a:rPr>
+              <a:t>mengambil</a:t>
+            </a:r>
+            <a:r>
+              <a:rPr lang="en-US" sz="1200" dirty="0">
+                <a:solidFill>
+                  <a:schemeClr val="bg1"/>
+                </a:solidFill>
+              </a:rPr>
+              <a:t> </a:t>
+            </a:r>
+            <a:r>
+              <a:rPr lang="en-US" sz="1200" dirty="0" err="1">
+                <a:solidFill>
+                  <a:schemeClr val="bg1"/>
+                </a:solidFill>
+              </a:rPr>
               <a:t>gambar</a:t>
             </a:r>
-            <a:r>
-              <a:rPr lang="en-US" sz="1200" dirty="0"/>
-              <a:t>, </a:t>
-            </a:r>
-            <a:r>
-              <a:rPr lang="en-US" sz="1200" dirty="0" err="1"/>
-              <a:t>lalu</a:t>
-            </a:r>
-            <a:r>
-              <a:rPr lang="en-US" sz="1200" dirty="0"/>
-              <a:t> </a:t>
-            </a:r>
-            <a:r>
-              <a:rPr lang="en-US" sz="1200" dirty="0" err="1"/>
-              <a:t>kemudian</a:t>
-            </a:r>
-            <a:r>
-              <a:rPr lang="en-US" sz="1200" dirty="0"/>
-              <a:t> </a:t>
-            </a:r>
-            <a:r>
-              <a:rPr lang="en-US" sz="1200" dirty="0" err="1"/>
-              <a:t>akan</a:t>
-            </a:r>
-            <a:r>
-              <a:rPr lang="en-US" sz="1200" dirty="0"/>
-              <a:t> </a:t>
-            </a:r>
-            <a:r>
-              <a:rPr lang="en-US" sz="1200" dirty="0" err="1"/>
-              <a:t>dilakukan</a:t>
-            </a:r>
-            <a:r>
-              <a:rPr lang="en-US" sz="1200" dirty="0"/>
-              <a:t> </a:t>
-            </a:r>
-            <a:r>
-              <a:rPr lang="en-US" sz="1200" dirty="0" err="1"/>
-              <a:t>perhitungan</a:t>
-            </a:r>
-            <a:r>
-              <a:rPr lang="en-US" sz="1200" dirty="0"/>
-              <a:t> </a:t>
-            </a:r>
-            <a:r>
-              <a:rPr lang="en-US" sz="1200" dirty="0" err="1"/>
-              <a:t>jumlah</a:t>
-            </a:r>
-            <a:r>
-              <a:rPr lang="en-US" sz="1200" dirty="0"/>
-              <a:t> larva pada 1 </a:t>
-            </a:r>
-            <a:r>
-              <a:rPr lang="en-US" sz="1200" dirty="0" err="1"/>
-              <a:t>gambar</a:t>
-            </a:r>
-            <a:r>
-              <a:rPr lang="en-US" sz="1200" dirty="0"/>
-              <a:t>. Hal </a:t>
-            </a:r>
-            <a:r>
-              <a:rPr lang="en-US" sz="1200" dirty="0" err="1"/>
-              <a:t>ini</a:t>
-            </a:r>
-            <a:r>
-              <a:rPr lang="en-US" sz="1200" dirty="0"/>
-              <a:t> </a:t>
-            </a:r>
-            <a:r>
-              <a:rPr lang="en-US" sz="1200" dirty="0" err="1"/>
-              <a:t>akan</a:t>
-            </a:r>
-            <a:r>
-              <a:rPr lang="en-US" sz="1200" dirty="0"/>
-              <a:t> </a:t>
-            </a:r>
-            <a:r>
-              <a:rPr lang="en-US" sz="1200" dirty="0" err="1"/>
-              <a:t>dilakukan</a:t>
-            </a:r>
-            <a:r>
-              <a:rPr lang="en-US" sz="1200" dirty="0"/>
-              <a:t> </a:t>
-            </a:r>
-            <a:r>
-              <a:rPr lang="en-US" sz="1200" dirty="0" err="1"/>
-              <a:t>berulang-ulang</a:t>
-            </a:r>
-            <a:r>
-              <a:rPr lang="en-US" sz="1200" dirty="0"/>
-              <a:t> </a:t>
-            </a:r>
-            <a:r>
-              <a:rPr lang="en-US" sz="1200" dirty="0" err="1"/>
-              <a:t>sebanyak</a:t>
-            </a:r>
-            <a:r>
-              <a:rPr lang="en-US" sz="1200" dirty="0"/>
-              <a:t> 10 </a:t>
-            </a:r>
-            <a:r>
-              <a:rPr lang="en-US" sz="1200" dirty="0" err="1"/>
-              <a:t>gambar</a:t>
-            </a:r>
-            <a:r>
-              <a:rPr lang="en-US" sz="1200" dirty="0"/>
-              <a:t>, </a:t>
-            </a:r>
-            <a:r>
-              <a:rPr lang="en-US" sz="1200" dirty="0" err="1"/>
-              <a:t>lalu</a:t>
-            </a:r>
-            <a:r>
-              <a:rPr lang="en-US" sz="1200" dirty="0"/>
-              <a:t> total larva </a:t>
-            </a:r>
-            <a:r>
-              <a:rPr lang="en-US" sz="1200" dirty="0" err="1"/>
-              <a:t>dari</a:t>
-            </a:r>
-            <a:r>
-              <a:rPr lang="en-US" sz="1200" dirty="0"/>
-              <a:t> 10 </a:t>
-            </a:r>
-            <a:r>
-              <a:rPr lang="en-US" sz="1200" dirty="0" err="1"/>
-              <a:t>wadah</a:t>
-            </a:r>
-            <a:r>
-              <a:rPr lang="en-US" sz="1200" dirty="0"/>
-              <a:t> </a:t>
-            </a:r>
-            <a:r>
-              <a:rPr lang="en-US" sz="1200" dirty="0" err="1"/>
-              <a:t>akan</a:t>
-            </a:r>
-            <a:r>
-              <a:rPr lang="en-US" sz="1200" dirty="0"/>
-              <a:t> di rata-</a:t>
-            </a:r>
-            <a:r>
-              <a:rPr lang="en-US" sz="1200" dirty="0" err="1"/>
-              <a:t>ratakan</a:t>
-            </a:r>
-            <a:r>
-              <a:rPr lang="en-US" sz="1200" dirty="0"/>
-              <a:t> </a:t>
-            </a:r>
-            <a:r>
-              <a:rPr lang="en-US" sz="1200" dirty="0" err="1"/>
-              <a:t>kemudian</a:t>
-            </a:r>
-            <a:r>
-              <a:rPr lang="en-US" sz="1200" dirty="0"/>
-              <a:t> </a:t>
-            </a:r>
-            <a:r>
-              <a:rPr lang="en-US" sz="1200" dirty="0" err="1"/>
-              <a:t>nilai</a:t>
-            </a:r>
-            <a:r>
-              <a:rPr lang="en-US" sz="1200" dirty="0"/>
-              <a:t> rata-</a:t>
-            </a:r>
-            <a:r>
-              <a:rPr lang="en-US" sz="1200" dirty="0" err="1"/>
-              <a:t>ratanya</a:t>
-            </a:r>
-            <a:r>
-              <a:rPr lang="en-US" sz="1200" dirty="0"/>
-              <a:t> </a:t>
-            </a:r>
-            <a:r>
-              <a:rPr lang="en-US" sz="1200" dirty="0" err="1"/>
-              <a:t>akan</a:t>
-            </a:r>
-            <a:r>
-              <a:rPr lang="en-US" sz="1200" dirty="0"/>
-              <a:t> </a:t>
-            </a:r>
-            <a:r>
-              <a:rPr lang="en-US" sz="1200" dirty="0" err="1"/>
-              <a:t>dikalikan</a:t>
-            </a:r>
-            <a:r>
-              <a:rPr lang="en-US" sz="1200" dirty="0"/>
-              <a:t> 20 </a:t>
-            </a:r>
-            <a:r>
-              <a:rPr lang="en-US" sz="1200" dirty="0" err="1"/>
-              <a:t>untuk</a:t>
-            </a:r>
-            <a:r>
-              <a:rPr lang="en-US" sz="1200" dirty="0"/>
-              <a:t> </a:t>
-            </a:r>
-            <a:r>
-              <a:rPr lang="en-US" sz="1200" dirty="0" err="1"/>
-              <a:t>mendapatkan</a:t>
-            </a:r>
-            <a:r>
-              <a:rPr lang="en-US" sz="1200" dirty="0"/>
-              <a:t> </a:t>
-            </a:r>
-            <a:r>
-              <a:rPr lang="en-US" sz="1200" dirty="0" err="1"/>
-              <a:t>nilai</a:t>
-            </a:r>
-            <a:r>
-              <a:rPr lang="en-US" sz="1200" dirty="0"/>
-              <a:t> </a:t>
-            </a:r>
-            <a:r>
-              <a:rPr lang="en-US" sz="1200" dirty="0" err="1"/>
-              <a:t>akhir</a:t>
-            </a:r>
-            <a:endParaRPr lang="en-US" sz="1200" dirty="0"/>
+            <a:endParaRPr lang="en-US" sz="1200" dirty="0">
+              <a:solidFill>
+                <a:schemeClr val="bg1"/>
+              </a:solidFill>
+            </a:endParaRPr>
+          </a:p>
+          <a:p>
+            <a:r>
+              <a:rPr lang="en-US" sz="1200" dirty="0">
+                <a:solidFill>
+                  <a:schemeClr val="bg1"/>
+                </a:solidFill>
+              </a:rPr>
+              <a:t>larva</a:t>
+            </a:r>
           </a:p>
         </p:txBody>
       </p:sp>
-      <p:sp>
-        <p:nvSpPr>
-          <p:cNvPr id="27" name="Arrow: Right 26">
-            <a:extLst>
-              <a:ext uri="{FF2B5EF4-FFF2-40B4-BE49-F238E27FC236}">
-                <a16:creationId xmlns:a16="http://schemas.microsoft.com/office/drawing/2014/main" id="{FCC76DFA-3903-4D2B-81C3-40D3788936D7}"/>
-              </a:ext>
-            </a:extLst>
-          </p:cNvPr>
-          <p:cNvSpPr/>
+      <p:cxnSp>
+        <p:nvCxnSpPr>
+          <p:cNvPr id="18" name="Straight Connector 17">
+            <a:extLst>
+              <a:ext uri="{FF2B5EF4-FFF2-40B4-BE49-F238E27FC236}">
+                <a16:creationId xmlns:a16="http://schemas.microsoft.com/office/drawing/2014/main" id="{5EBBF3DF-1039-42F4-995D-C40C7A64D16A}"/>
+              </a:ext>
+            </a:extLst>
+          </p:cNvPr>
+          <p:cNvCxnSpPr>
+            <a:cxnSpLocks/>
+          </p:cNvCxnSpPr>
           <p:nvPr/>
-        </p:nvSpPr>
+        </p:nvCxnSpPr>
         <p:spPr>
-          <a:xfrm rot="19162051">
-            <a:off x="2997134" y="2673480"/>
-            <a:ext cx="2593731" cy="456832"/>
+          <a:xfrm>
+            <a:off x="396071" y="1189829"/>
+            <a:ext cx="4595029" cy="0"/>
           </a:xfrm>
-          <a:prstGeom prst="rightArrow">
+          <a:prstGeom prst="line">
             <a:avLst/>
           </a:prstGeom>
+          <a:ln w="76200">
+            <a:solidFill>
+              <a:schemeClr val="bg1"/>
+            </a:solidFill>
+          </a:ln>
         </p:spPr>
         <p:style>
-          <a:lnRef idx="2">
-            <a:schemeClr val="accent1">
-              <a:shade val="50000"/>
-            </a:schemeClr>
+          <a:lnRef idx="1">
+            <a:schemeClr val="accent1"/>
           </a:lnRef>
-          <a:fillRef idx="1">
+          <a:fillRef idx="0">
             <a:schemeClr val="accent1"/>
           </a:fillRef>
           <a:effectRef idx="0">
             <a:schemeClr val="accent1"/>
           </a:effectRef>
           <a:fontRef idx="minor">
-            <a:schemeClr val="lt1"/>
+            <a:schemeClr val="tx1"/>
           </a:fontRef>
         </p:style>
-        <p:txBody>
-          <a:bodyPr rtlCol="0" anchor="ctr"/>
-          <a:lstStyle/>
-          <a:p>
-            <a:pPr algn="ctr"/>
-            <a:endParaRPr lang="en-US"/>
-          </a:p>
-        </p:txBody>
-      </p:sp>
+      </p:cxnSp>
       <p:sp>
         <p:nvSpPr>
-          <p:cNvPr id="28" name="TextBox 27">
-            <a:extLst>
-              <a:ext uri="{FF2B5EF4-FFF2-40B4-BE49-F238E27FC236}">
-                <a16:creationId xmlns:a16="http://schemas.microsoft.com/office/drawing/2014/main" id="{608BE617-7993-4AF2-9A59-CB9EF622307B}"/>
+          <p:cNvPr id="26" name="TextBox 25">
+            <a:extLst>
+              <a:ext uri="{FF2B5EF4-FFF2-40B4-BE49-F238E27FC236}">
+                <a16:creationId xmlns:a16="http://schemas.microsoft.com/office/drawing/2014/main" id="{FE19ECD9-02D0-4D41-ADB5-13AC0053C22A}"/>
               </a:ext>
             </a:extLst>
           </p:cNvPr>
@@ -4773,8 +5088,8 @@
         </p:nvSpPr>
         <p:spPr>
           <a:xfrm>
-            <a:off x="9798079" y="2295966"/>
-            <a:ext cx="1943838" cy="1015663"/>
+            <a:off x="8037589" y="5288340"/>
+            <a:ext cx="3495281" cy="1200329"/>
           </a:xfrm>
           <a:prstGeom prst="rect">
             <a:avLst/>
@@ -4788,101 +5103,532 @@
           <a:lstStyle/>
           <a:p>
             <a:r>
-              <a:rPr lang="en-US" sz="1200" dirty="0" err="1"/>
-              <a:t>Informasi</a:t>
-            </a:r>
-            <a:r>
-              <a:rPr lang="en-US" sz="1200" dirty="0"/>
-              <a:t> </a:t>
-            </a:r>
-            <a:r>
-              <a:rPr lang="en-US" sz="1200" dirty="0" err="1"/>
-              <a:t>terkait</a:t>
-            </a:r>
-            <a:r>
-              <a:rPr lang="en-US" sz="1200" dirty="0"/>
-              <a:t> </a:t>
-            </a:r>
-            <a:r>
-              <a:rPr lang="en-US" sz="1200" dirty="0" err="1"/>
-              <a:t>nilai</a:t>
-            </a:r>
-            <a:r>
-              <a:rPr lang="en-US" sz="1200" dirty="0"/>
-              <a:t> </a:t>
-            </a:r>
-            <a:r>
-              <a:rPr lang="en-US" sz="1200" dirty="0" err="1"/>
-              <a:t>akhir</a:t>
-            </a:r>
-            <a:r>
-              <a:rPr lang="en-US" sz="1200" dirty="0"/>
-              <a:t> </a:t>
-            </a:r>
-            <a:r>
-              <a:rPr lang="en-US" sz="1200" dirty="0" err="1"/>
+              <a:rPr lang="en-US" sz="1200" dirty="0">
+                <a:solidFill>
+                  <a:schemeClr val="bg1"/>
+                </a:solidFill>
+              </a:rPr>
+              <a:t>Gambar larva </a:t>
+            </a:r>
+            <a:r>
+              <a:rPr lang="en-US" sz="1200" dirty="0" err="1">
+                <a:solidFill>
+                  <a:schemeClr val="bg1"/>
+                </a:solidFill>
+              </a:rPr>
               <a:t>kemudian</a:t>
             </a:r>
             <a:r>
-              <a:rPr lang="en-US" sz="1200" dirty="0"/>
+              <a:rPr lang="en-US" sz="1200" dirty="0">
+                <a:solidFill>
+                  <a:schemeClr val="bg1"/>
+                </a:solidFill>
+              </a:rPr>
               <a:t> di </a:t>
             </a:r>
             <a:r>
-              <a:rPr lang="en-US" sz="1200" dirty="0" err="1"/>
-              <a:t>masukkan</a:t>
-            </a:r>
-            <a:r>
-              <a:rPr lang="en-US" sz="1200" dirty="0"/>
-              <a:t> </a:t>
-            </a:r>
-            <a:r>
-              <a:rPr lang="en-US" sz="1200" dirty="0" err="1"/>
+              <a:rPr lang="en-US" sz="1200" dirty="0" err="1">
+                <a:solidFill>
+                  <a:schemeClr val="bg1"/>
+                </a:solidFill>
+              </a:rPr>
+              <a:t>kirim</a:t>
+            </a:r>
+            <a:r>
+              <a:rPr lang="en-US" sz="1200" dirty="0">
+                <a:solidFill>
+                  <a:schemeClr val="bg1"/>
+                </a:solidFill>
+              </a:rPr>
+              <a:t> </a:t>
+            </a:r>
+            <a:r>
+              <a:rPr lang="en-US" sz="1200" dirty="0" err="1">
+                <a:solidFill>
+                  <a:schemeClr val="bg1"/>
+                </a:solidFill>
+              </a:rPr>
               <a:t>ke</a:t>
             </a:r>
             <a:r>
-              <a:rPr lang="en-US" sz="1200" dirty="0"/>
-              <a:t> </a:t>
-            </a:r>
-            <a:r>
-              <a:rPr lang="en-US" sz="1200" dirty="0" err="1"/>
-              <a:t>dalam</a:t>
-            </a:r>
-            <a:r>
-              <a:rPr lang="en-US" sz="1200" dirty="0"/>
-              <a:t> database yang </a:t>
-            </a:r>
-            <a:r>
-              <a:rPr lang="en-US" sz="1200" dirty="0" err="1"/>
-              <a:t>nantinya</a:t>
-            </a:r>
-            <a:r>
-              <a:rPr lang="en-US" sz="1200" dirty="0"/>
-              <a:t> </a:t>
-            </a:r>
-            <a:r>
-              <a:rPr lang="en-US" sz="1200" dirty="0" err="1"/>
-              <a:t>dapat</a:t>
-            </a:r>
-            <a:r>
-              <a:rPr lang="en-US" sz="1200" dirty="0"/>
-              <a:t> di </a:t>
-            </a:r>
-            <a:r>
-              <a:rPr lang="en-US" sz="1200" dirty="0" err="1"/>
-              <a:t>tampilkan</a:t>
-            </a:r>
-            <a:r>
-              <a:rPr lang="en-US" sz="1200" dirty="0"/>
-              <a:t> </a:t>
-            </a:r>
-            <a:r>
-              <a:rPr lang="en-US" sz="1200" dirty="0" err="1"/>
-              <a:t>melalui</a:t>
-            </a:r>
-            <a:r>
-              <a:rPr lang="en-US" sz="1200" dirty="0"/>
-              <a:t> website</a:t>
-            </a:r>
+              <a:rPr lang="en-US" sz="1200" dirty="0">
+                <a:solidFill>
+                  <a:schemeClr val="bg1"/>
+                </a:solidFill>
+              </a:rPr>
+              <a:t> Laptop dan di proses </a:t>
+            </a:r>
+            <a:r>
+              <a:rPr lang="en-US" sz="1200" dirty="0" err="1">
+                <a:solidFill>
+                  <a:schemeClr val="bg1"/>
+                </a:solidFill>
+              </a:rPr>
+              <a:t>untuk</a:t>
+            </a:r>
+            <a:r>
+              <a:rPr lang="en-US" sz="1200" dirty="0">
+                <a:solidFill>
+                  <a:schemeClr val="bg1"/>
+                </a:solidFill>
+              </a:rPr>
+              <a:t> </a:t>
+            </a:r>
+            <a:r>
+              <a:rPr lang="en-US" sz="1200" dirty="0" err="1">
+                <a:solidFill>
+                  <a:schemeClr val="bg1"/>
+                </a:solidFill>
+              </a:rPr>
+              <a:t>mendeteksi</a:t>
+            </a:r>
+            <a:r>
+              <a:rPr lang="en-US" sz="1200" dirty="0">
+                <a:solidFill>
+                  <a:schemeClr val="bg1"/>
+                </a:solidFill>
+              </a:rPr>
+              <a:t> larva yang </a:t>
+            </a:r>
+            <a:r>
+              <a:rPr lang="en-US" sz="1200" dirty="0" err="1">
+                <a:solidFill>
+                  <a:schemeClr val="bg1"/>
+                </a:solidFill>
+              </a:rPr>
+              <a:t>ada</a:t>
+            </a:r>
+            <a:r>
+              <a:rPr lang="en-US" sz="1200" dirty="0">
+                <a:solidFill>
+                  <a:schemeClr val="bg1"/>
+                </a:solidFill>
+              </a:rPr>
+              <a:t> pada </a:t>
+            </a:r>
+            <a:r>
+              <a:rPr lang="en-US" sz="1200" dirty="0" err="1">
+                <a:solidFill>
+                  <a:schemeClr val="bg1"/>
+                </a:solidFill>
+              </a:rPr>
+              <a:t>gambar</a:t>
+            </a:r>
+            <a:r>
+              <a:rPr lang="en-US" sz="1200" dirty="0">
+                <a:solidFill>
+                  <a:schemeClr val="bg1"/>
+                </a:solidFill>
+              </a:rPr>
+              <a:t>, </a:t>
+            </a:r>
+            <a:r>
+              <a:rPr lang="en-US" sz="1200" dirty="0" err="1">
+                <a:solidFill>
+                  <a:schemeClr val="bg1"/>
+                </a:solidFill>
+              </a:rPr>
+              <a:t>lalu</a:t>
+            </a:r>
+            <a:r>
+              <a:rPr lang="en-US" sz="1200" dirty="0">
+                <a:solidFill>
+                  <a:schemeClr val="bg1"/>
+                </a:solidFill>
+              </a:rPr>
+              <a:t> </a:t>
+            </a:r>
+            <a:r>
+              <a:rPr lang="en-US" sz="1200" dirty="0" err="1">
+                <a:solidFill>
+                  <a:schemeClr val="bg1"/>
+                </a:solidFill>
+              </a:rPr>
+              <a:t>kemudian</a:t>
+            </a:r>
+            <a:r>
+              <a:rPr lang="en-US" sz="1200" dirty="0">
+                <a:solidFill>
+                  <a:schemeClr val="bg1"/>
+                </a:solidFill>
+              </a:rPr>
+              <a:t> </a:t>
+            </a:r>
+            <a:r>
+              <a:rPr lang="en-US" sz="1200" dirty="0" err="1">
+                <a:solidFill>
+                  <a:schemeClr val="bg1"/>
+                </a:solidFill>
+              </a:rPr>
+              <a:t>akan</a:t>
+            </a:r>
+            <a:r>
+              <a:rPr lang="en-US" sz="1200" dirty="0">
+                <a:solidFill>
+                  <a:schemeClr val="bg1"/>
+                </a:solidFill>
+              </a:rPr>
+              <a:t> </a:t>
+            </a:r>
+            <a:r>
+              <a:rPr lang="en-US" sz="1200" dirty="0" err="1">
+                <a:solidFill>
+                  <a:schemeClr val="bg1"/>
+                </a:solidFill>
+              </a:rPr>
+              <a:t>dilakukan</a:t>
+            </a:r>
+            <a:r>
+              <a:rPr lang="en-US" sz="1200" dirty="0">
+                <a:solidFill>
+                  <a:schemeClr val="bg1"/>
+                </a:solidFill>
+              </a:rPr>
+              <a:t> </a:t>
+            </a:r>
+            <a:r>
+              <a:rPr lang="en-US" sz="1200" dirty="0" err="1">
+                <a:solidFill>
+                  <a:schemeClr val="bg1"/>
+                </a:solidFill>
+              </a:rPr>
+              <a:t>perhitungan</a:t>
+            </a:r>
+            <a:r>
+              <a:rPr lang="en-US" sz="1200" dirty="0">
+                <a:solidFill>
+                  <a:schemeClr val="bg1"/>
+                </a:solidFill>
+              </a:rPr>
+              <a:t> </a:t>
+            </a:r>
+            <a:r>
+              <a:rPr lang="en-US" sz="1200" dirty="0" err="1">
+                <a:solidFill>
+                  <a:schemeClr val="bg1"/>
+                </a:solidFill>
+              </a:rPr>
+              <a:t>jumlah</a:t>
+            </a:r>
+            <a:r>
+              <a:rPr lang="en-US" sz="1200" dirty="0">
+                <a:solidFill>
+                  <a:schemeClr val="bg1"/>
+                </a:solidFill>
+              </a:rPr>
+              <a:t> larva pada 1 </a:t>
+            </a:r>
+            <a:r>
+              <a:rPr lang="en-US" sz="1200" dirty="0" err="1">
+                <a:solidFill>
+                  <a:schemeClr val="bg1"/>
+                </a:solidFill>
+              </a:rPr>
+              <a:t>gambar</a:t>
+            </a:r>
+            <a:r>
+              <a:rPr lang="en-US" sz="1200" dirty="0">
+                <a:solidFill>
+                  <a:schemeClr val="bg1"/>
+                </a:solidFill>
+              </a:rPr>
+              <a:t>. Hal </a:t>
+            </a:r>
+            <a:r>
+              <a:rPr lang="en-US" sz="1200" dirty="0" err="1">
+                <a:solidFill>
+                  <a:schemeClr val="bg1"/>
+                </a:solidFill>
+              </a:rPr>
+              <a:t>ini</a:t>
+            </a:r>
+            <a:r>
+              <a:rPr lang="en-US" sz="1200" dirty="0">
+                <a:solidFill>
+                  <a:schemeClr val="bg1"/>
+                </a:solidFill>
+              </a:rPr>
+              <a:t> </a:t>
+            </a:r>
+            <a:r>
+              <a:rPr lang="en-US" sz="1200" dirty="0" err="1">
+                <a:solidFill>
+                  <a:schemeClr val="bg1"/>
+                </a:solidFill>
+              </a:rPr>
+              <a:t>akan</a:t>
+            </a:r>
+            <a:r>
+              <a:rPr lang="en-US" sz="1200" dirty="0">
+                <a:solidFill>
+                  <a:schemeClr val="bg1"/>
+                </a:solidFill>
+              </a:rPr>
+              <a:t> </a:t>
+            </a:r>
+            <a:r>
+              <a:rPr lang="en-US" sz="1200" dirty="0" err="1">
+                <a:solidFill>
+                  <a:schemeClr val="bg1"/>
+                </a:solidFill>
+              </a:rPr>
+              <a:t>dilakukan</a:t>
+            </a:r>
+            <a:r>
+              <a:rPr lang="en-US" sz="1200" dirty="0">
+                <a:solidFill>
+                  <a:schemeClr val="bg1"/>
+                </a:solidFill>
+              </a:rPr>
+              <a:t> </a:t>
+            </a:r>
+            <a:r>
+              <a:rPr lang="en-US" sz="1200" dirty="0" err="1">
+                <a:solidFill>
+                  <a:schemeClr val="bg1"/>
+                </a:solidFill>
+              </a:rPr>
+              <a:t>berulang-ulang</a:t>
+            </a:r>
+            <a:r>
+              <a:rPr lang="en-US" sz="1200" dirty="0">
+                <a:solidFill>
+                  <a:schemeClr val="bg1"/>
+                </a:solidFill>
+              </a:rPr>
+              <a:t> </a:t>
+            </a:r>
+            <a:r>
+              <a:rPr lang="en-US" sz="1200" dirty="0" err="1">
+                <a:solidFill>
+                  <a:schemeClr val="bg1"/>
+                </a:solidFill>
+              </a:rPr>
+              <a:t>sebanyak</a:t>
+            </a:r>
+            <a:r>
+              <a:rPr lang="en-US" sz="1200" dirty="0">
+                <a:solidFill>
+                  <a:schemeClr val="bg1"/>
+                </a:solidFill>
+              </a:rPr>
+              <a:t> 20 </a:t>
+            </a:r>
+            <a:r>
+              <a:rPr lang="en-US" sz="1200" dirty="0" err="1">
+                <a:solidFill>
+                  <a:schemeClr val="bg1"/>
+                </a:solidFill>
+              </a:rPr>
+              <a:t>gambar</a:t>
+            </a:r>
+            <a:r>
+              <a:rPr lang="en-US" sz="1200" dirty="0">
+                <a:solidFill>
+                  <a:schemeClr val="bg1"/>
+                </a:solidFill>
+              </a:rPr>
+              <a:t>, </a:t>
+            </a:r>
+            <a:r>
+              <a:rPr lang="en-US" sz="1200" dirty="0" err="1">
+                <a:solidFill>
+                  <a:schemeClr val="bg1"/>
+                </a:solidFill>
+              </a:rPr>
+              <a:t>lalu</a:t>
+            </a:r>
+            <a:r>
+              <a:rPr lang="en-US" sz="1200" dirty="0">
+                <a:solidFill>
+                  <a:schemeClr val="bg1"/>
+                </a:solidFill>
+              </a:rPr>
+              <a:t> total larva </a:t>
+            </a:r>
+            <a:r>
+              <a:rPr lang="en-US" sz="1200" dirty="0" err="1">
+                <a:solidFill>
+                  <a:schemeClr val="bg1"/>
+                </a:solidFill>
+              </a:rPr>
+              <a:t>dari</a:t>
+            </a:r>
+            <a:r>
+              <a:rPr lang="en-US" sz="1200" dirty="0">
+                <a:solidFill>
+                  <a:schemeClr val="bg1"/>
+                </a:solidFill>
+              </a:rPr>
+              <a:t> 20 </a:t>
+            </a:r>
+            <a:r>
+              <a:rPr lang="en-US" sz="1200" dirty="0" err="1">
+                <a:solidFill>
+                  <a:schemeClr val="bg1"/>
+                </a:solidFill>
+              </a:rPr>
+              <a:t>wadah</a:t>
+            </a:r>
+            <a:r>
+              <a:rPr lang="en-US" sz="1200" dirty="0">
+                <a:solidFill>
+                  <a:schemeClr val="bg1"/>
+                </a:solidFill>
+              </a:rPr>
+              <a:t> </a:t>
+            </a:r>
+            <a:r>
+              <a:rPr lang="en-US" sz="1200" dirty="0" err="1">
+                <a:solidFill>
+                  <a:schemeClr val="bg1"/>
+                </a:solidFill>
+              </a:rPr>
+              <a:t>akan</a:t>
+            </a:r>
+            <a:r>
+              <a:rPr lang="en-US" sz="1200" dirty="0">
+                <a:solidFill>
+                  <a:schemeClr val="bg1"/>
+                </a:solidFill>
+              </a:rPr>
+              <a:t> </a:t>
+            </a:r>
+            <a:r>
+              <a:rPr lang="en-US" sz="1200" dirty="0" err="1">
+                <a:solidFill>
+                  <a:schemeClr val="bg1"/>
+                </a:solidFill>
+              </a:rPr>
+              <a:t>dihitung</a:t>
+            </a:r>
+            <a:endParaRPr lang="en-US" sz="1200" dirty="0">
+              <a:solidFill>
+                <a:schemeClr val="bg1"/>
+              </a:solidFill>
+            </a:endParaRPr>
+          </a:p>
+        </p:txBody>
+      </p:sp>
+      <p:pic>
+        <p:nvPicPr>
+          <p:cNvPr id="1028" name="Picture 4" descr="Image result for laptop vector png">
+            <a:extLst>
+              <a:ext uri="{FF2B5EF4-FFF2-40B4-BE49-F238E27FC236}">
+                <a16:creationId xmlns:a16="http://schemas.microsoft.com/office/drawing/2014/main" id="{4E103B87-44CC-44B6-8943-5410654276A6}"/>
+              </a:ext>
+            </a:extLst>
+          </p:cNvPr>
+          <p:cNvPicPr>
+            <a:picLocks noChangeAspect="1" noChangeArrowheads="1"/>
+          </p:cNvPicPr>
+          <p:nvPr/>
+        </p:nvPicPr>
+        <p:blipFill>
+          <a:blip r:embed="rId3">
+            <a:extLst>
+              <a:ext uri="{BEBA8EAE-BF5A-486C-A8C5-ECC9F3942E4B}">
+                <a14:imgProps xmlns:a14="http://schemas.microsoft.com/office/drawing/2010/main">
+                  <a14:imgLayer r:embed="rId4">
+                    <a14:imgEffect>
+                      <a14:backgroundRemoval t="10000" b="90000" l="9945" r="90884">
+                        <a14:foregroundMark x1="37431" y1="73684" x2="29834" y2="76140"/>
+                        <a14:foregroundMark x1="29834" y1="76140" x2="21133" y2="71404"/>
+                        <a14:foregroundMark x1="34254" y1="71579" x2="49309" y2="71228"/>
+                        <a14:foregroundMark x1="49309" y1="71228" x2="53729" y2="73509"/>
+                        <a14:foregroundMark x1="54972" y1="73860" x2="52762" y2="68421"/>
+                        <a14:foregroundMark x1="37707" y1="74912" x2="45994" y2="75614"/>
+                        <a14:foregroundMark x1="45994" y1="75614" x2="60221" y2="74912"/>
+                        <a14:foregroundMark x1="60221" y1="74912" x2="67403" y2="77719"/>
+                        <a14:foregroundMark x1="67403" y1="77719" x2="74586" y2="73509"/>
+                        <a14:foregroundMark x1="74586" y1="73509" x2="82044" y2="73158"/>
+                        <a14:foregroundMark x1="82044" y1="73158" x2="73757" y2="74737"/>
+                        <a14:foregroundMark x1="73757" y1="74737" x2="64917" y2="73333"/>
+                        <a14:foregroundMark x1="64917" y1="73333" x2="74309" y2="71930"/>
+                        <a14:foregroundMark x1="74309" y1="71930" x2="66022" y2="72807"/>
+                        <a14:foregroundMark x1="66022" y1="72807" x2="82320" y2="72105"/>
+                        <a14:foregroundMark x1="90884" y1="84737" x2="89641" y2="81754"/>
+                      </a14:backgroundRemoval>
+                    </a14:imgEffect>
+                  </a14:imgLayer>
+                </a14:imgProps>
+              </a:ext>
+              <a:ext uri="{28A0092B-C50C-407E-A947-70E740481C1C}">
+                <a14:useLocalDpi xmlns:a14="http://schemas.microsoft.com/office/drawing/2010/main" val="0"/>
+              </a:ext>
+            </a:extLst>
+          </a:blip>
+          <a:srcRect/>
+          <a:stretch>
+            <a:fillRect/>
+          </a:stretch>
+        </p:blipFill>
+        <p:spPr bwMode="auto">
+          <a:xfrm>
+            <a:off x="7883498" y="2748356"/>
+            <a:ext cx="3522130" cy="2772948"/>
+          </a:xfrm>
+          <a:prstGeom prst="rect">
+            <a:avLst/>
+          </a:prstGeom>
+          <a:noFill/>
+          <a:extLst>
+            <a:ext uri="{909E8E84-426E-40DD-AFC4-6F175D3DCCD1}">
+              <a14:hiddenFill xmlns:a14="http://schemas.microsoft.com/office/drawing/2010/main">
+                <a:solidFill>
+                  <a:srgbClr val="FFFFFF"/>
+                </a:solidFill>
+              </a14:hiddenFill>
+            </a:ext>
+          </a:extLst>
+        </p:spPr>
+      </p:pic>
+      <p:sp>
+        <p:nvSpPr>
+          <p:cNvPr id="14" name="Arrow: Right 13">
+            <a:extLst>
+              <a:ext uri="{FF2B5EF4-FFF2-40B4-BE49-F238E27FC236}">
+                <a16:creationId xmlns:a16="http://schemas.microsoft.com/office/drawing/2014/main" id="{AA37D8C4-AE5B-42E2-B69E-768A3F89EF11}"/>
+              </a:ext>
+            </a:extLst>
+          </p:cNvPr>
+          <p:cNvSpPr/>
+          <p:nvPr/>
+        </p:nvSpPr>
+        <p:spPr>
+          <a:xfrm>
+            <a:off x="3378999" y="4151617"/>
+            <a:ext cx="4658590" cy="647700"/>
+          </a:xfrm>
+          <a:prstGeom prst="rightArrow">
+            <a:avLst/>
+          </a:prstGeom>
+          <a:solidFill>
+            <a:schemeClr val="bg1"/>
+          </a:solidFill>
+        </p:spPr>
+        <p:style>
+          <a:lnRef idx="2">
+            <a:schemeClr val="accent5">
+              <a:shade val="50000"/>
+            </a:schemeClr>
+          </a:lnRef>
+          <a:fillRef idx="1">
+            <a:schemeClr val="accent5"/>
+          </a:fillRef>
+          <a:effectRef idx="0">
+            <a:schemeClr val="accent5"/>
+          </a:effectRef>
+          <a:fontRef idx="minor">
+            <a:schemeClr val="lt1"/>
+          </a:fontRef>
+        </p:style>
+        <p:txBody>
+          <a:bodyPr rtlCol="0" anchor="ctr"/>
+          <a:lstStyle/>
+          <a:p>
+            <a:pPr algn="ctr"/>
+            <a:endParaRPr lang="en-US"/>
           </a:p>
         </p:txBody>
       </p:sp>
@@ -10232,6 +10978,777 @@
           </a:fontRef>
         </p:style>
       </p:cxnSp>
+      <p:sp>
+        <p:nvSpPr>
+          <p:cNvPr id="3" name="Rectangle: Rounded Corners 2">
+            <a:extLst>
+              <a:ext uri="{FF2B5EF4-FFF2-40B4-BE49-F238E27FC236}">
+                <a16:creationId xmlns:a16="http://schemas.microsoft.com/office/drawing/2014/main" id="{D5A7A3F5-BBC1-4D13-BD6C-999CE82E51A7}"/>
+              </a:ext>
+            </a:extLst>
+          </p:cNvPr>
+          <p:cNvSpPr/>
+          <p:nvPr/>
+        </p:nvSpPr>
+        <p:spPr>
+          <a:xfrm>
+            <a:off x="465728" y="1600992"/>
+            <a:ext cx="4097128" cy="1828800"/>
+          </a:xfrm>
+          <a:prstGeom prst="roundRect">
+            <a:avLst/>
+          </a:prstGeom>
+          <a:solidFill>
+            <a:schemeClr val="bg1"/>
+          </a:solidFill>
+          <a:ln>
+            <a:noFill/>
+          </a:ln>
+        </p:spPr>
+        <p:style>
+          <a:lnRef idx="2">
+            <a:schemeClr val="accent1">
+              <a:shade val="50000"/>
+            </a:schemeClr>
+          </a:lnRef>
+          <a:fillRef idx="1">
+            <a:schemeClr val="accent1"/>
+          </a:fillRef>
+          <a:effectRef idx="0">
+            <a:schemeClr val="accent1"/>
+          </a:effectRef>
+          <a:fontRef idx="minor">
+            <a:schemeClr val="lt1"/>
+          </a:fontRef>
+        </p:style>
+        <p:txBody>
+          <a:bodyPr rtlCol="0" anchor="ctr"/>
+          <a:lstStyle/>
+          <a:p>
+            <a:pPr algn="ctr"/>
+            <a:r>
+              <a:rPr lang="en-US" b="1" dirty="0">
+                <a:solidFill>
+                  <a:srgbClr val="5F9ED7"/>
+                </a:solidFill>
+              </a:rPr>
+              <a:t>MASALAH</a:t>
+            </a:r>
+          </a:p>
+          <a:p>
+            <a:pPr marL="342900" indent="-342900">
+              <a:buAutoNum type="arabicPeriod"/>
+            </a:pPr>
+            <a:r>
+              <a:rPr lang="en-US" dirty="0" err="1">
+                <a:solidFill>
+                  <a:srgbClr val="5F9ED7"/>
+                </a:solidFill>
+              </a:rPr>
+              <a:t>Perhitungan</a:t>
+            </a:r>
+            <a:r>
+              <a:rPr lang="en-US" dirty="0">
+                <a:solidFill>
+                  <a:srgbClr val="5F9ED7"/>
+                </a:solidFill>
+              </a:rPr>
+              <a:t> Larva </a:t>
+            </a:r>
+            <a:r>
+              <a:rPr lang="en-US" dirty="0" err="1">
+                <a:solidFill>
+                  <a:srgbClr val="5F9ED7"/>
+                </a:solidFill>
+              </a:rPr>
+              <a:t>secara</a:t>
+            </a:r>
+            <a:r>
+              <a:rPr lang="en-US" dirty="0">
+                <a:solidFill>
+                  <a:srgbClr val="5F9ED7"/>
+                </a:solidFill>
+              </a:rPr>
+              <a:t> manual</a:t>
+            </a:r>
+          </a:p>
+          <a:p>
+            <a:pPr marL="342900" indent="-342900">
+              <a:buAutoNum type="arabicPeriod"/>
+            </a:pPr>
+            <a:r>
+              <a:rPr lang="en-US" dirty="0" err="1">
+                <a:solidFill>
+                  <a:srgbClr val="5F9ED7"/>
+                </a:solidFill>
+              </a:rPr>
+              <a:t>Menggunakan</a:t>
+            </a:r>
+            <a:r>
+              <a:rPr lang="en-US" dirty="0">
+                <a:solidFill>
+                  <a:srgbClr val="5F9ED7"/>
+                </a:solidFill>
+              </a:rPr>
+              <a:t> </a:t>
+            </a:r>
+            <a:r>
+              <a:rPr lang="en-US" dirty="0" err="1">
+                <a:solidFill>
+                  <a:srgbClr val="5F9ED7"/>
+                </a:solidFill>
+              </a:rPr>
+              <a:t>perkiraan</a:t>
+            </a:r>
+            <a:endParaRPr lang="en-US" dirty="0">
+              <a:solidFill>
+                <a:srgbClr val="5F9ED7"/>
+              </a:solidFill>
+            </a:endParaRPr>
+          </a:p>
+          <a:p>
+            <a:pPr marL="342900" indent="-342900">
+              <a:buAutoNum type="arabicPeriod"/>
+            </a:pPr>
+            <a:r>
+              <a:rPr lang="en-US" dirty="0">
+                <a:solidFill>
+                  <a:srgbClr val="5F9ED7"/>
+                </a:solidFill>
+              </a:rPr>
+              <a:t>Survival Rate di </a:t>
+            </a:r>
+            <a:r>
+              <a:rPr lang="en-US" dirty="0" err="1">
+                <a:solidFill>
+                  <a:srgbClr val="5F9ED7"/>
+                </a:solidFill>
+              </a:rPr>
+              <a:t>tentukan</a:t>
+            </a:r>
+            <a:r>
+              <a:rPr lang="en-US" dirty="0">
+                <a:solidFill>
+                  <a:srgbClr val="5F9ED7"/>
+                </a:solidFill>
+              </a:rPr>
+              <a:t> </a:t>
+            </a:r>
+            <a:r>
+              <a:rPr lang="en-US" dirty="0" err="1">
+                <a:solidFill>
+                  <a:srgbClr val="5F9ED7"/>
+                </a:solidFill>
+              </a:rPr>
+              <a:t>tanpa</a:t>
+            </a:r>
+            <a:r>
+              <a:rPr lang="en-US" dirty="0">
+                <a:solidFill>
+                  <a:srgbClr val="5F9ED7"/>
+                </a:solidFill>
+              </a:rPr>
+              <a:t> </a:t>
+            </a:r>
+            <a:r>
+              <a:rPr lang="en-US" dirty="0" err="1">
+                <a:solidFill>
+                  <a:srgbClr val="5F9ED7"/>
+                </a:solidFill>
+              </a:rPr>
+              <a:t>adanya</a:t>
+            </a:r>
+            <a:r>
+              <a:rPr lang="en-US" dirty="0">
+                <a:solidFill>
+                  <a:srgbClr val="5F9ED7"/>
+                </a:solidFill>
+              </a:rPr>
+              <a:t> </a:t>
+            </a:r>
+            <a:r>
+              <a:rPr lang="en-US" dirty="0" err="1">
+                <a:solidFill>
+                  <a:srgbClr val="5F9ED7"/>
+                </a:solidFill>
+              </a:rPr>
+              <a:t>perhitungan</a:t>
+            </a:r>
+            <a:r>
+              <a:rPr lang="en-US" dirty="0">
+                <a:solidFill>
+                  <a:srgbClr val="5F9ED7"/>
+                </a:solidFill>
+              </a:rPr>
+              <a:t> yang </a:t>
+            </a:r>
+            <a:r>
+              <a:rPr lang="en-US" dirty="0" err="1">
+                <a:solidFill>
+                  <a:srgbClr val="5F9ED7"/>
+                </a:solidFill>
+              </a:rPr>
+              <a:t>jelas</a:t>
+            </a:r>
+            <a:r>
+              <a:rPr lang="en-US" dirty="0">
+                <a:solidFill>
+                  <a:srgbClr val="5F9ED7"/>
+                </a:solidFill>
+              </a:rPr>
+              <a:t> </a:t>
+            </a:r>
+          </a:p>
+        </p:txBody>
+      </p:sp>
+      <p:sp>
+        <p:nvSpPr>
+          <p:cNvPr id="8" name="Rectangle: Rounded Corners 7">
+            <a:extLst>
+              <a:ext uri="{FF2B5EF4-FFF2-40B4-BE49-F238E27FC236}">
+                <a16:creationId xmlns:a16="http://schemas.microsoft.com/office/drawing/2014/main" id="{B01F68B5-3D39-4EAE-8CDB-88F0845DB1CA}"/>
+              </a:ext>
+            </a:extLst>
+          </p:cNvPr>
+          <p:cNvSpPr/>
+          <p:nvPr/>
+        </p:nvSpPr>
+        <p:spPr>
+          <a:xfrm>
+            <a:off x="3135930" y="4572001"/>
+            <a:ext cx="4809436" cy="2168158"/>
+          </a:xfrm>
+          <a:prstGeom prst="roundRect">
+            <a:avLst/>
+          </a:prstGeom>
+          <a:solidFill>
+            <a:schemeClr val="bg1"/>
+          </a:solidFill>
+          <a:ln>
+            <a:noFill/>
+          </a:ln>
+        </p:spPr>
+        <p:style>
+          <a:lnRef idx="2">
+            <a:schemeClr val="accent1">
+              <a:shade val="50000"/>
+            </a:schemeClr>
+          </a:lnRef>
+          <a:fillRef idx="1">
+            <a:schemeClr val="accent1"/>
+          </a:fillRef>
+          <a:effectRef idx="0">
+            <a:schemeClr val="accent1"/>
+          </a:effectRef>
+          <a:fontRef idx="minor">
+            <a:schemeClr val="lt1"/>
+          </a:fontRef>
+        </p:style>
+        <p:txBody>
+          <a:bodyPr rtlCol="0" anchor="ctr"/>
+          <a:lstStyle/>
+          <a:p>
+            <a:pPr algn="ctr"/>
+            <a:r>
+              <a:rPr lang="en-US" b="1" dirty="0">
+                <a:solidFill>
+                  <a:srgbClr val="5F9ED7"/>
+                </a:solidFill>
+              </a:rPr>
+              <a:t>DESAIN SISTEM</a:t>
+            </a:r>
+          </a:p>
+          <a:p>
+            <a:pPr marL="342900" indent="-342900">
+              <a:buAutoNum type="arabicPeriod"/>
+            </a:pPr>
+            <a:r>
+              <a:rPr lang="en-US" dirty="0">
+                <a:solidFill>
+                  <a:srgbClr val="5F9ED7"/>
+                </a:solidFill>
+              </a:rPr>
+              <a:t>Gambar larva </a:t>
+            </a:r>
+            <a:r>
+              <a:rPr lang="en-US" dirty="0" err="1">
+                <a:solidFill>
+                  <a:srgbClr val="5F9ED7"/>
+                </a:solidFill>
+              </a:rPr>
+              <a:t>akan</a:t>
+            </a:r>
+            <a:r>
+              <a:rPr lang="en-US" dirty="0">
+                <a:solidFill>
+                  <a:srgbClr val="5F9ED7"/>
+                </a:solidFill>
+              </a:rPr>
+              <a:t> </a:t>
+            </a:r>
+            <a:r>
+              <a:rPr lang="en-US" dirty="0" err="1">
+                <a:solidFill>
+                  <a:srgbClr val="5F9ED7"/>
+                </a:solidFill>
+              </a:rPr>
+              <a:t>diambil</a:t>
+            </a:r>
+            <a:r>
+              <a:rPr lang="en-US" dirty="0">
+                <a:solidFill>
+                  <a:srgbClr val="5F9ED7"/>
+                </a:solidFill>
+              </a:rPr>
+              <a:t> oleh </a:t>
+            </a:r>
+            <a:r>
+              <a:rPr lang="en-US" dirty="0" err="1">
+                <a:solidFill>
+                  <a:srgbClr val="5F9ED7"/>
+                </a:solidFill>
+              </a:rPr>
+              <a:t>kamera</a:t>
+            </a:r>
+            <a:endParaRPr lang="en-US" dirty="0">
+              <a:solidFill>
+                <a:srgbClr val="5F9ED7"/>
+              </a:solidFill>
+            </a:endParaRPr>
+          </a:p>
+          <a:p>
+            <a:pPr marL="342900" indent="-342900">
+              <a:buAutoNum type="arabicPeriod"/>
+            </a:pPr>
+            <a:r>
+              <a:rPr lang="en-US" dirty="0">
+                <a:solidFill>
+                  <a:srgbClr val="5F9ED7"/>
+                </a:solidFill>
+              </a:rPr>
+              <a:t>Gambar </a:t>
+            </a:r>
+            <a:r>
+              <a:rPr lang="en-US" dirty="0" err="1">
+                <a:solidFill>
+                  <a:srgbClr val="5F9ED7"/>
+                </a:solidFill>
+              </a:rPr>
+              <a:t>lalu</a:t>
+            </a:r>
+            <a:r>
+              <a:rPr lang="en-US" dirty="0">
+                <a:solidFill>
+                  <a:srgbClr val="5F9ED7"/>
+                </a:solidFill>
+              </a:rPr>
+              <a:t> </a:t>
+            </a:r>
+            <a:r>
+              <a:rPr lang="en-US" dirty="0" err="1">
+                <a:solidFill>
+                  <a:srgbClr val="5F9ED7"/>
+                </a:solidFill>
+              </a:rPr>
+              <a:t>dikirim</a:t>
+            </a:r>
+            <a:r>
+              <a:rPr lang="en-US" dirty="0">
+                <a:solidFill>
+                  <a:srgbClr val="5F9ED7"/>
+                </a:solidFill>
+              </a:rPr>
+              <a:t> </a:t>
+            </a:r>
+            <a:r>
+              <a:rPr lang="en-US" dirty="0" err="1">
+                <a:solidFill>
+                  <a:srgbClr val="5F9ED7"/>
+                </a:solidFill>
+              </a:rPr>
+              <a:t>ke</a:t>
+            </a:r>
+            <a:r>
+              <a:rPr lang="en-US" dirty="0">
+                <a:solidFill>
+                  <a:srgbClr val="5F9ED7"/>
+                </a:solidFill>
+              </a:rPr>
+              <a:t> Laptop yang </a:t>
+            </a:r>
+            <a:r>
+              <a:rPr lang="en-US" dirty="0" err="1">
+                <a:solidFill>
+                  <a:srgbClr val="5F9ED7"/>
+                </a:solidFill>
+              </a:rPr>
+              <a:t>akan</a:t>
+            </a:r>
+            <a:r>
+              <a:rPr lang="en-US" dirty="0">
+                <a:solidFill>
+                  <a:srgbClr val="5F9ED7"/>
+                </a:solidFill>
+              </a:rPr>
+              <a:t> di </a:t>
+            </a:r>
+            <a:r>
+              <a:rPr lang="en-US" dirty="0" err="1">
+                <a:solidFill>
+                  <a:srgbClr val="5F9ED7"/>
+                </a:solidFill>
+              </a:rPr>
+              <a:t>olah</a:t>
+            </a:r>
+            <a:r>
+              <a:rPr lang="en-US" dirty="0">
+                <a:solidFill>
+                  <a:srgbClr val="5F9ED7"/>
+                </a:solidFill>
+              </a:rPr>
+              <a:t> oleh </a:t>
+            </a:r>
+            <a:r>
+              <a:rPr lang="en-US" dirty="0" err="1">
+                <a:solidFill>
+                  <a:srgbClr val="5F9ED7"/>
+                </a:solidFill>
+              </a:rPr>
+              <a:t>algoritma</a:t>
+            </a:r>
+            <a:r>
+              <a:rPr lang="en-US" dirty="0">
+                <a:solidFill>
+                  <a:srgbClr val="5F9ED7"/>
+                </a:solidFill>
+              </a:rPr>
+              <a:t> </a:t>
+            </a:r>
+            <a:r>
+              <a:rPr lang="en-US" dirty="0" err="1">
+                <a:solidFill>
+                  <a:srgbClr val="5F9ED7"/>
+                </a:solidFill>
+              </a:rPr>
+              <a:t>deteksi</a:t>
+            </a:r>
+            <a:r>
+              <a:rPr lang="en-US" dirty="0">
+                <a:solidFill>
+                  <a:srgbClr val="5F9ED7"/>
+                </a:solidFill>
+              </a:rPr>
+              <a:t> </a:t>
+            </a:r>
+            <a:r>
+              <a:rPr lang="en-US" dirty="0" err="1">
+                <a:solidFill>
+                  <a:srgbClr val="5F9ED7"/>
+                </a:solidFill>
+              </a:rPr>
+              <a:t>objek</a:t>
+            </a:r>
+            <a:endParaRPr lang="en-US" dirty="0">
+              <a:solidFill>
+                <a:srgbClr val="5F9ED7"/>
+              </a:solidFill>
+            </a:endParaRPr>
+          </a:p>
+          <a:p>
+            <a:pPr marL="342900" indent="-342900">
+              <a:buAutoNum type="arabicPeriod"/>
+            </a:pPr>
+            <a:r>
+              <a:rPr lang="en-US" dirty="0">
+                <a:solidFill>
+                  <a:srgbClr val="5F9ED7"/>
+                </a:solidFill>
+              </a:rPr>
+              <a:t>Hasil </a:t>
+            </a:r>
+            <a:r>
+              <a:rPr lang="en-US" dirty="0" err="1">
+                <a:solidFill>
+                  <a:srgbClr val="5F9ED7"/>
+                </a:solidFill>
+              </a:rPr>
+              <a:t>perhitungan</a:t>
+            </a:r>
+            <a:r>
+              <a:rPr lang="en-US" dirty="0">
+                <a:solidFill>
+                  <a:srgbClr val="5F9ED7"/>
+                </a:solidFill>
+              </a:rPr>
+              <a:t> </a:t>
+            </a:r>
+            <a:r>
+              <a:rPr lang="en-US" dirty="0" err="1">
+                <a:solidFill>
+                  <a:srgbClr val="5F9ED7"/>
+                </a:solidFill>
+              </a:rPr>
+              <a:t>akan</a:t>
+            </a:r>
+            <a:r>
+              <a:rPr lang="en-US" dirty="0">
+                <a:solidFill>
+                  <a:srgbClr val="5F9ED7"/>
+                </a:solidFill>
+              </a:rPr>
+              <a:t> </a:t>
+            </a:r>
+            <a:r>
+              <a:rPr lang="en-US" dirty="0" err="1">
+                <a:solidFill>
+                  <a:srgbClr val="5F9ED7"/>
+                </a:solidFill>
+              </a:rPr>
+              <a:t>memunculkan</a:t>
+            </a:r>
+            <a:r>
+              <a:rPr lang="en-US" dirty="0">
+                <a:solidFill>
+                  <a:srgbClr val="5F9ED7"/>
+                </a:solidFill>
+              </a:rPr>
+              <a:t> </a:t>
+            </a:r>
+            <a:r>
+              <a:rPr lang="en-US" dirty="0" err="1">
+                <a:solidFill>
+                  <a:srgbClr val="5F9ED7"/>
+                </a:solidFill>
+              </a:rPr>
+              <a:t>jumlah</a:t>
+            </a:r>
+            <a:r>
+              <a:rPr lang="en-US" dirty="0">
+                <a:solidFill>
+                  <a:srgbClr val="5F9ED7"/>
+                </a:solidFill>
+              </a:rPr>
+              <a:t> </a:t>
+            </a:r>
+            <a:r>
+              <a:rPr lang="en-US" dirty="0" err="1">
+                <a:solidFill>
+                  <a:srgbClr val="5F9ED7"/>
+                </a:solidFill>
+              </a:rPr>
+              <a:t>keseluruhan</a:t>
+            </a:r>
+            <a:r>
+              <a:rPr lang="en-US" dirty="0">
+                <a:solidFill>
+                  <a:srgbClr val="5F9ED7"/>
+                </a:solidFill>
+              </a:rPr>
+              <a:t> larva pada 1 </a:t>
+            </a:r>
+            <a:r>
+              <a:rPr lang="en-US" dirty="0" err="1">
+                <a:solidFill>
+                  <a:srgbClr val="5F9ED7"/>
+                </a:solidFill>
+              </a:rPr>
+              <a:t>kolam</a:t>
+            </a:r>
+            <a:endParaRPr lang="en-US" dirty="0">
+              <a:solidFill>
+                <a:srgbClr val="5F9ED7"/>
+              </a:solidFill>
+            </a:endParaRPr>
+          </a:p>
+        </p:txBody>
+      </p:sp>
+      <p:sp>
+        <p:nvSpPr>
+          <p:cNvPr id="9" name="Rectangle: Rounded Corners 8">
+            <a:extLst>
+              <a:ext uri="{FF2B5EF4-FFF2-40B4-BE49-F238E27FC236}">
+                <a16:creationId xmlns:a16="http://schemas.microsoft.com/office/drawing/2014/main" id="{B0214493-3250-475F-A6F0-A5F7334AAAB2}"/>
+              </a:ext>
+            </a:extLst>
+          </p:cNvPr>
+          <p:cNvSpPr/>
+          <p:nvPr/>
+        </p:nvSpPr>
+        <p:spPr>
+          <a:xfrm>
+            <a:off x="6982506" y="1600992"/>
+            <a:ext cx="4809436" cy="2168158"/>
+          </a:xfrm>
+          <a:prstGeom prst="roundRect">
+            <a:avLst/>
+          </a:prstGeom>
+          <a:solidFill>
+            <a:schemeClr val="bg1"/>
+          </a:solidFill>
+          <a:ln>
+            <a:noFill/>
+          </a:ln>
+        </p:spPr>
+        <p:style>
+          <a:lnRef idx="2">
+            <a:schemeClr val="accent1">
+              <a:shade val="50000"/>
+            </a:schemeClr>
+          </a:lnRef>
+          <a:fillRef idx="1">
+            <a:schemeClr val="accent1"/>
+          </a:fillRef>
+          <a:effectRef idx="0">
+            <a:schemeClr val="accent1"/>
+          </a:effectRef>
+          <a:fontRef idx="minor">
+            <a:schemeClr val="lt1"/>
+          </a:fontRef>
+        </p:style>
+        <p:txBody>
+          <a:bodyPr rtlCol="0" anchor="ctr"/>
+          <a:lstStyle/>
+          <a:p>
+            <a:pPr algn="ctr"/>
+            <a:r>
+              <a:rPr lang="en-US" b="1" dirty="0">
+                <a:solidFill>
+                  <a:srgbClr val="5F9ED7"/>
+                </a:solidFill>
+              </a:rPr>
+              <a:t>HASIL</a:t>
+            </a:r>
+          </a:p>
+          <a:p>
+            <a:pPr algn="ctr"/>
+            <a:r>
+              <a:rPr lang="en-US" dirty="0" err="1">
+                <a:solidFill>
+                  <a:srgbClr val="5F9ED7"/>
+                </a:solidFill>
+              </a:rPr>
+              <a:t>Sistem</a:t>
+            </a:r>
+            <a:r>
+              <a:rPr lang="en-US" dirty="0">
+                <a:solidFill>
+                  <a:srgbClr val="5F9ED7"/>
+                </a:solidFill>
+              </a:rPr>
+              <a:t> </a:t>
+            </a:r>
+            <a:r>
+              <a:rPr lang="en-US" dirty="0" err="1">
+                <a:solidFill>
+                  <a:srgbClr val="5F9ED7"/>
+                </a:solidFill>
+              </a:rPr>
+              <a:t>dapat</a:t>
+            </a:r>
+            <a:r>
+              <a:rPr lang="en-US" dirty="0">
+                <a:solidFill>
+                  <a:srgbClr val="5F9ED7"/>
+                </a:solidFill>
+              </a:rPr>
+              <a:t> </a:t>
+            </a:r>
+            <a:r>
+              <a:rPr lang="en-US" dirty="0" err="1">
+                <a:solidFill>
+                  <a:srgbClr val="5F9ED7"/>
+                </a:solidFill>
+              </a:rPr>
+              <a:t>menghitung</a:t>
+            </a:r>
+            <a:r>
+              <a:rPr lang="en-US" dirty="0">
+                <a:solidFill>
+                  <a:srgbClr val="5F9ED7"/>
+                </a:solidFill>
+              </a:rPr>
+              <a:t> </a:t>
+            </a:r>
+            <a:r>
+              <a:rPr lang="en-US" dirty="0" err="1">
+                <a:solidFill>
+                  <a:srgbClr val="5F9ED7"/>
+                </a:solidFill>
+              </a:rPr>
+              <a:t>jumlah</a:t>
+            </a:r>
+            <a:r>
+              <a:rPr lang="en-US" dirty="0">
+                <a:solidFill>
+                  <a:srgbClr val="5F9ED7"/>
+                </a:solidFill>
+              </a:rPr>
+              <a:t> larva </a:t>
+            </a:r>
+            <a:r>
+              <a:rPr lang="en-US" dirty="0" err="1">
+                <a:solidFill>
+                  <a:srgbClr val="5F9ED7"/>
+                </a:solidFill>
+              </a:rPr>
+              <a:t>kepiting</a:t>
+            </a:r>
+            <a:r>
+              <a:rPr lang="en-US" dirty="0">
+                <a:solidFill>
+                  <a:srgbClr val="5F9ED7"/>
+                </a:solidFill>
+              </a:rPr>
+              <a:t> </a:t>
+            </a:r>
+            <a:r>
+              <a:rPr lang="en-US" dirty="0" err="1">
+                <a:solidFill>
+                  <a:srgbClr val="5F9ED7"/>
+                </a:solidFill>
+              </a:rPr>
+              <a:t>rajungan</a:t>
+            </a:r>
+            <a:r>
+              <a:rPr lang="en-US" dirty="0">
+                <a:solidFill>
+                  <a:srgbClr val="5F9ED7"/>
+                </a:solidFill>
+              </a:rPr>
+              <a:t> </a:t>
+            </a:r>
+            <a:r>
+              <a:rPr lang="en-US" dirty="0" err="1">
+                <a:solidFill>
+                  <a:srgbClr val="5F9ED7"/>
+                </a:solidFill>
+              </a:rPr>
+              <a:t>dengan</a:t>
+            </a:r>
+            <a:r>
+              <a:rPr lang="en-US" dirty="0">
+                <a:solidFill>
+                  <a:srgbClr val="5F9ED7"/>
+                </a:solidFill>
+              </a:rPr>
+              <a:t> </a:t>
+            </a:r>
+            <a:r>
+              <a:rPr lang="en-US" dirty="0" err="1">
+                <a:solidFill>
+                  <a:srgbClr val="5F9ED7"/>
+                </a:solidFill>
+              </a:rPr>
+              <a:t>tepat</a:t>
+            </a:r>
+            <a:endParaRPr lang="en-US" dirty="0">
+              <a:solidFill>
+                <a:srgbClr val="5F9ED7"/>
+              </a:solidFill>
+            </a:endParaRPr>
+          </a:p>
+        </p:txBody>
+      </p:sp>
     </p:spTree>
     <p:extLst>
       <p:ext uri="{BB962C8B-B14F-4D97-AF65-F5344CB8AC3E}">
@@ -10246,7 +11763,7 @@
 </file>
 
 <file path=ppt/slides/slide9.xml><?xml version="1.0" encoding="utf-8"?>
-<p:sld xmlns:a="http://schemas.openxmlformats.org/drawingml/2006/main" xmlns:r="http://schemas.openxmlformats.org/officeDocument/2006/relationships" xmlns:p="http://schemas.openxmlformats.org/presentationml/2006/main">
+<p:sld xmlns:a="http://schemas.openxmlformats.org/drawingml/2006/main" xmlns:r="http://schemas.openxmlformats.org/officeDocument/2006/relationships" xmlns:p="http://schemas.openxmlformats.org/presentationml/2006/main" show="0">
   <p:cSld>
     <p:spTree>
       <p:nvGrpSpPr>
@@ -10379,7 +11896,7 @@
             </a:r>
             <a:r>
               <a:rPr lang="en-US" dirty="0" err="1"/>
-              <a:t>obyek</a:t>
+              <a:t>objek</a:t>
             </a:r>
             <a:endParaRPr lang="en-US" dirty="0"/>
           </a:p>
@@ -10728,7 +12245,7 @@
             </a:r>
             <a:r>
               <a:rPr lang="en-US" dirty="0"/>
-              <a:t> X 200</a:t>
+              <a:t> X 200-</a:t>
             </a:r>
           </a:p>
         </p:txBody>

--- a/Format Proposal M Arief Wicaksono.pptx
+++ b/Format Proposal M Arief Wicaksono.pptx
@@ -13,9 +13,10 @@
     <p:sldId id="263" r:id="rId7"/>
     <p:sldId id="264" r:id="rId8"/>
     <p:sldId id="265" r:id="rId9"/>
-    <p:sldId id="258" r:id="rId10"/>
-    <p:sldId id="267" r:id="rId11"/>
+    <p:sldId id="267" r:id="rId10"/>
+    <p:sldId id="269" r:id="rId11"/>
     <p:sldId id="259" r:id="rId12"/>
+    <p:sldId id="268" r:id="rId13"/>
   </p:sldIdLst>
   <p:sldSz cx="12192000" cy="6858000"/>
   <p:notesSz cx="6858000" cy="9144000"/>
@@ -269,7 +270,7 @@
           <a:p>
             <a:fld id="{9F113E82-C92C-46AA-8370-989E97B0C8C4}" type="datetimeFigureOut">
               <a:rPr lang="en-US" smtClean="0"/>
-              <a:t>8/23/2019</a:t>
+              <a:t>8/28/2019</a:t>
             </a:fld>
             <a:endParaRPr lang="en-US"/>
           </a:p>
@@ -467,7 +468,7 @@
           <a:p>
             <a:fld id="{9F113E82-C92C-46AA-8370-989E97B0C8C4}" type="datetimeFigureOut">
               <a:rPr lang="en-US" smtClean="0"/>
-              <a:t>8/23/2019</a:t>
+              <a:t>8/28/2019</a:t>
             </a:fld>
             <a:endParaRPr lang="en-US"/>
           </a:p>
@@ -675,7 +676,7 @@
           <a:p>
             <a:fld id="{9F113E82-C92C-46AA-8370-989E97B0C8C4}" type="datetimeFigureOut">
               <a:rPr lang="en-US" smtClean="0"/>
-              <a:t>8/23/2019</a:t>
+              <a:t>8/28/2019</a:t>
             </a:fld>
             <a:endParaRPr lang="en-US"/>
           </a:p>
@@ -873,7 +874,7 @@
           <a:p>
             <a:fld id="{9F113E82-C92C-46AA-8370-989E97B0C8C4}" type="datetimeFigureOut">
               <a:rPr lang="en-US" smtClean="0"/>
-              <a:t>8/23/2019</a:t>
+              <a:t>8/28/2019</a:t>
             </a:fld>
             <a:endParaRPr lang="en-US"/>
           </a:p>
@@ -1148,7 +1149,7 @@
           <a:p>
             <a:fld id="{9F113E82-C92C-46AA-8370-989E97B0C8C4}" type="datetimeFigureOut">
               <a:rPr lang="en-US" smtClean="0"/>
-              <a:t>8/23/2019</a:t>
+              <a:t>8/28/2019</a:t>
             </a:fld>
             <a:endParaRPr lang="en-US"/>
           </a:p>
@@ -1413,7 +1414,7 @@
           <a:p>
             <a:fld id="{9F113E82-C92C-46AA-8370-989E97B0C8C4}" type="datetimeFigureOut">
               <a:rPr lang="en-US" smtClean="0"/>
-              <a:t>8/23/2019</a:t>
+              <a:t>8/28/2019</a:t>
             </a:fld>
             <a:endParaRPr lang="en-US"/>
           </a:p>
@@ -1825,7 +1826,7 @@
           <a:p>
             <a:fld id="{9F113E82-C92C-46AA-8370-989E97B0C8C4}" type="datetimeFigureOut">
               <a:rPr lang="en-US" smtClean="0"/>
-              <a:t>8/23/2019</a:t>
+              <a:t>8/28/2019</a:t>
             </a:fld>
             <a:endParaRPr lang="en-US"/>
           </a:p>
@@ -1966,7 +1967,7 @@
           <a:p>
             <a:fld id="{9F113E82-C92C-46AA-8370-989E97B0C8C4}" type="datetimeFigureOut">
               <a:rPr lang="en-US" smtClean="0"/>
-              <a:t>8/23/2019</a:t>
+              <a:t>8/28/2019</a:t>
             </a:fld>
             <a:endParaRPr lang="en-US"/>
           </a:p>
@@ -2079,7 +2080,7 @@
           <a:p>
             <a:fld id="{9F113E82-C92C-46AA-8370-989E97B0C8C4}" type="datetimeFigureOut">
               <a:rPr lang="en-US" smtClean="0"/>
-              <a:t>8/23/2019</a:t>
+              <a:t>8/28/2019</a:t>
             </a:fld>
             <a:endParaRPr lang="en-US"/>
           </a:p>
@@ -2390,7 +2391,7 @@
           <a:p>
             <a:fld id="{9F113E82-C92C-46AA-8370-989E97B0C8C4}" type="datetimeFigureOut">
               <a:rPr lang="en-US" smtClean="0"/>
-              <a:t>8/23/2019</a:t>
+              <a:t>8/28/2019</a:t>
             </a:fld>
             <a:endParaRPr lang="en-US"/>
           </a:p>
@@ -2678,7 +2679,7 @@
           <a:p>
             <a:fld id="{9F113E82-C92C-46AA-8370-989E97B0C8C4}" type="datetimeFigureOut">
               <a:rPr lang="en-US" smtClean="0"/>
-              <a:t>8/23/2019</a:t>
+              <a:t>8/28/2019</a:t>
             </a:fld>
             <a:endParaRPr lang="en-US"/>
           </a:p>
@@ -2757,7 +2758,9 @@
     <p:bg>
       <p:bgPr>
         <a:solidFill>
-          <a:srgbClr val="5F9ED7"/>
+          <a:schemeClr val="accent1">
+            <a:lumMod val="75000"/>
+          </a:schemeClr>
         </a:solidFill>
         <a:effectLst/>
       </p:bgPr>
@@ -2922,7 +2925,7 @@
           <a:p>
             <a:fld id="{9F113E82-C92C-46AA-8370-989E97B0C8C4}" type="datetimeFigureOut">
               <a:rPr lang="en-US" smtClean="0"/>
-              <a:t>8/23/2019</a:t>
+              <a:t>8/28/2019</a:t>
             </a:fld>
             <a:endParaRPr lang="en-US"/>
           </a:p>
@@ -3869,78 +3872,136 @@
           </a:fontRef>
         </p:style>
       </p:cxnSp>
-      <p:sp>
-        <p:nvSpPr>
-          <p:cNvPr id="9" name="Rectangle 8">
-            <a:extLst>
-              <a:ext uri="{FF2B5EF4-FFF2-40B4-BE49-F238E27FC236}">
-                <a16:creationId xmlns:a16="http://schemas.microsoft.com/office/drawing/2014/main" id="{AA519C44-46F7-4A92-BFA0-5F35BBE00C28}"/>
-              </a:ext>
-            </a:extLst>
-          </p:cNvPr>
-          <p:cNvSpPr/>
+      <p:cxnSp>
+        <p:nvCxnSpPr>
+          <p:cNvPr id="7" name="Straight Connector 6">
+            <a:extLst>
+              <a:ext uri="{FF2B5EF4-FFF2-40B4-BE49-F238E27FC236}">
+                <a16:creationId xmlns:a16="http://schemas.microsoft.com/office/drawing/2014/main" id="{253C269F-415C-4E93-8B80-176D0BDEB1AB}"/>
+              </a:ext>
+            </a:extLst>
+          </p:cNvPr>
+          <p:cNvCxnSpPr>
+            <a:cxnSpLocks/>
+            <a:stCxn id="5" idx="2"/>
+          </p:cNvCxnSpPr>
           <p:nvPr/>
-        </p:nvSpPr>
+        </p:nvCxnSpPr>
         <p:spPr>
           <a:xfrm>
-            <a:off x="6030305" y="2984511"/>
-            <a:ext cx="428322" cy="1815882"/>
+            <a:off x="6096000" y="2926080"/>
+            <a:ext cx="0" cy="2075688"/>
           </a:xfrm>
-          <a:prstGeom prst="rect">
+          <a:prstGeom prst="line">
             <a:avLst/>
           </a:prstGeom>
+          <a:ln w="76200">
+            <a:solidFill>
+              <a:schemeClr val="bg1"/>
+            </a:solidFill>
+          </a:ln>
         </p:spPr>
-        <p:txBody>
-          <a:bodyPr wrap="none">
-            <a:spAutoFit/>
-          </a:bodyPr>
-          <a:lstStyle/>
-          <a:p>
-            <a:r>
-              <a:rPr lang="en-US" sz="2800" b="1" dirty="0">
-                <a:solidFill>
-                  <a:schemeClr val="bg1"/>
-                </a:solidFill>
-                <a:latin typeface="Bahnschrift" panose="020B0502040204020203" pitchFamily="34" charset="0"/>
-              </a:rPr>
-              <a:t>O</a:t>
-            </a:r>
-          </a:p>
-          <a:p>
-            <a:r>
-              <a:rPr lang="en-US" sz="2800" b="1" dirty="0">
-                <a:solidFill>
-                  <a:schemeClr val="bg1"/>
-                </a:solidFill>
-                <a:latin typeface="Bahnschrift" panose="020B0502040204020203" pitchFamily="34" charset="0"/>
-              </a:rPr>
-              <a:t>L</a:t>
-            </a:r>
-          </a:p>
-          <a:p>
-            <a:r>
-              <a:rPr lang="en-US" sz="2800" b="1" dirty="0">
-                <a:solidFill>
-                  <a:schemeClr val="bg1"/>
-                </a:solidFill>
-                <a:latin typeface="Bahnschrift" panose="020B0502040204020203" pitchFamily="34" charset="0"/>
-              </a:rPr>
-              <a:t>E</a:t>
-            </a:r>
-          </a:p>
-          <a:p>
-            <a:r>
-              <a:rPr lang="en-US" sz="2800" b="1" dirty="0">
-                <a:solidFill>
-                  <a:schemeClr val="bg1"/>
-                </a:solidFill>
-                <a:latin typeface="Bahnschrift" panose="020B0502040204020203" pitchFamily="34" charset="0"/>
-              </a:rPr>
-              <a:t>H</a:t>
-            </a:r>
-          </a:p>
-        </p:txBody>
-      </p:sp>
+        <p:style>
+          <a:lnRef idx="1">
+            <a:schemeClr val="accent1"/>
+          </a:lnRef>
+          <a:fillRef idx="0">
+            <a:schemeClr val="accent1"/>
+          </a:fillRef>
+          <a:effectRef idx="0">
+            <a:schemeClr val="accent1"/>
+          </a:effectRef>
+          <a:fontRef idx="minor">
+            <a:schemeClr val="tx1"/>
+          </a:fontRef>
+        </p:style>
+      </p:cxnSp>
+      <p:cxnSp>
+        <p:nvCxnSpPr>
+          <p:cNvPr id="11" name="Straight Connector 10">
+            <a:extLst>
+              <a:ext uri="{FF2B5EF4-FFF2-40B4-BE49-F238E27FC236}">
+                <a16:creationId xmlns:a16="http://schemas.microsoft.com/office/drawing/2014/main" id="{8EF1F7AC-00DC-4A1A-948A-8E0F244D97F6}"/>
+              </a:ext>
+            </a:extLst>
+          </p:cNvPr>
+          <p:cNvCxnSpPr>
+            <a:cxnSpLocks/>
+          </p:cNvCxnSpPr>
+          <p:nvPr/>
+        </p:nvCxnSpPr>
+        <p:spPr>
+          <a:xfrm>
+            <a:off x="5833872" y="3429000"/>
+            <a:ext cx="0" cy="1152144"/>
+          </a:xfrm>
+          <a:prstGeom prst="line">
+            <a:avLst/>
+          </a:prstGeom>
+          <a:ln w="76200">
+            <a:solidFill>
+              <a:schemeClr val="bg1"/>
+            </a:solidFill>
+          </a:ln>
+        </p:spPr>
+        <p:style>
+          <a:lnRef idx="1">
+            <a:schemeClr val="accent1"/>
+          </a:lnRef>
+          <a:fillRef idx="0">
+            <a:schemeClr val="accent1"/>
+          </a:fillRef>
+          <a:effectRef idx="0">
+            <a:schemeClr val="accent1"/>
+          </a:effectRef>
+          <a:fontRef idx="minor">
+            <a:schemeClr val="tx1"/>
+          </a:fontRef>
+        </p:style>
+      </p:cxnSp>
+      <p:cxnSp>
+        <p:nvCxnSpPr>
+          <p:cNvPr id="14" name="Straight Connector 13">
+            <a:extLst>
+              <a:ext uri="{FF2B5EF4-FFF2-40B4-BE49-F238E27FC236}">
+                <a16:creationId xmlns:a16="http://schemas.microsoft.com/office/drawing/2014/main" id="{226BE652-C869-4B1F-AEC7-3C9D1B05A60A}"/>
+              </a:ext>
+            </a:extLst>
+          </p:cNvPr>
+          <p:cNvCxnSpPr>
+            <a:cxnSpLocks/>
+          </p:cNvCxnSpPr>
+          <p:nvPr/>
+        </p:nvCxnSpPr>
+        <p:spPr>
+          <a:xfrm>
+            <a:off x="6379464" y="3429000"/>
+            <a:ext cx="0" cy="1152144"/>
+          </a:xfrm>
+          <a:prstGeom prst="line">
+            <a:avLst/>
+          </a:prstGeom>
+          <a:ln w="76200">
+            <a:solidFill>
+              <a:schemeClr val="bg1"/>
+            </a:solidFill>
+          </a:ln>
+        </p:spPr>
+        <p:style>
+          <a:lnRef idx="1">
+            <a:schemeClr val="accent1"/>
+          </a:lnRef>
+          <a:fillRef idx="0">
+            <a:schemeClr val="accent1"/>
+          </a:fillRef>
+          <a:effectRef idx="0">
+            <a:schemeClr val="accent1"/>
+          </a:effectRef>
+          <a:fontRef idx="minor">
+            <a:schemeClr val="tx1"/>
+          </a:fontRef>
+        </p:style>
+      </p:cxnSp>
     </p:spTree>
     <p:extLst>
       <p:ext uri="{BB962C8B-B14F-4D97-AF65-F5344CB8AC3E}">
@@ -3985,8 +4046,8 @@
         </p:nvSpPr>
         <p:spPr>
           <a:xfrm>
-            <a:off x="993531" y="2175608"/>
-            <a:ext cx="2444261" cy="1169377"/>
+            <a:off x="194904" y="1768569"/>
+            <a:ext cx="1922520" cy="919767"/>
           </a:xfrm>
           <a:prstGeom prst="rect">
             <a:avLst/>
@@ -4020,217 +4081,54 @@
           <a:p>
             <a:pPr algn="ctr"/>
             <a:r>
-              <a:rPr lang="en-US" dirty="0">
-                <a:solidFill>
-                  <a:srgbClr val="5F9ED7"/>
-                </a:solidFill>
-              </a:rPr>
-              <a:t>Input Gambar</a:t>
-            </a:r>
-          </a:p>
-        </p:txBody>
-      </p:sp>
-      <p:sp>
-        <p:nvSpPr>
-          <p:cNvPr id="5" name="Rectangle 4">
-            <a:extLst>
-              <a:ext uri="{FF2B5EF4-FFF2-40B4-BE49-F238E27FC236}">
-                <a16:creationId xmlns:a16="http://schemas.microsoft.com/office/drawing/2014/main" id="{A2D97FA1-C1D0-40B6-9F56-85E55F5BC362}"/>
-              </a:ext>
-            </a:extLst>
-          </p:cNvPr>
-          <p:cNvSpPr/>
-          <p:nvPr/>
-        </p:nvSpPr>
-        <p:spPr>
-          <a:xfrm>
-            <a:off x="8656025" y="2175608"/>
-            <a:ext cx="2444261" cy="1169377"/>
-          </a:xfrm>
-          <a:prstGeom prst="rect">
-            <a:avLst/>
-          </a:prstGeom>
-          <a:solidFill>
-            <a:schemeClr val="bg1"/>
-          </a:solidFill>
-          <a:ln>
-            <a:noFill/>
-          </a:ln>
-        </p:spPr>
-        <p:style>
-          <a:lnRef idx="2">
-            <a:schemeClr val="accent1">
-              <a:shade val="50000"/>
-            </a:schemeClr>
-          </a:lnRef>
-          <a:fillRef idx="1">
-            <a:schemeClr val="accent1"/>
-          </a:fillRef>
-          <a:effectRef idx="0">
-            <a:schemeClr val="accent1"/>
-          </a:effectRef>
-          <a:fontRef idx="minor">
-            <a:schemeClr val="lt1"/>
-          </a:fontRef>
-        </p:style>
-        <p:txBody>
-          <a:bodyPr rtlCol="0" anchor="ctr"/>
-          <a:lstStyle/>
-          <a:p>
-            <a:pPr algn="ctr"/>
-            <a:r>
-              <a:rPr lang="en-US" dirty="0" err="1">
-                <a:solidFill>
-                  <a:srgbClr val="5F9ED7"/>
-                </a:solidFill>
-              </a:rPr>
-              <a:t>Deteksi</a:t>
-            </a:r>
-            <a:r>
-              <a:rPr lang="en-US" dirty="0">
-                <a:solidFill>
-                  <a:srgbClr val="5F9ED7"/>
-                </a:solidFill>
-              </a:rPr>
-              <a:t> oleh </a:t>
-            </a:r>
-            <a:r>
-              <a:rPr lang="en-US" dirty="0" err="1">
-                <a:solidFill>
-                  <a:srgbClr val="5F9ED7"/>
-                </a:solidFill>
-              </a:rPr>
-              <a:t>Algoritma</a:t>
-            </a:r>
-            <a:r>
-              <a:rPr lang="en-US" dirty="0">
-                <a:solidFill>
-                  <a:srgbClr val="5F9ED7"/>
-                </a:solidFill>
-              </a:rPr>
-              <a:t> </a:t>
-            </a:r>
-            <a:r>
-              <a:rPr lang="en-US" dirty="0" err="1">
-                <a:solidFill>
-                  <a:srgbClr val="5F9ED7"/>
-                </a:solidFill>
-              </a:rPr>
-              <a:t>deteksi</a:t>
-            </a:r>
-            <a:r>
-              <a:rPr lang="en-US" dirty="0">
-                <a:solidFill>
-                  <a:srgbClr val="5F9ED7"/>
-                </a:solidFill>
-              </a:rPr>
-              <a:t> </a:t>
-            </a:r>
-            <a:r>
-              <a:rPr lang="en-US" dirty="0" err="1">
-                <a:solidFill>
-                  <a:srgbClr val="5F9ED7"/>
-                </a:solidFill>
-              </a:rPr>
-              <a:t>objek</a:t>
-            </a:r>
-            <a:endParaRPr lang="en-US" dirty="0">
-              <a:solidFill>
-                <a:srgbClr val="5F9ED7"/>
-              </a:solidFill>
-            </a:endParaRPr>
-          </a:p>
-        </p:txBody>
-      </p:sp>
-      <p:sp>
-        <p:nvSpPr>
-          <p:cNvPr id="6" name="Rectangle 5">
-            <a:extLst>
-              <a:ext uri="{FF2B5EF4-FFF2-40B4-BE49-F238E27FC236}">
-                <a16:creationId xmlns:a16="http://schemas.microsoft.com/office/drawing/2014/main" id="{672FF0EB-E33F-4534-B192-79301C37551B}"/>
-              </a:ext>
-            </a:extLst>
-          </p:cNvPr>
-          <p:cNvSpPr/>
-          <p:nvPr/>
-        </p:nvSpPr>
-        <p:spPr>
-          <a:xfrm>
-            <a:off x="8656026" y="5399627"/>
-            <a:ext cx="2444261" cy="1169377"/>
-          </a:xfrm>
-          <a:prstGeom prst="rect">
-            <a:avLst/>
-          </a:prstGeom>
-          <a:solidFill>
-            <a:schemeClr val="bg1"/>
-          </a:solidFill>
-          <a:ln>
-            <a:noFill/>
-          </a:ln>
-        </p:spPr>
-        <p:style>
-          <a:lnRef idx="2">
-            <a:schemeClr val="accent1">
-              <a:shade val="50000"/>
-            </a:schemeClr>
-          </a:lnRef>
-          <a:fillRef idx="1">
-            <a:schemeClr val="accent1"/>
-          </a:fillRef>
-          <a:effectRef idx="0">
-            <a:schemeClr val="accent1"/>
-          </a:effectRef>
-          <a:fontRef idx="minor">
-            <a:schemeClr val="lt1"/>
-          </a:fontRef>
-        </p:style>
-        <p:txBody>
-          <a:bodyPr rtlCol="0" anchor="ctr"/>
-          <a:lstStyle/>
-          <a:p>
-            <a:pPr algn="ctr"/>
-            <a:r>
-              <a:rPr lang="en-US" dirty="0" err="1">
-                <a:solidFill>
-                  <a:srgbClr val="5F9ED7"/>
-                </a:solidFill>
-              </a:rPr>
-              <a:t>Menghitung</a:t>
-            </a:r>
-            <a:r>
-              <a:rPr lang="en-US" dirty="0">
-                <a:solidFill>
-                  <a:srgbClr val="5F9ED7"/>
-                </a:solidFill>
-              </a:rPr>
-              <a:t> </a:t>
-            </a:r>
-            <a:r>
-              <a:rPr lang="en-US" dirty="0" err="1">
-                <a:solidFill>
-                  <a:srgbClr val="5F9ED7"/>
-                </a:solidFill>
-              </a:rPr>
-              <a:t>Jumlah</a:t>
-            </a:r>
-            <a:r>
-              <a:rPr lang="en-US" dirty="0">
-                <a:solidFill>
-                  <a:srgbClr val="5F9ED7"/>
-                </a:solidFill>
-              </a:rPr>
-              <a:t> larva pada </a:t>
-            </a:r>
-            <a:r>
-              <a:rPr lang="en-US" dirty="0" err="1">
-                <a:solidFill>
-                  <a:srgbClr val="5F9ED7"/>
-                </a:solidFill>
-              </a:rPr>
-              <a:t>gambar</a:t>
-            </a:r>
-            <a:endParaRPr lang="en-US" dirty="0">
+              <a:rPr lang="en-US" sz="1400" dirty="0">
+                <a:solidFill>
+                  <a:srgbClr val="5F9ED7"/>
+                </a:solidFill>
+              </a:rPr>
+              <a:t>Gambar Larva </a:t>
+            </a:r>
+            <a:r>
+              <a:rPr lang="en-US" sz="1400" dirty="0" err="1">
+                <a:solidFill>
+                  <a:srgbClr val="5F9ED7"/>
+                </a:solidFill>
+              </a:rPr>
+              <a:t>Kepiting</a:t>
+            </a:r>
+            <a:r>
+              <a:rPr lang="en-US" sz="1400" dirty="0">
+                <a:solidFill>
+                  <a:srgbClr val="5F9ED7"/>
+                </a:solidFill>
+              </a:rPr>
+              <a:t> </a:t>
+            </a:r>
+            <a:r>
+              <a:rPr lang="en-US" sz="1400" dirty="0" err="1">
+                <a:solidFill>
+                  <a:srgbClr val="5F9ED7"/>
+                </a:solidFill>
+              </a:rPr>
+              <a:t>Rajungan</a:t>
+            </a:r>
+            <a:r>
+              <a:rPr lang="en-US" sz="1400" dirty="0">
+                <a:solidFill>
+                  <a:srgbClr val="5F9ED7"/>
+                </a:solidFill>
+              </a:rPr>
+              <a:t> </a:t>
+            </a:r>
+            <a:r>
+              <a:rPr lang="en-US" sz="1400" dirty="0" err="1">
+                <a:solidFill>
+                  <a:srgbClr val="5F9ED7"/>
+                </a:solidFill>
+              </a:rPr>
+              <a:t>dikumpulkan</a:t>
+            </a:r>
+            <a:endParaRPr lang="en-US" sz="1400" dirty="0">
               <a:solidFill>
                 <a:srgbClr val="5F9ED7"/>
               </a:solidFill>
@@ -4369,10 +4267,10 @@
       </p:cxnSp>
       <p:sp>
         <p:nvSpPr>
-          <p:cNvPr id="9" name="Rectangle 8">
-            <a:extLst>
-              <a:ext uri="{FF2B5EF4-FFF2-40B4-BE49-F238E27FC236}">
-                <a16:creationId xmlns:a16="http://schemas.microsoft.com/office/drawing/2014/main" id="{60B0BA1F-9C56-4CFC-BF23-3DC8927CE5F2}"/>
+          <p:cNvPr id="13" name="Rectangle 12">
+            <a:extLst>
+              <a:ext uri="{FF2B5EF4-FFF2-40B4-BE49-F238E27FC236}">
+                <a16:creationId xmlns:a16="http://schemas.microsoft.com/office/drawing/2014/main" id="{FEFF5FB7-65AB-48E0-9B43-5C897186C13B}"/>
               </a:ext>
             </a:extLst>
           </p:cNvPr>
@@ -4381,8 +4279,8 @@
         </p:nvSpPr>
         <p:spPr>
           <a:xfrm>
-            <a:off x="993531" y="5399628"/>
-            <a:ext cx="2444261" cy="1169377"/>
+            <a:off x="2746653" y="1768569"/>
+            <a:ext cx="1922520" cy="919767"/>
           </a:xfrm>
           <a:prstGeom prst="rect">
             <a:avLst/>
@@ -4416,70 +4314,35 @@
           <a:p>
             <a:pPr algn="ctr"/>
             <a:r>
-              <a:rPr lang="en-US" dirty="0">
-                <a:solidFill>
-                  <a:srgbClr val="5F9ED7"/>
-                </a:solidFill>
-              </a:rPr>
-              <a:t>Hasil Output : </a:t>
-            </a:r>
-            <a:r>
-              <a:rPr lang="en-US" dirty="0" err="1">
-                <a:solidFill>
-                  <a:srgbClr val="5F9ED7"/>
-                </a:solidFill>
-              </a:rPr>
-              <a:t>Jumlah</a:t>
-            </a:r>
-            <a:r>
-              <a:rPr lang="en-US" dirty="0">
-                <a:solidFill>
-                  <a:srgbClr val="5F9ED7"/>
-                </a:solidFill>
-              </a:rPr>
-              <a:t> larva pada 1 </a:t>
-            </a:r>
-            <a:r>
-              <a:rPr lang="en-US" dirty="0" err="1">
-                <a:solidFill>
-                  <a:srgbClr val="5F9ED7"/>
-                </a:solidFill>
-              </a:rPr>
-              <a:t>kolam</a:t>
-            </a:r>
-            <a:r>
-              <a:rPr lang="en-US" dirty="0">
-                <a:solidFill>
-                  <a:srgbClr val="5F9ED7"/>
-                </a:solidFill>
-              </a:rPr>
-              <a:t> </a:t>
-            </a:r>
-            <a:r>
-              <a:rPr lang="en-US" dirty="0" err="1">
-                <a:solidFill>
-                  <a:srgbClr val="5F9ED7"/>
-                </a:solidFill>
-              </a:rPr>
-              <a:t>Pemeliharaan</a:t>
-            </a:r>
-            <a:r>
-              <a:rPr lang="en-US" dirty="0">
-                <a:solidFill>
-                  <a:srgbClr val="5F9ED7"/>
-                </a:solidFill>
-              </a:rPr>
-              <a:t> </a:t>
-            </a:r>
+              <a:rPr lang="en-US" sz="1400" dirty="0">
+                <a:solidFill>
+                  <a:srgbClr val="5F9ED7"/>
+                </a:solidFill>
+              </a:rPr>
+              <a:t>Gambar Bounding Box dan generate file </a:t>
+            </a:r>
+            <a:r>
+              <a:rPr lang="en-US" sz="1400" dirty="0" err="1">
+                <a:solidFill>
+                  <a:srgbClr val="5F9ED7"/>
+                </a:solidFill>
+              </a:rPr>
+              <a:t>Anotasi</a:t>
+            </a:r>
+            <a:endParaRPr lang="en-US" sz="1400" dirty="0">
+              <a:solidFill>
+                <a:srgbClr val="5F9ED7"/>
+              </a:solidFill>
+            </a:endParaRPr>
           </a:p>
         </p:txBody>
       </p:sp>
       <p:sp>
         <p:nvSpPr>
-          <p:cNvPr id="12" name="Arrow: Right 11">
-            <a:extLst>
-              <a:ext uri="{FF2B5EF4-FFF2-40B4-BE49-F238E27FC236}">
-                <a16:creationId xmlns:a16="http://schemas.microsoft.com/office/drawing/2014/main" id="{CB9420EF-7307-4E19-BAD1-A0EDA2AFB84B}"/>
+          <p:cNvPr id="16" name="Rectangle 15">
+            <a:extLst>
+              <a:ext uri="{FF2B5EF4-FFF2-40B4-BE49-F238E27FC236}">
+                <a16:creationId xmlns:a16="http://schemas.microsoft.com/office/drawing/2014/main" id="{95674A26-885E-4AC9-95AD-381489F285EE}"/>
               </a:ext>
             </a:extLst>
           </p:cNvPr>
@@ -4488,27 +4351,30 @@
         </p:nvSpPr>
         <p:spPr>
           <a:xfrm>
-            <a:off x="3717314" y="2436445"/>
-            <a:ext cx="4658590" cy="647700"/>
+            <a:off x="5540648" y="1553712"/>
+            <a:ext cx="1411224" cy="429713"/>
           </a:xfrm>
-          <a:prstGeom prst="rightArrow">
+          <a:prstGeom prst="rect">
             <a:avLst/>
           </a:prstGeom>
           <a:solidFill>
             <a:schemeClr val="bg1"/>
           </a:solidFill>
+          <a:ln>
+            <a:noFill/>
+          </a:ln>
         </p:spPr>
         <p:style>
           <a:lnRef idx="2">
-            <a:schemeClr val="accent5">
+            <a:schemeClr val="accent1">
               <a:shade val="50000"/>
             </a:schemeClr>
           </a:lnRef>
           <a:fillRef idx="1">
-            <a:schemeClr val="accent5"/>
+            <a:schemeClr val="accent1"/>
           </a:fillRef>
           <a:effectRef idx="0">
-            <a:schemeClr val="accent5"/>
+            <a:schemeClr val="accent1"/>
           </a:effectRef>
           <a:fontRef idx="minor">
             <a:schemeClr val="lt1"/>
@@ -4519,16 +4385,23 @@
           <a:lstStyle/>
           <a:p>
             <a:pPr algn="ctr"/>
-            <a:endParaRPr lang="en-US"/>
+            <a:r>
+              <a:rPr lang="en-US" sz="1400" dirty="0">
+                <a:solidFill>
+                  <a:srgbClr val="5F9ED7"/>
+                </a:solidFill>
+              </a:rPr>
+              <a:t>Training Set</a:t>
+            </a:r>
           </a:p>
         </p:txBody>
       </p:sp>
       <p:sp>
         <p:nvSpPr>
-          <p:cNvPr id="14" name="Arrow: Right 13">
-            <a:extLst>
-              <a:ext uri="{FF2B5EF4-FFF2-40B4-BE49-F238E27FC236}">
-                <a16:creationId xmlns:a16="http://schemas.microsoft.com/office/drawing/2014/main" id="{78DFDF5D-BE13-401D-A2EC-D4EA1F6C8897}"/>
+          <p:cNvPr id="18" name="Rectangle 17">
+            <a:extLst>
+              <a:ext uri="{FF2B5EF4-FFF2-40B4-BE49-F238E27FC236}">
+                <a16:creationId xmlns:a16="http://schemas.microsoft.com/office/drawing/2014/main" id="{82047063-F183-4B05-9C33-7DC9A5977C44}"/>
               </a:ext>
             </a:extLst>
           </p:cNvPr>
@@ -4536,28 +4409,31 @@
           <p:nvPr/>
         </p:nvSpPr>
         <p:spPr>
-          <a:xfrm rot="5400000">
-            <a:off x="8955001" y="4019939"/>
-            <a:ext cx="1846310" cy="647700"/>
+          <a:xfrm>
+            <a:off x="5540648" y="2473479"/>
+            <a:ext cx="1411224" cy="429713"/>
           </a:xfrm>
-          <a:prstGeom prst="rightArrow">
+          <a:prstGeom prst="rect">
             <a:avLst/>
           </a:prstGeom>
           <a:solidFill>
             <a:schemeClr val="bg1"/>
           </a:solidFill>
+          <a:ln>
+            <a:noFill/>
+          </a:ln>
         </p:spPr>
         <p:style>
           <a:lnRef idx="2">
-            <a:schemeClr val="accent5">
+            <a:schemeClr val="accent1">
               <a:shade val="50000"/>
             </a:schemeClr>
           </a:lnRef>
           <a:fillRef idx="1">
-            <a:schemeClr val="accent5"/>
+            <a:schemeClr val="accent1"/>
           </a:fillRef>
           <a:effectRef idx="0">
-            <a:schemeClr val="accent5"/>
+            <a:schemeClr val="accent1"/>
           </a:effectRef>
           <a:fontRef idx="minor">
             <a:schemeClr val="lt1"/>
@@ -4568,16 +4444,158 @@
           <a:lstStyle/>
           <a:p>
             <a:pPr algn="ctr"/>
-            <a:endParaRPr lang="en-US"/>
+            <a:r>
+              <a:rPr lang="en-US" sz="1400" dirty="0">
+                <a:solidFill>
+                  <a:srgbClr val="5F9ED7"/>
+                </a:solidFill>
+              </a:rPr>
+              <a:t>Validation Set</a:t>
+            </a:r>
           </a:p>
         </p:txBody>
       </p:sp>
+      <p:cxnSp>
+        <p:nvCxnSpPr>
+          <p:cNvPr id="10" name="Straight Arrow Connector 9">
+            <a:extLst>
+              <a:ext uri="{FF2B5EF4-FFF2-40B4-BE49-F238E27FC236}">
+                <a16:creationId xmlns:a16="http://schemas.microsoft.com/office/drawing/2014/main" id="{D7C0EA4E-F61E-4D56-B227-F90A5E89A9B7}"/>
+              </a:ext>
+            </a:extLst>
+          </p:cNvPr>
+          <p:cNvCxnSpPr>
+            <a:stCxn id="4" idx="3"/>
+            <a:endCxn id="13" idx="1"/>
+          </p:cNvCxnSpPr>
+          <p:nvPr/>
+        </p:nvCxnSpPr>
+        <p:spPr>
+          <a:xfrm>
+            <a:off x="2117424" y="2228453"/>
+            <a:ext cx="629229" cy="0"/>
+          </a:xfrm>
+          <a:prstGeom prst="straightConnector1">
+            <a:avLst/>
+          </a:prstGeom>
+          <a:ln w="57150">
+            <a:solidFill>
+              <a:schemeClr val="bg1"/>
+            </a:solidFill>
+            <a:tailEnd type="triangle"/>
+          </a:ln>
+        </p:spPr>
+        <p:style>
+          <a:lnRef idx="1">
+            <a:schemeClr val="accent1"/>
+          </a:lnRef>
+          <a:fillRef idx="0">
+            <a:schemeClr val="accent1"/>
+          </a:fillRef>
+          <a:effectRef idx="0">
+            <a:schemeClr val="accent1"/>
+          </a:effectRef>
+          <a:fontRef idx="minor">
+            <a:schemeClr val="tx1"/>
+          </a:fontRef>
+        </p:style>
+      </p:cxnSp>
+      <p:cxnSp>
+        <p:nvCxnSpPr>
+          <p:cNvPr id="23" name="Straight Arrow Connector 22">
+            <a:extLst>
+              <a:ext uri="{FF2B5EF4-FFF2-40B4-BE49-F238E27FC236}">
+                <a16:creationId xmlns:a16="http://schemas.microsoft.com/office/drawing/2014/main" id="{81BC5E68-E361-4D0B-A1E3-C4B55EEA097B}"/>
+              </a:ext>
+            </a:extLst>
+          </p:cNvPr>
+          <p:cNvCxnSpPr>
+            <a:stCxn id="13" idx="3"/>
+            <a:endCxn id="16" idx="1"/>
+          </p:cNvCxnSpPr>
+          <p:nvPr/>
+        </p:nvCxnSpPr>
+        <p:spPr>
+          <a:xfrm flipV="1">
+            <a:off x="4669173" y="1768569"/>
+            <a:ext cx="871475" cy="459884"/>
+          </a:xfrm>
+          <a:prstGeom prst="straightConnector1">
+            <a:avLst/>
+          </a:prstGeom>
+          <a:ln w="57150">
+            <a:solidFill>
+              <a:schemeClr val="bg1"/>
+            </a:solidFill>
+            <a:tailEnd type="triangle"/>
+          </a:ln>
+        </p:spPr>
+        <p:style>
+          <a:lnRef idx="1">
+            <a:schemeClr val="accent1"/>
+          </a:lnRef>
+          <a:fillRef idx="0">
+            <a:schemeClr val="accent1"/>
+          </a:fillRef>
+          <a:effectRef idx="0">
+            <a:schemeClr val="accent1"/>
+          </a:effectRef>
+          <a:fontRef idx="minor">
+            <a:schemeClr val="tx1"/>
+          </a:fontRef>
+        </p:style>
+      </p:cxnSp>
+      <p:cxnSp>
+        <p:nvCxnSpPr>
+          <p:cNvPr id="25" name="Straight Arrow Connector 24">
+            <a:extLst>
+              <a:ext uri="{FF2B5EF4-FFF2-40B4-BE49-F238E27FC236}">
+                <a16:creationId xmlns:a16="http://schemas.microsoft.com/office/drawing/2014/main" id="{3A7053AC-1D82-4431-A2EE-2F3DEF4CF073}"/>
+              </a:ext>
+            </a:extLst>
+          </p:cNvPr>
+          <p:cNvCxnSpPr>
+            <a:stCxn id="13" idx="3"/>
+            <a:endCxn id="18" idx="1"/>
+          </p:cNvCxnSpPr>
+          <p:nvPr/>
+        </p:nvCxnSpPr>
+        <p:spPr>
+          <a:xfrm>
+            <a:off x="4669173" y="2228453"/>
+            <a:ext cx="871475" cy="459883"/>
+          </a:xfrm>
+          <a:prstGeom prst="straightConnector1">
+            <a:avLst/>
+          </a:prstGeom>
+          <a:ln w="57150">
+            <a:solidFill>
+              <a:schemeClr val="bg1"/>
+            </a:solidFill>
+            <a:tailEnd type="triangle"/>
+          </a:ln>
+        </p:spPr>
+        <p:style>
+          <a:lnRef idx="1">
+            <a:schemeClr val="accent1"/>
+          </a:lnRef>
+          <a:fillRef idx="0">
+            <a:schemeClr val="accent1"/>
+          </a:fillRef>
+          <a:effectRef idx="0">
+            <a:schemeClr val="accent1"/>
+          </a:effectRef>
+          <a:fontRef idx="minor">
+            <a:schemeClr val="tx1"/>
+          </a:fontRef>
+        </p:style>
+      </p:cxnSp>
       <p:sp>
         <p:nvSpPr>
-          <p:cNvPr id="17" name="Arrow: Right 16">
-            <a:extLst>
-              <a:ext uri="{FF2B5EF4-FFF2-40B4-BE49-F238E27FC236}">
-                <a16:creationId xmlns:a16="http://schemas.microsoft.com/office/drawing/2014/main" id="{FE400D9F-B3CC-4D9E-A5AB-A29E3BF034DA}"/>
+          <p:cNvPr id="26" name="Rectangle 25">
+            <a:extLst>
+              <a:ext uri="{FF2B5EF4-FFF2-40B4-BE49-F238E27FC236}">
+                <a16:creationId xmlns:a16="http://schemas.microsoft.com/office/drawing/2014/main" id="{859F6448-03D1-4B5A-A308-9505E8FE1792}"/>
               </a:ext>
             </a:extLst>
           </p:cNvPr>
@@ -4585,28 +4603,31 @@
           <p:nvPr/>
         </p:nvSpPr>
         <p:spPr>
-          <a:xfrm flipH="1">
-            <a:off x="3717314" y="5660465"/>
-            <a:ext cx="4658590" cy="647700"/>
+          <a:xfrm>
+            <a:off x="7823347" y="1768568"/>
+            <a:ext cx="1922520" cy="919767"/>
           </a:xfrm>
-          <a:prstGeom prst="rightArrow">
+          <a:prstGeom prst="rect">
             <a:avLst/>
           </a:prstGeom>
           <a:solidFill>
             <a:schemeClr val="bg1"/>
           </a:solidFill>
+          <a:ln>
+            <a:noFill/>
+          </a:ln>
         </p:spPr>
         <p:style>
           <a:lnRef idx="2">
-            <a:schemeClr val="accent5">
+            <a:schemeClr val="accent1">
               <a:shade val="50000"/>
             </a:schemeClr>
           </a:lnRef>
           <a:fillRef idx="1">
-            <a:schemeClr val="accent5"/>
+            <a:schemeClr val="accent1"/>
           </a:fillRef>
           <a:effectRef idx="0">
-            <a:schemeClr val="accent5"/>
+            <a:schemeClr val="accent1"/>
           </a:effectRef>
           <a:fontRef idx="minor">
             <a:schemeClr val="lt1"/>
@@ -4617,14 +4638,785 @@
           <a:lstStyle/>
           <a:p>
             <a:pPr algn="ctr"/>
-            <a:endParaRPr lang="en-US"/>
+            <a:r>
+              <a:rPr lang="en-US" sz="1400" dirty="0">
+                <a:solidFill>
+                  <a:srgbClr val="5F9ED7"/>
+                </a:solidFill>
+              </a:rPr>
+              <a:t>Training Model</a:t>
+            </a:r>
           </a:p>
         </p:txBody>
       </p:sp>
+      <p:sp>
+        <p:nvSpPr>
+          <p:cNvPr id="27" name="Rectangle 26">
+            <a:extLst>
+              <a:ext uri="{FF2B5EF4-FFF2-40B4-BE49-F238E27FC236}">
+                <a16:creationId xmlns:a16="http://schemas.microsoft.com/office/drawing/2014/main" id="{E0284875-52A1-4846-8044-E3CC7466360F}"/>
+              </a:ext>
+            </a:extLst>
+          </p:cNvPr>
+          <p:cNvSpPr/>
+          <p:nvPr/>
+        </p:nvSpPr>
+        <p:spPr>
+          <a:xfrm>
+            <a:off x="9837188" y="3576032"/>
+            <a:ext cx="1922520" cy="919767"/>
+          </a:xfrm>
+          <a:prstGeom prst="rect">
+            <a:avLst/>
+          </a:prstGeom>
+          <a:solidFill>
+            <a:schemeClr val="bg1"/>
+          </a:solidFill>
+          <a:ln>
+            <a:noFill/>
+          </a:ln>
+        </p:spPr>
+        <p:style>
+          <a:lnRef idx="2">
+            <a:schemeClr val="accent1">
+              <a:shade val="50000"/>
+            </a:schemeClr>
+          </a:lnRef>
+          <a:fillRef idx="1">
+            <a:schemeClr val="accent1"/>
+          </a:fillRef>
+          <a:effectRef idx="0">
+            <a:schemeClr val="accent1"/>
+          </a:effectRef>
+          <a:fontRef idx="minor">
+            <a:schemeClr val="lt1"/>
+          </a:fontRef>
+        </p:style>
+        <p:txBody>
+          <a:bodyPr rtlCol="0" anchor="ctr"/>
+          <a:lstStyle/>
+          <a:p>
+            <a:pPr algn="ctr"/>
+            <a:r>
+              <a:rPr lang="en-US" sz="1400" dirty="0">
+                <a:solidFill>
+                  <a:srgbClr val="5F9ED7"/>
+                </a:solidFill>
+              </a:rPr>
+              <a:t>Model di </a:t>
+            </a:r>
+            <a:r>
+              <a:rPr lang="en-US" sz="1400" dirty="0" err="1">
+                <a:solidFill>
+                  <a:srgbClr val="5F9ED7"/>
+                </a:solidFill>
+              </a:rPr>
+              <a:t>hasilkan</a:t>
+            </a:r>
+            <a:endParaRPr lang="en-US" sz="1400" dirty="0">
+              <a:solidFill>
+                <a:srgbClr val="5F9ED7"/>
+              </a:solidFill>
+            </a:endParaRPr>
+          </a:p>
+        </p:txBody>
+      </p:sp>
+      <p:sp>
+        <p:nvSpPr>
+          <p:cNvPr id="28" name="Rectangle 27">
+            <a:extLst>
+              <a:ext uri="{FF2B5EF4-FFF2-40B4-BE49-F238E27FC236}">
+                <a16:creationId xmlns:a16="http://schemas.microsoft.com/office/drawing/2014/main" id="{EEFF0F2E-878A-4F99-B0B3-2B5B1312614E}"/>
+              </a:ext>
+            </a:extLst>
+          </p:cNvPr>
+          <p:cNvSpPr/>
+          <p:nvPr/>
+        </p:nvSpPr>
+        <p:spPr>
+          <a:xfrm>
+            <a:off x="7914668" y="5447504"/>
+            <a:ext cx="1922520" cy="919767"/>
+          </a:xfrm>
+          <a:prstGeom prst="rect">
+            <a:avLst/>
+          </a:prstGeom>
+          <a:solidFill>
+            <a:schemeClr val="bg1"/>
+          </a:solidFill>
+          <a:ln>
+            <a:noFill/>
+          </a:ln>
+        </p:spPr>
+        <p:style>
+          <a:lnRef idx="2">
+            <a:schemeClr val="accent1">
+              <a:shade val="50000"/>
+            </a:schemeClr>
+          </a:lnRef>
+          <a:fillRef idx="1">
+            <a:schemeClr val="accent1"/>
+          </a:fillRef>
+          <a:effectRef idx="0">
+            <a:schemeClr val="accent1"/>
+          </a:effectRef>
+          <a:fontRef idx="minor">
+            <a:schemeClr val="lt1"/>
+          </a:fontRef>
+        </p:style>
+        <p:txBody>
+          <a:bodyPr rtlCol="0" anchor="ctr"/>
+          <a:lstStyle/>
+          <a:p>
+            <a:pPr algn="ctr"/>
+            <a:r>
+              <a:rPr lang="en-US" sz="1400" dirty="0">
+                <a:solidFill>
+                  <a:srgbClr val="5F9ED7"/>
+                </a:solidFill>
+              </a:rPr>
+              <a:t>Model yang </a:t>
+            </a:r>
+            <a:r>
+              <a:rPr lang="en-US" sz="1400" dirty="0" err="1">
+                <a:solidFill>
+                  <a:srgbClr val="5F9ED7"/>
+                </a:solidFill>
+              </a:rPr>
+              <a:t>telah</a:t>
+            </a:r>
+            <a:r>
+              <a:rPr lang="en-US" sz="1400" dirty="0">
+                <a:solidFill>
+                  <a:srgbClr val="5F9ED7"/>
+                </a:solidFill>
+              </a:rPr>
+              <a:t> di train di </a:t>
+            </a:r>
+            <a:r>
+              <a:rPr lang="en-US" sz="1400" dirty="0" err="1">
+                <a:solidFill>
+                  <a:srgbClr val="5F9ED7"/>
+                </a:solidFill>
+              </a:rPr>
+              <a:t>ujicoba</a:t>
+            </a:r>
+            <a:r>
+              <a:rPr lang="en-US" sz="1400" dirty="0">
+                <a:solidFill>
+                  <a:srgbClr val="5F9ED7"/>
+                </a:solidFill>
+              </a:rPr>
+              <a:t> </a:t>
+            </a:r>
+            <a:r>
+              <a:rPr lang="en-US" sz="1400" dirty="0" err="1">
+                <a:solidFill>
+                  <a:srgbClr val="5F9ED7"/>
+                </a:solidFill>
+              </a:rPr>
+              <a:t>mendeteksi</a:t>
+            </a:r>
+            <a:r>
+              <a:rPr lang="en-US" sz="1400" dirty="0">
+                <a:solidFill>
+                  <a:srgbClr val="5F9ED7"/>
+                </a:solidFill>
+              </a:rPr>
+              <a:t> data training</a:t>
+            </a:r>
+          </a:p>
+        </p:txBody>
+      </p:sp>
+      <p:sp>
+        <p:nvSpPr>
+          <p:cNvPr id="29" name="Rectangle 28">
+            <a:extLst>
+              <a:ext uri="{FF2B5EF4-FFF2-40B4-BE49-F238E27FC236}">
+                <a16:creationId xmlns:a16="http://schemas.microsoft.com/office/drawing/2014/main" id="{8F7F42F0-9461-42E2-AEA9-EA79DEC2E244}"/>
+              </a:ext>
+            </a:extLst>
+          </p:cNvPr>
+          <p:cNvSpPr/>
+          <p:nvPr/>
+        </p:nvSpPr>
+        <p:spPr>
+          <a:xfrm>
+            <a:off x="5540648" y="5447503"/>
+            <a:ext cx="1922520" cy="919767"/>
+          </a:xfrm>
+          <a:prstGeom prst="rect">
+            <a:avLst/>
+          </a:prstGeom>
+          <a:solidFill>
+            <a:schemeClr val="bg1"/>
+          </a:solidFill>
+          <a:ln>
+            <a:noFill/>
+          </a:ln>
+        </p:spPr>
+        <p:style>
+          <a:lnRef idx="2">
+            <a:schemeClr val="accent1">
+              <a:shade val="50000"/>
+            </a:schemeClr>
+          </a:lnRef>
+          <a:fillRef idx="1">
+            <a:schemeClr val="accent1"/>
+          </a:fillRef>
+          <a:effectRef idx="0">
+            <a:schemeClr val="accent1"/>
+          </a:effectRef>
+          <a:fontRef idx="minor">
+            <a:schemeClr val="lt1"/>
+          </a:fontRef>
+        </p:style>
+        <p:txBody>
+          <a:bodyPr rtlCol="0" anchor="ctr"/>
+          <a:lstStyle/>
+          <a:p>
+            <a:pPr algn="ctr"/>
+            <a:r>
+              <a:rPr lang="en-US" sz="1400" dirty="0" err="1">
+                <a:solidFill>
+                  <a:srgbClr val="5F9ED7"/>
+                </a:solidFill>
+              </a:rPr>
+              <a:t>Implementasi</a:t>
+            </a:r>
+            <a:r>
+              <a:rPr lang="en-US" sz="1400" dirty="0">
+                <a:solidFill>
+                  <a:srgbClr val="5F9ED7"/>
+                </a:solidFill>
+              </a:rPr>
+              <a:t> pada </a:t>
+            </a:r>
+            <a:r>
+              <a:rPr lang="en-US" sz="1400" dirty="0" err="1">
+                <a:solidFill>
+                  <a:srgbClr val="5F9ED7"/>
+                </a:solidFill>
+              </a:rPr>
+              <a:t>sistem</a:t>
+            </a:r>
+            <a:endParaRPr lang="en-US" sz="1400" dirty="0">
+              <a:solidFill>
+                <a:srgbClr val="5F9ED7"/>
+              </a:solidFill>
+            </a:endParaRPr>
+          </a:p>
+        </p:txBody>
+      </p:sp>
+      <p:sp>
+        <p:nvSpPr>
+          <p:cNvPr id="30" name="Rectangle 29">
+            <a:extLst>
+              <a:ext uri="{FF2B5EF4-FFF2-40B4-BE49-F238E27FC236}">
+                <a16:creationId xmlns:a16="http://schemas.microsoft.com/office/drawing/2014/main" id="{149A3C01-B607-4EEC-B28E-A86CE4A5FA63}"/>
+              </a:ext>
+            </a:extLst>
+          </p:cNvPr>
+          <p:cNvSpPr/>
+          <p:nvPr/>
+        </p:nvSpPr>
+        <p:spPr>
+          <a:xfrm>
+            <a:off x="3068580" y="5447502"/>
+            <a:ext cx="1922520" cy="919767"/>
+          </a:xfrm>
+          <a:prstGeom prst="rect">
+            <a:avLst/>
+          </a:prstGeom>
+          <a:solidFill>
+            <a:schemeClr val="bg1"/>
+          </a:solidFill>
+          <a:ln>
+            <a:noFill/>
+          </a:ln>
+        </p:spPr>
+        <p:style>
+          <a:lnRef idx="2">
+            <a:schemeClr val="accent1">
+              <a:shade val="50000"/>
+            </a:schemeClr>
+          </a:lnRef>
+          <a:fillRef idx="1">
+            <a:schemeClr val="accent1"/>
+          </a:fillRef>
+          <a:effectRef idx="0">
+            <a:schemeClr val="accent1"/>
+          </a:effectRef>
+          <a:fontRef idx="minor">
+            <a:schemeClr val="lt1"/>
+          </a:fontRef>
+        </p:style>
+        <p:txBody>
+          <a:bodyPr rtlCol="0" anchor="ctr"/>
+          <a:lstStyle/>
+          <a:p>
+            <a:pPr algn="ctr"/>
+            <a:r>
+              <a:rPr lang="en-US" sz="1400" dirty="0" err="1">
+                <a:solidFill>
+                  <a:srgbClr val="5F9ED7"/>
+                </a:solidFill>
+              </a:rPr>
+              <a:t>Hitung</a:t>
+            </a:r>
+            <a:r>
+              <a:rPr lang="en-US" sz="1400" dirty="0">
+                <a:solidFill>
+                  <a:srgbClr val="5F9ED7"/>
+                </a:solidFill>
+              </a:rPr>
+              <a:t> </a:t>
+            </a:r>
+            <a:r>
+              <a:rPr lang="en-US" sz="1400" dirty="0" err="1">
+                <a:solidFill>
+                  <a:srgbClr val="5F9ED7"/>
+                </a:solidFill>
+              </a:rPr>
+              <a:t>Jumlah</a:t>
+            </a:r>
+            <a:r>
+              <a:rPr lang="en-US" sz="1400" dirty="0">
+                <a:solidFill>
+                  <a:srgbClr val="5F9ED7"/>
+                </a:solidFill>
+              </a:rPr>
+              <a:t> Larva</a:t>
+            </a:r>
+          </a:p>
+        </p:txBody>
+      </p:sp>
+      <p:sp>
+        <p:nvSpPr>
+          <p:cNvPr id="31" name="Rectangle 30">
+            <a:extLst>
+              <a:ext uri="{FF2B5EF4-FFF2-40B4-BE49-F238E27FC236}">
+                <a16:creationId xmlns:a16="http://schemas.microsoft.com/office/drawing/2014/main" id="{8DCCDBD8-470A-459A-AC08-8C723D9C076B}"/>
+              </a:ext>
+            </a:extLst>
+          </p:cNvPr>
+          <p:cNvSpPr/>
+          <p:nvPr/>
+        </p:nvSpPr>
+        <p:spPr>
+          <a:xfrm>
+            <a:off x="645536" y="5447502"/>
+            <a:ext cx="1922520" cy="919767"/>
+          </a:xfrm>
+          <a:prstGeom prst="rect">
+            <a:avLst/>
+          </a:prstGeom>
+          <a:solidFill>
+            <a:schemeClr val="bg1"/>
+          </a:solidFill>
+          <a:ln>
+            <a:noFill/>
+          </a:ln>
+        </p:spPr>
+        <p:style>
+          <a:lnRef idx="2">
+            <a:schemeClr val="accent1">
+              <a:shade val="50000"/>
+            </a:schemeClr>
+          </a:lnRef>
+          <a:fillRef idx="1">
+            <a:schemeClr val="accent1"/>
+          </a:fillRef>
+          <a:effectRef idx="0">
+            <a:schemeClr val="accent1"/>
+          </a:effectRef>
+          <a:fontRef idx="minor">
+            <a:schemeClr val="lt1"/>
+          </a:fontRef>
+        </p:style>
+        <p:txBody>
+          <a:bodyPr rtlCol="0" anchor="ctr"/>
+          <a:lstStyle/>
+          <a:p>
+            <a:pPr algn="ctr"/>
+            <a:r>
+              <a:rPr lang="en-US" sz="1400" dirty="0">
+                <a:solidFill>
+                  <a:srgbClr val="5F9ED7"/>
+                </a:solidFill>
+              </a:rPr>
+              <a:t>Hasil Output : </a:t>
+            </a:r>
+            <a:r>
+              <a:rPr lang="en-US" sz="1400" dirty="0" err="1">
+                <a:solidFill>
+                  <a:srgbClr val="5F9ED7"/>
+                </a:solidFill>
+              </a:rPr>
+              <a:t>Jumlah</a:t>
+            </a:r>
+            <a:r>
+              <a:rPr lang="en-US" sz="1400" dirty="0">
+                <a:solidFill>
+                  <a:srgbClr val="5F9ED7"/>
+                </a:solidFill>
+              </a:rPr>
+              <a:t> larva pada 1 </a:t>
+            </a:r>
+            <a:r>
+              <a:rPr lang="en-US" sz="1400" dirty="0" err="1">
+                <a:solidFill>
+                  <a:srgbClr val="5F9ED7"/>
+                </a:solidFill>
+              </a:rPr>
+              <a:t>kolam</a:t>
+            </a:r>
+            <a:r>
+              <a:rPr lang="en-US" sz="1400" dirty="0">
+                <a:solidFill>
+                  <a:srgbClr val="5F9ED7"/>
+                </a:solidFill>
+              </a:rPr>
+              <a:t> </a:t>
+            </a:r>
+            <a:r>
+              <a:rPr lang="en-US" sz="1400" dirty="0" err="1">
+                <a:solidFill>
+                  <a:srgbClr val="5F9ED7"/>
+                </a:solidFill>
+              </a:rPr>
+              <a:t>Pemeliharaan</a:t>
+            </a:r>
+            <a:r>
+              <a:rPr lang="en-US" sz="1400" dirty="0">
+                <a:solidFill>
+                  <a:srgbClr val="5F9ED7"/>
+                </a:solidFill>
+              </a:rPr>
+              <a:t> </a:t>
+            </a:r>
+          </a:p>
+        </p:txBody>
+      </p:sp>
+      <p:cxnSp>
+        <p:nvCxnSpPr>
+          <p:cNvPr id="33" name="Straight Arrow Connector 32">
+            <a:extLst>
+              <a:ext uri="{FF2B5EF4-FFF2-40B4-BE49-F238E27FC236}">
+                <a16:creationId xmlns:a16="http://schemas.microsoft.com/office/drawing/2014/main" id="{1F4245F7-C8F0-4E25-BC50-5F0B3C38E752}"/>
+              </a:ext>
+            </a:extLst>
+          </p:cNvPr>
+          <p:cNvCxnSpPr>
+            <a:stCxn id="30" idx="1"/>
+            <a:endCxn id="31" idx="3"/>
+          </p:cNvCxnSpPr>
+          <p:nvPr/>
+        </p:nvCxnSpPr>
+        <p:spPr>
+          <a:xfrm flipH="1">
+            <a:off x="2568056" y="5907386"/>
+            <a:ext cx="500524" cy="0"/>
+          </a:xfrm>
+          <a:prstGeom prst="straightConnector1">
+            <a:avLst/>
+          </a:prstGeom>
+          <a:ln w="57150">
+            <a:solidFill>
+              <a:schemeClr val="bg1"/>
+            </a:solidFill>
+            <a:tailEnd type="triangle"/>
+          </a:ln>
+        </p:spPr>
+        <p:style>
+          <a:lnRef idx="1">
+            <a:schemeClr val="accent1"/>
+          </a:lnRef>
+          <a:fillRef idx="0">
+            <a:schemeClr val="accent1"/>
+          </a:fillRef>
+          <a:effectRef idx="0">
+            <a:schemeClr val="accent1"/>
+          </a:effectRef>
+          <a:fontRef idx="minor">
+            <a:schemeClr val="tx1"/>
+          </a:fontRef>
+        </p:style>
+      </p:cxnSp>
+      <p:cxnSp>
+        <p:nvCxnSpPr>
+          <p:cNvPr id="35" name="Straight Arrow Connector 34">
+            <a:extLst>
+              <a:ext uri="{FF2B5EF4-FFF2-40B4-BE49-F238E27FC236}">
+                <a16:creationId xmlns:a16="http://schemas.microsoft.com/office/drawing/2014/main" id="{B1681469-27F1-41ED-98DD-B814529F046E}"/>
+              </a:ext>
+            </a:extLst>
+          </p:cNvPr>
+          <p:cNvCxnSpPr>
+            <a:stCxn id="29" idx="1"/>
+            <a:endCxn id="30" idx="3"/>
+          </p:cNvCxnSpPr>
+          <p:nvPr/>
+        </p:nvCxnSpPr>
+        <p:spPr>
+          <a:xfrm flipH="1" flipV="1">
+            <a:off x="4991100" y="5907386"/>
+            <a:ext cx="549548" cy="1"/>
+          </a:xfrm>
+          <a:prstGeom prst="straightConnector1">
+            <a:avLst/>
+          </a:prstGeom>
+          <a:ln w="57150">
+            <a:solidFill>
+              <a:schemeClr val="bg1"/>
+            </a:solidFill>
+            <a:tailEnd type="triangle"/>
+          </a:ln>
+        </p:spPr>
+        <p:style>
+          <a:lnRef idx="1">
+            <a:schemeClr val="accent1"/>
+          </a:lnRef>
+          <a:fillRef idx="0">
+            <a:schemeClr val="accent1"/>
+          </a:fillRef>
+          <a:effectRef idx="0">
+            <a:schemeClr val="accent1"/>
+          </a:effectRef>
+          <a:fontRef idx="minor">
+            <a:schemeClr val="tx1"/>
+          </a:fontRef>
+        </p:style>
+      </p:cxnSp>
+      <p:cxnSp>
+        <p:nvCxnSpPr>
+          <p:cNvPr id="37" name="Straight Arrow Connector 36">
+            <a:extLst>
+              <a:ext uri="{FF2B5EF4-FFF2-40B4-BE49-F238E27FC236}">
+                <a16:creationId xmlns:a16="http://schemas.microsoft.com/office/drawing/2014/main" id="{C7891825-CA95-488A-A8BE-2539187FBFAB}"/>
+              </a:ext>
+            </a:extLst>
+          </p:cNvPr>
+          <p:cNvCxnSpPr>
+            <a:stCxn id="28" idx="1"/>
+            <a:endCxn id="29" idx="3"/>
+          </p:cNvCxnSpPr>
+          <p:nvPr/>
+        </p:nvCxnSpPr>
+        <p:spPr>
+          <a:xfrm flipH="1" flipV="1">
+            <a:off x="7463168" y="5907387"/>
+            <a:ext cx="451500" cy="1"/>
+          </a:xfrm>
+          <a:prstGeom prst="straightConnector1">
+            <a:avLst/>
+          </a:prstGeom>
+          <a:ln w="57150">
+            <a:solidFill>
+              <a:schemeClr val="bg1"/>
+            </a:solidFill>
+            <a:tailEnd type="triangle"/>
+          </a:ln>
+        </p:spPr>
+        <p:style>
+          <a:lnRef idx="1">
+            <a:schemeClr val="accent1"/>
+          </a:lnRef>
+          <a:fillRef idx="0">
+            <a:schemeClr val="accent1"/>
+          </a:fillRef>
+          <a:effectRef idx="0">
+            <a:schemeClr val="accent1"/>
+          </a:effectRef>
+          <a:fontRef idx="minor">
+            <a:schemeClr val="tx1"/>
+          </a:fontRef>
+        </p:style>
+      </p:cxnSp>
+      <p:cxnSp>
+        <p:nvCxnSpPr>
+          <p:cNvPr id="39" name="Straight Arrow Connector 38">
+            <a:extLst>
+              <a:ext uri="{FF2B5EF4-FFF2-40B4-BE49-F238E27FC236}">
+                <a16:creationId xmlns:a16="http://schemas.microsoft.com/office/drawing/2014/main" id="{36EA4F8F-A486-4233-84B7-807CD1D2E8A7}"/>
+              </a:ext>
+            </a:extLst>
+          </p:cNvPr>
+          <p:cNvCxnSpPr>
+            <a:stCxn id="16" idx="3"/>
+            <a:endCxn id="26" idx="1"/>
+          </p:cNvCxnSpPr>
+          <p:nvPr/>
+        </p:nvCxnSpPr>
+        <p:spPr>
+          <a:xfrm>
+            <a:off x="6951872" y="1768569"/>
+            <a:ext cx="871475" cy="459883"/>
+          </a:xfrm>
+          <a:prstGeom prst="straightConnector1">
+            <a:avLst/>
+          </a:prstGeom>
+          <a:ln w="57150">
+            <a:solidFill>
+              <a:schemeClr val="bg1"/>
+            </a:solidFill>
+            <a:tailEnd type="triangle"/>
+          </a:ln>
+        </p:spPr>
+        <p:style>
+          <a:lnRef idx="1">
+            <a:schemeClr val="accent1"/>
+          </a:lnRef>
+          <a:fillRef idx="0">
+            <a:schemeClr val="accent1"/>
+          </a:fillRef>
+          <a:effectRef idx="0">
+            <a:schemeClr val="accent1"/>
+          </a:effectRef>
+          <a:fontRef idx="minor">
+            <a:schemeClr val="tx1"/>
+          </a:fontRef>
+        </p:style>
+      </p:cxnSp>
+      <p:cxnSp>
+        <p:nvCxnSpPr>
+          <p:cNvPr id="41" name="Straight Arrow Connector 40">
+            <a:extLst>
+              <a:ext uri="{FF2B5EF4-FFF2-40B4-BE49-F238E27FC236}">
+                <a16:creationId xmlns:a16="http://schemas.microsoft.com/office/drawing/2014/main" id="{4F24DE93-225A-4A76-8016-3CAE13B45D82}"/>
+              </a:ext>
+            </a:extLst>
+          </p:cNvPr>
+          <p:cNvCxnSpPr>
+            <a:stCxn id="18" idx="3"/>
+            <a:endCxn id="26" idx="1"/>
+          </p:cNvCxnSpPr>
+          <p:nvPr/>
+        </p:nvCxnSpPr>
+        <p:spPr>
+          <a:xfrm flipV="1">
+            <a:off x="6951872" y="2228452"/>
+            <a:ext cx="871475" cy="459884"/>
+          </a:xfrm>
+          <a:prstGeom prst="straightConnector1">
+            <a:avLst/>
+          </a:prstGeom>
+          <a:ln w="57150">
+            <a:solidFill>
+              <a:schemeClr val="bg1"/>
+            </a:solidFill>
+            <a:tailEnd type="triangle"/>
+          </a:ln>
+        </p:spPr>
+        <p:style>
+          <a:lnRef idx="1">
+            <a:schemeClr val="accent1"/>
+          </a:lnRef>
+          <a:fillRef idx="0">
+            <a:schemeClr val="accent1"/>
+          </a:fillRef>
+          <a:effectRef idx="0">
+            <a:schemeClr val="accent1"/>
+          </a:effectRef>
+          <a:fontRef idx="minor">
+            <a:schemeClr val="tx1"/>
+          </a:fontRef>
+        </p:style>
+      </p:cxnSp>
+      <p:cxnSp>
+        <p:nvCxnSpPr>
+          <p:cNvPr id="43" name="Straight Arrow Connector 42">
+            <a:extLst>
+              <a:ext uri="{FF2B5EF4-FFF2-40B4-BE49-F238E27FC236}">
+                <a16:creationId xmlns:a16="http://schemas.microsoft.com/office/drawing/2014/main" id="{DD2DAAC1-9346-4D9B-A157-979966941709}"/>
+              </a:ext>
+            </a:extLst>
+          </p:cNvPr>
+          <p:cNvCxnSpPr>
+            <a:stCxn id="26" idx="3"/>
+            <a:endCxn id="27" idx="0"/>
+          </p:cNvCxnSpPr>
+          <p:nvPr/>
+        </p:nvCxnSpPr>
+        <p:spPr>
+          <a:xfrm>
+            <a:off x="9745867" y="2228452"/>
+            <a:ext cx="1052581" cy="1347580"/>
+          </a:xfrm>
+          <a:prstGeom prst="straightConnector1">
+            <a:avLst/>
+          </a:prstGeom>
+          <a:ln w="57150">
+            <a:solidFill>
+              <a:schemeClr val="bg1"/>
+            </a:solidFill>
+            <a:tailEnd type="triangle"/>
+          </a:ln>
+        </p:spPr>
+        <p:style>
+          <a:lnRef idx="1">
+            <a:schemeClr val="accent1"/>
+          </a:lnRef>
+          <a:fillRef idx="0">
+            <a:schemeClr val="accent1"/>
+          </a:fillRef>
+          <a:effectRef idx="0">
+            <a:schemeClr val="accent1"/>
+          </a:effectRef>
+          <a:fontRef idx="minor">
+            <a:schemeClr val="tx1"/>
+          </a:fontRef>
+        </p:style>
+      </p:cxnSp>
+      <p:cxnSp>
+        <p:nvCxnSpPr>
+          <p:cNvPr id="45" name="Straight Arrow Connector 44">
+            <a:extLst>
+              <a:ext uri="{FF2B5EF4-FFF2-40B4-BE49-F238E27FC236}">
+                <a16:creationId xmlns:a16="http://schemas.microsoft.com/office/drawing/2014/main" id="{39344464-A7EB-4EB0-B1BF-BD364B31ACE6}"/>
+              </a:ext>
+            </a:extLst>
+          </p:cNvPr>
+          <p:cNvCxnSpPr>
+            <a:stCxn id="27" idx="2"/>
+            <a:endCxn id="28" idx="3"/>
+          </p:cNvCxnSpPr>
+          <p:nvPr/>
+        </p:nvCxnSpPr>
+        <p:spPr>
+          <a:xfrm flipH="1">
+            <a:off x="9837188" y="4495799"/>
+            <a:ext cx="961260" cy="1411589"/>
+          </a:xfrm>
+          <a:prstGeom prst="straightConnector1">
+            <a:avLst/>
+          </a:prstGeom>
+          <a:ln w="57150">
+            <a:solidFill>
+              <a:schemeClr val="bg1"/>
+            </a:solidFill>
+            <a:tailEnd type="triangle"/>
+          </a:ln>
+        </p:spPr>
+        <p:style>
+          <a:lnRef idx="1">
+            <a:schemeClr val="accent1"/>
+          </a:lnRef>
+          <a:fillRef idx="0">
+            <a:schemeClr val="accent1"/>
+          </a:fillRef>
+          <a:effectRef idx="0">
+            <a:schemeClr val="accent1"/>
+          </a:effectRef>
+          <a:fontRef idx="minor">
+            <a:schemeClr val="tx1"/>
+          </a:fontRef>
+        </p:style>
+      </p:cxnSp>
     </p:spTree>
     <p:extLst>
       <p:ext uri="{BB962C8B-B14F-4D97-AF65-F5344CB8AC3E}">
-        <p14:creationId xmlns:p14="http://schemas.microsoft.com/office/powerpoint/2010/main" val="1115344817"/>
+        <p14:creationId xmlns:p14="http://schemas.microsoft.com/office/powerpoint/2010/main" val="1346316380"/>
       </p:ext>
     </p:extLst>
   </p:cSld>
@@ -5412,7 +6204,7 @@
                   <a:schemeClr val="bg1"/>
                 </a:solidFill>
               </a:rPr>
-              <a:t> 20 </a:t>
+              <a:t> 200 </a:t>
             </a:r>
             <a:r>
               <a:rPr lang="en-US" sz="1200" dirty="0" err="1">
@@ -5460,7 +6252,7 @@
                   <a:schemeClr val="bg1"/>
                 </a:solidFill>
               </a:rPr>
-              <a:t> 20 </a:t>
+              <a:t> 200 </a:t>
             </a:r>
             <a:r>
               <a:rPr lang="en-US" sz="1200" dirty="0" err="1">
@@ -5636,6 +6428,665 @@
     <p:extLst>
       <p:ext uri="{BB962C8B-B14F-4D97-AF65-F5344CB8AC3E}">
         <p14:creationId xmlns:p14="http://schemas.microsoft.com/office/powerpoint/2010/main" val="3543715473"/>
+      </p:ext>
+    </p:extLst>
+  </p:cSld>
+  <p:clrMapOvr>
+    <a:masterClrMapping/>
+  </p:clrMapOvr>
+</p:sld>
+</file>
+
+<file path=ppt/slides/slide12.xml><?xml version="1.0" encoding="utf-8"?>
+<p:sld xmlns:a="http://schemas.openxmlformats.org/drawingml/2006/main" xmlns:r="http://schemas.openxmlformats.org/officeDocument/2006/relationships" xmlns:p="http://schemas.openxmlformats.org/presentationml/2006/main">
+  <p:cSld>
+    <p:spTree>
+      <p:nvGrpSpPr>
+        <p:cNvPr id="1" name=""/>
+        <p:cNvGrpSpPr/>
+        <p:nvPr/>
+      </p:nvGrpSpPr>
+      <p:grpSpPr>
+        <a:xfrm>
+          <a:off x="0" y="0"/>
+          <a:ext cx="0" cy="0"/>
+          <a:chOff x="0" y="0"/>
+          <a:chExt cx="0" cy="0"/>
+        </a:xfrm>
+      </p:grpSpPr>
+      <p:sp>
+        <p:nvSpPr>
+          <p:cNvPr id="3" name="Rectangle: Rounded Corners 2">
+            <a:extLst>
+              <a:ext uri="{FF2B5EF4-FFF2-40B4-BE49-F238E27FC236}">
+                <a16:creationId xmlns:a16="http://schemas.microsoft.com/office/drawing/2014/main" id="{219E96FD-565F-41E4-8690-1D628975F675}"/>
+              </a:ext>
+            </a:extLst>
+          </p:cNvPr>
+          <p:cNvSpPr/>
+          <p:nvPr/>
+        </p:nvSpPr>
+        <p:spPr>
+          <a:xfrm>
+            <a:off x="2222952" y="1932045"/>
+            <a:ext cx="9385027" cy="830997"/>
+          </a:xfrm>
+          <a:prstGeom prst="roundRect">
+            <a:avLst/>
+          </a:prstGeom>
+          <a:ln>
+            <a:solidFill>
+              <a:schemeClr val="bg1"/>
+            </a:solidFill>
+          </a:ln>
+        </p:spPr>
+        <p:style>
+          <a:lnRef idx="2">
+            <a:schemeClr val="dk1"/>
+          </a:lnRef>
+          <a:fillRef idx="1">
+            <a:schemeClr val="lt1"/>
+          </a:fillRef>
+          <a:effectRef idx="0">
+            <a:schemeClr val="dk1"/>
+          </a:effectRef>
+          <a:fontRef idx="minor">
+            <a:schemeClr val="dk1"/>
+          </a:fontRef>
+        </p:style>
+        <p:txBody>
+          <a:bodyPr rtlCol="0" anchor="ctr"/>
+          <a:lstStyle/>
+          <a:p>
+            <a:r>
+              <a:rPr lang="en-US" sz="4000" dirty="0" err="1">
+                <a:solidFill>
+                  <a:schemeClr val="accent1"/>
+                </a:solidFill>
+              </a:rPr>
+              <a:t>Mirip</a:t>
+            </a:r>
+            <a:r>
+              <a:rPr lang="en-US" sz="4000" dirty="0">
+                <a:solidFill>
+                  <a:schemeClr val="accent1"/>
+                </a:solidFill>
+              </a:rPr>
+              <a:t> </a:t>
+            </a:r>
+            <a:r>
+              <a:rPr lang="en-US" sz="4000" dirty="0" err="1">
+                <a:solidFill>
+                  <a:schemeClr val="accent1"/>
+                </a:solidFill>
+              </a:rPr>
+              <a:t>dengan</a:t>
+            </a:r>
+            <a:r>
+              <a:rPr lang="en-US" sz="4000" dirty="0">
+                <a:solidFill>
+                  <a:schemeClr val="accent1"/>
+                </a:solidFill>
+              </a:rPr>
+              <a:t> </a:t>
+            </a:r>
+            <a:r>
+              <a:rPr lang="en-US" sz="4000" dirty="0" err="1">
+                <a:solidFill>
+                  <a:schemeClr val="accent1"/>
+                </a:solidFill>
+              </a:rPr>
+              <a:t>judul</a:t>
+            </a:r>
+            <a:r>
+              <a:rPr lang="en-US" sz="4000" dirty="0">
+                <a:solidFill>
+                  <a:schemeClr val="accent1"/>
+                </a:solidFill>
+              </a:rPr>
+              <a:t> S2, </a:t>
+            </a:r>
+            <a:r>
+              <a:rPr lang="en-US" sz="4000" dirty="0" err="1">
+                <a:solidFill>
+                  <a:schemeClr val="accent1"/>
+                </a:solidFill>
+              </a:rPr>
+              <a:t>dimana</a:t>
+            </a:r>
+            <a:r>
+              <a:rPr lang="en-US" sz="4000" dirty="0">
+                <a:solidFill>
+                  <a:schemeClr val="accent1"/>
+                </a:solidFill>
+              </a:rPr>
+              <a:t> </a:t>
+            </a:r>
+            <a:r>
+              <a:rPr lang="en-US" sz="4000" dirty="0" err="1">
+                <a:solidFill>
+                  <a:schemeClr val="accent1"/>
+                </a:solidFill>
+              </a:rPr>
+              <a:t>bedanya</a:t>
+            </a:r>
+            <a:r>
+              <a:rPr lang="en-US" sz="4000" dirty="0">
+                <a:solidFill>
+                  <a:schemeClr val="accent1"/>
+                </a:solidFill>
+              </a:rPr>
+              <a:t>?</a:t>
+            </a:r>
+          </a:p>
+        </p:txBody>
+      </p:sp>
+      <p:sp>
+        <p:nvSpPr>
+          <p:cNvPr id="2" name="Title 1">
+            <a:extLst>
+              <a:ext uri="{FF2B5EF4-FFF2-40B4-BE49-F238E27FC236}">
+                <a16:creationId xmlns:a16="http://schemas.microsoft.com/office/drawing/2014/main" id="{241297FC-CCB7-4A22-BF4A-1E92F9697BAA}"/>
+              </a:ext>
+            </a:extLst>
+          </p:cNvPr>
+          <p:cNvSpPr>
+            <a:spLocks noGrp="1"/>
+          </p:cNvSpPr>
+          <p:nvPr>
+            <p:ph type="title"/>
+          </p:nvPr>
+        </p:nvSpPr>
+        <p:spPr>
+          <a:xfrm>
+            <a:off x="282848" y="117841"/>
+            <a:ext cx="10515600" cy="1325563"/>
+          </a:xfrm>
+        </p:spPr>
+        <p:txBody>
+          <a:bodyPr/>
+          <a:lstStyle/>
+          <a:p>
+            <a:r>
+              <a:rPr lang="en-US" b="1" dirty="0">
+                <a:solidFill>
+                  <a:schemeClr val="bg1"/>
+                </a:solidFill>
+                <a:latin typeface="Bahnschrift" panose="020B0502040204020203" pitchFamily="34" charset="0"/>
+              </a:rPr>
+              <a:t>Hasil Review</a:t>
+            </a:r>
+          </a:p>
+        </p:txBody>
+      </p:sp>
+      <p:cxnSp>
+        <p:nvCxnSpPr>
+          <p:cNvPr id="18" name="Straight Connector 17">
+            <a:extLst>
+              <a:ext uri="{FF2B5EF4-FFF2-40B4-BE49-F238E27FC236}">
+                <a16:creationId xmlns:a16="http://schemas.microsoft.com/office/drawing/2014/main" id="{5EBBF3DF-1039-42F4-995D-C40C7A64D16A}"/>
+              </a:ext>
+            </a:extLst>
+          </p:cNvPr>
+          <p:cNvCxnSpPr>
+            <a:cxnSpLocks/>
+          </p:cNvCxnSpPr>
+          <p:nvPr/>
+        </p:nvCxnSpPr>
+        <p:spPr>
+          <a:xfrm>
+            <a:off x="396071" y="1189829"/>
+            <a:ext cx="4595029" cy="0"/>
+          </a:xfrm>
+          <a:prstGeom prst="line">
+            <a:avLst/>
+          </a:prstGeom>
+          <a:ln w="76200">
+            <a:solidFill>
+              <a:schemeClr val="bg1"/>
+            </a:solidFill>
+          </a:ln>
+        </p:spPr>
+        <p:style>
+          <a:lnRef idx="1">
+            <a:schemeClr val="accent1"/>
+          </a:lnRef>
+          <a:fillRef idx="0">
+            <a:schemeClr val="accent1"/>
+          </a:fillRef>
+          <a:effectRef idx="0">
+            <a:schemeClr val="accent1"/>
+          </a:effectRef>
+          <a:fontRef idx="minor">
+            <a:schemeClr val="tx1"/>
+          </a:fontRef>
+        </p:style>
+      </p:cxnSp>
+      <p:sp>
+        <p:nvSpPr>
+          <p:cNvPr id="10" name="Rectangle: Rounded Corners 9">
+            <a:extLst>
+              <a:ext uri="{FF2B5EF4-FFF2-40B4-BE49-F238E27FC236}">
+                <a16:creationId xmlns:a16="http://schemas.microsoft.com/office/drawing/2014/main" id="{856BE4B8-8ABB-44DE-B9EF-23E309F216A6}"/>
+              </a:ext>
+            </a:extLst>
+          </p:cNvPr>
+          <p:cNvSpPr/>
+          <p:nvPr/>
+        </p:nvSpPr>
+        <p:spPr>
+          <a:xfrm>
+            <a:off x="2222952" y="3429000"/>
+            <a:ext cx="9385027" cy="830997"/>
+          </a:xfrm>
+          <a:prstGeom prst="roundRect">
+            <a:avLst/>
+          </a:prstGeom>
+          <a:ln>
+            <a:solidFill>
+              <a:schemeClr val="bg1"/>
+            </a:solidFill>
+          </a:ln>
+        </p:spPr>
+        <p:style>
+          <a:lnRef idx="2">
+            <a:schemeClr val="dk1"/>
+          </a:lnRef>
+          <a:fillRef idx="1">
+            <a:schemeClr val="lt1"/>
+          </a:fillRef>
+          <a:effectRef idx="0">
+            <a:schemeClr val="dk1"/>
+          </a:effectRef>
+          <a:fontRef idx="minor">
+            <a:schemeClr val="dk1"/>
+          </a:fontRef>
+        </p:style>
+        <p:txBody>
+          <a:bodyPr rtlCol="0" anchor="ctr"/>
+          <a:lstStyle/>
+          <a:p>
+            <a:r>
+              <a:rPr lang="en-US" sz="4000" dirty="0" err="1">
+                <a:solidFill>
+                  <a:schemeClr val="accent1"/>
+                </a:solidFill>
+              </a:rPr>
+              <a:t>Menggunakan</a:t>
+            </a:r>
+            <a:r>
+              <a:rPr lang="en-US" sz="4000" dirty="0">
+                <a:solidFill>
+                  <a:schemeClr val="accent1"/>
+                </a:solidFill>
+              </a:rPr>
+              <a:t> </a:t>
+            </a:r>
+            <a:r>
+              <a:rPr lang="en-US" sz="4000" dirty="0" err="1">
+                <a:solidFill>
+                  <a:schemeClr val="accent1"/>
+                </a:solidFill>
+              </a:rPr>
+              <a:t>Kamera</a:t>
+            </a:r>
+            <a:r>
+              <a:rPr lang="en-US" sz="4000" dirty="0">
+                <a:solidFill>
+                  <a:schemeClr val="accent1"/>
+                </a:solidFill>
+              </a:rPr>
+              <a:t>/</a:t>
+            </a:r>
+            <a:r>
+              <a:rPr lang="en-US" sz="4000" dirty="0" err="1">
+                <a:solidFill>
+                  <a:schemeClr val="accent1"/>
+                </a:solidFill>
+              </a:rPr>
+              <a:t>mikroskop</a:t>
+            </a:r>
+            <a:r>
+              <a:rPr lang="en-US" sz="4000" dirty="0">
+                <a:solidFill>
+                  <a:schemeClr val="accent1"/>
+                </a:solidFill>
+              </a:rPr>
+              <a:t>?</a:t>
+            </a:r>
+          </a:p>
+        </p:txBody>
+      </p:sp>
+      <p:sp>
+        <p:nvSpPr>
+          <p:cNvPr id="12" name="Rectangle: Rounded Corners 11">
+            <a:extLst>
+              <a:ext uri="{FF2B5EF4-FFF2-40B4-BE49-F238E27FC236}">
+                <a16:creationId xmlns:a16="http://schemas.microsoft.com/office/drawing/2014/main" id="{F75E529F-658F-4027-BDFC-DCE573418929}"/>
+              </a:ext>
+            </a:extLst>
+          </p:cNvPr>
+          <p:cNvSpPr/>
+          <p:nvPr/>
+        </p:nvSpPr>
+        <p:spPr>
+          <a:xfrm>
+            <a:off x="2222952" y="4925955"/>
+            <a:ext cx="9385027" cy="830997"/>
+          </a:xfrm>
+          <a:prstGeom prst="roundRect">
+            <a:avLst/>
+          </a:prstGeom>
+          <a:ln>
+            <a:solidFill>
+              <a:schemeClr val="bg1"/>
+            </a:solidFill>
+          </a:ln>
+        </p:spPr>
+        <p:style>
+          <a:lnRef idx="2">
+            <a:schemeClr val="dk1"/>
+          </a:lnRef>
+          <a:fillRef idx="1">
+            <a:schemeClr val="lt1"/>
+          </a:fillRef>
+          <a:effectRef idx="0">
+            <a:schemeClr val="dk1"/>
+          </a:effectRef>
+          <a:fontRef idx="minor">
+            <a:schemeClr val="dk1"/>
+          </a:fontRef>
+        </p:style>
+        <p:txBody>
+          <a:bodyPr rtlCol="0" anchor="ctr"/>
+          <a:lstStyle/>
+          <a:p>
+            <a:endParaRPr lang="en-US" sz="4000" dirty="0">
+              <a:solidFill>
+                <a:schemeClr val="accent1"/>
+              </a:solidFill>
+            </a:endParaRPr>
+          </a:p>
+        </p:txBody>
+      </p:sp>
+      <p:sp>
+        <p:nvSpPr>
+          <p:cNvPr id="6" name="Rectangle 5">
+            <a:extLst>
+              <a:ext uri="{FF2B5EF4-FFF2-40B4-BE49-F238E27FC236}">
+                <a16:creationId xmlns:a16="http://schemas.microsoft.com/office/drawing/2014/main" id="{F12829D8-B334-43F5-A5D9-F2E61BC06EBB}"/>
+              </a:ext>
+            </a:extLst>
+          </p:cNvPr>
+          <p:cNvSpPr/>
+          <p:nvPr/>
+        </p:nvSpPr>
+        <p:spPr>
+          <a:xfrm>
+            <a:off x="2297338" y="5021840"/>
+            <a:ext cx="8988604" cy="646331"/>
+          </a:xfrm>
+          <a:prstGeom prst="rect">
+            <a:avLst/>
+          </a:prstGeom>
+        </p:spPr>
+        <p:txBody>
+          <a:bodyPr wrap="square">
+            <a:spAutoFit/>
+          </a:bodyPr>
+          <a:lstStyle/>
+          <a:p>
+            <a:r>
+              <a:rPr lang="en-US" sz="3600" dirty="0" err="1">
+                <a:solidFill>
+                  <a:schemeClr val="accent1"/>
+                </a:solidFill>
+              </a:rPr>
+              <a:t>Apakah</a:t>
+            </a:r>
+            <a:r>
+              <a:rPr lang="en-US" sz="3600" dirty="0">
+                <a:solidFill>
+                  <a:schemeClr val="accent1"/>
+                </a:solidFill>
+              </a:rPr>
+              <a:t> </a:t>
+            </a:r>
+            <a:r>
+              <a:rPr lang="en-US" sz="3600" dirty="0" err="1">
+                <a:solidFill>
+                  <a:schemeClr val="accent1"/>
+                </a:solidFill>
+              </a:rPr>
+              <a:t>deteksi</a:t>
+            </a:r>
+            <a:r>
+              <a:rPr lang="en-US" sz="3600" dirty="0">
+                <a:solidFill>
+                  <a:schemeClr val="accent1"/>
+                </a:solidFill>
+              </a:rPr>
+              <a:t> </a:t>
+            </a:r>
+            <a:r>
+              <a:rPr lang="en-US" sz="3600" dirty="0" err="1">
+                <a:solidFill>
+                  <a:schemeClr val="accent1"/>
+                </a:solidFill>
+              </a:rPr>
+              <a:t>dilakukan</a:t>
+            </a:r>
+            <a:r>
+              <a:rPr lang="en-US" sz="3600" dirty="0">
+                <a:solidFill>
+                  <a:schemeClr val="accent1"/>
+                </a:solidFill>
+              </a:rPr>
+              <a:t> per larva </a:t>
+            </a:r>
+            <a:r>
+              <a:rPr lang="en-US" sz="3600" dirty="0" err="1">
+                <a:solidFill>
+                  <a:schemeClr val="accent1"/>
+                </a:solidFill>
+              </a:rPr>
+              <a:t>atau</a:t>
+            </a:r>
+            <a:r>
+              <a:rPr lang="en-US" sz="3600" dirty="0">
+                <a:solidFill>
+                  <a:schemeClr val="accent1"/>
+                </a:solidFill>
+              </a:rPr>
+              <a:t> group?</a:t>
+            </a:r>
+          </a:p>
+        </p:txBody>
+      </p:sp>
+      <p:sp>
+        <p:nvSpPr>
+          <p:cNvPr id="8" name="Arrow: Chevron 7">
+            <a:extLst>
+              <a:ext uri="{FF2B5EF4-FFF2-40B4-BE49-F238E27FC236}">
+                <a16:creationId xmlns:a16="http://schemas.microsoft.com/office/drawing/2014/main" id="{74D700D7-E0C0-4B46-A8F1-470103609C9A}"/>
+              </a:ext>
+            </a:extLst>
+          </p:cNvPr>
+          <p:cNvSpPr/>
+          <p:nvPr/>
+        </p:nvSpPr>
+        <p:spPr>
+          <a:xfrm>
+            <a:off x="504825" y="1932045"/>
+            <a:ext cx="1343025" cy="811155"/>
+          </a:xfrm>
+          <a:prstGeom prst="chevron">
+            <a:avLst>
+              <a:gd name="adj" fmla="val 50000"/>
+            </a:avLst>
+          </a:prstGeom>
+          <a:solidFill>
+            <a:schemeClr val="bg1"/>
+          </a:solidFill>
+          <a:ln>
+            <a:solidFill>
+              <a:schemeClr val="bg1"/>
+            </a:solidFill>
+          </a:ln>
+        </p:spPr>
+        <p:style>
+          <a:lnRef idx="2">
+            <a:schemeClr val="accent1">
+              <a:shade val="50000"/>
+            </a:schemeClr>
+          </a:lnRef>
+          <a:fillRef idx="1">
+            <a:schemeClr val="accent1"/>
+          </a:fillRef>
+          <a:effectRef idx="0">
+            <a:schemeClr val="accent1"/>
+          </a:effectRef>
+          <a:fontRef idx="minor">
+            <a:schemeClr val="lt1"/>
+          </a:fontRef>
+        </p:style>
+        <p:txBody>
+          <a:bodyPr rtlCol="0" anchor="ctr"/>
+          <a:lstStyle/>
+          <a:p>
+            <a:pPr algn="ctr"/>
+            <a:endParaRPr lang="en-US">
+              <a:solidFill>
+                <a:schemeClr val="tx1"/>
+              </a:solidFill>
+            </a:endParaRPr>
+          </a:p>
+        </p:txBody>
+      </p:sp>
+      <p:sp>
+        <p:nvSpPr>
+          <p:cNvPr id="16" name="Arrow: Chevron 15">
+            <a:extLst>
+              <a:ext uri="{FF2B5EF4-FFF2-40B4-BE49-F238E27FC236}">
+                <a16:creationId xmlns:a16="http://schemas.microsoft.com/office/drawing/2014/main" id="{42334176-0BB1-4A39-95FE-EEBC3BEBFFDB}"/>
+              </a:ext>
+            </a:extLst>
+          </p:cNvPr>
+          <p:cNvSpPr/>
+          <p:nvPr/>
+        </p:nvSpPr>
+        <p:spPr>
+          <a:xfrm>
+            <a:off x="396071" y="3438920"/>
+            <a:ext cx="1343025" cy="811155"/>
+          </a:xfrm>
+          <a:prstGeom prst="chevron">
+            <a:avLst>
+              <a:gd name="adj" fmla="val 50000"/>
+            </a:avLst>
+          </a:prstGeom>
+          <a:solidFill>
+            <a:schemeClr val="bg1"/>
+          </a:solidFill>
+          <a:ln>
+            <a:solidFill>
+              <a:schemeClr val="bg1"/>
+            </a:solidFill>
+          </a:ln>
+        </p:spPr>
+        <p:style>
+          <a:lnRef idx="2">
+            <a:schemeClr val="accent1">
+              <a:shade val="50000"/>
+            </a:schemeClr>
+          </a:lnRef>
+          <a:fillRef idx="1">
+            <a:schemeClr val="accent1"/>
+          </a:fillRef>
+          <a:effectRef idx="0">
+            <a:schemeClr val="accent1"/>
+          </a:effectRef>
+          <a:fontRef idx="minor">
+            <a:schemeClr val="lt1"/>
+          </a:fontRef>
+        </p:style>
+        <p:txBody>
+          <a:bodyPr rtlCol="0" anchor="ctr"/>
+          <a:lstStyle/>
+          <a:p>
+            <a:pPr algn="ctr"/>
+            <a:endParaRPr lang="en-US">
+              <a:solidFill>
+                <a:schemeClr val="tx1"/>
+              </a:solidFill>
+            </a:endParaRPr>
+          </a:p>
+        </p:txBody>
+      </p:sp>
+      <p:sp>
+        <p:nvSpPr>
+          <p:cNvPr id="17" name="Arrow: Chevron 16">
+            <a:extLst>
+              <a:ext uri="{FF2B5EF4-FFF2-40B4-BE49-F238E27FC236}">
+                <a16:creationId xmlns:a16="http://schemas.microsoft.com/office/drawing/2014/main" id="{89657228-4282-45C8-8902-B98B7DD7D9AA}"/>
+              </a:ext>
+            </a:extLst>
+          </p:cNvPr>
+          <p:cNvSpPr/>
+          <p:nvPr/>
+        </p:nvSpPr>
+        <p:spPr>
+          <a:xfrm>
+            <a:off x="400658" y="4945797"/>
+            <a:ext cx="1343025" cy="811155"/>
+          </a:xfrm>
+          <a:prstGeom prst="chevron">
+            <a:avLst>
+              <a:gd name="adj" fmla="val 50000"/>
+            </a:avLst>
+          </a:prstGeom>
+          <a:solidFill>
+            <a:schemeClr val="bg1"/>
+          </a:solidFill>
+          <a:ln>
+            <a:solidFill>
+              <a:schemeClr val="bg1"/>
+            </a:solidFill>
+          </a:ln>
+        </p:spPr>
+        <p:style>
+          <a:lnRef idx="2">
+            <a:schemeClr val="accent1">
+              <a:shade val="50000"/>
+            </a:schemeClr>
+          </a:lnRef>
+          <a:fillRef idx="1">
+            <a:schemeClr val="accent1"/>
+          </a:fillRef>
+          <a:effectRef idx="0">
+            <a:schemeClr val="accent1"/>
+          </a:effectRef>
+          <a:fontRef idx="minor">
+            <a:schemeClr val="lt1"/>
+          </a:fontRef>
+        </p:style>
+        <p:txBody>
+          <a:bodyPr rtlCol="0" anchor="ctr"/>
+          <a:lstStyle/>
+          <a:p>
+            <a:pPr algn="ctr"/>
+            <a:endParaRPr lang="en-US">
+              <a:solidFill>
+                <a:schemeClr val="tx1"/>
+              </a:solidFill>
+            </a:endParaRPr>
+          </a:p>
+        </p:txBody>
+      </p:sp>
+    </p:spTree>
+    <p:extLst>
+      <p:ext uri="{BB962C8B-B14F-4D97-AF65-F5344CB8AC3E}">
+        <p14:creationId xmlns:p14="http://schemas.microsoft.com/office/powerpoint/2010/main" val="3761656409"/>
       </p:ext>
     </p:extLst>
   </p:cSld>
@@ -8528,9 +9979,9 @@
         <p:grpSpPr>
           <a:xfrm>
             <a:off x="487680" y="1767568"/>
-            <a:ext cx="7833983" cy="568960"/>
+            <a:ext cx="8826605" cy="568960"/>
             <a:chOff x="944880" y="1605280"/>
-            <a:chExt cx="7833983" cy="568960"/>
+            <a:chExt cx="8826605" cy="568960"/>
           </a:xfrm>
         </p:grpSpPr>
         <p:sp>
@@ -8603,8 +10054,8 @@
           </p:nvSpPr>
           <p:spPr>
             <a:xfrm>
-              <a:off x="1585291" y="1654760"/>
-              <a:ext cx="7193572" cy="470000"/>
+              <a:off x="1513840" y="1654760"/>
+              <a:ext cx="8257645" cy="470000"/>
             </a:xfrm>
             <a:prstGeom prst="rect">
               <a:avLst/>
@@ -8616,7 +10067,7 @@
             </a:bodyPr>
             <a:lstStyle/>
             <a:p>
-              <a:pPr lvl="0" algn="just">
+              <a:pPr lvl="0">
                 <a:lnSpc>
                   <a:spcPct val="107000"/>
                 </a:lnSpc>
@@ -8683,6 +10134,26 @@
                   <a:cs typeface="Times New Roman" panose="02020603050405020304" pitchFamily="18" charset="0"/>
                 </a:rPr>
                 <a:t> larva </a:t>
+              </a:r>
+              <a:r>
+                <a:rPr lang="en-US" sz="2400" dirty="0" err="1">
+                  <a:solidFill>
+                    <a:schemeClr val="bg1"/>
+                  </a:solidFill>
+                  <a:ea typeface="Calibri" panose="020F0502020204030204" pitchFamily="34" charset="0"/>
+                  <a:cs typeface="Times New Roman" panose="02020603050405020304" pitchFamily="18" charset="0"/>
+                </a:rPr>
+                <a:t>kepiting</a:t>
+              </a:r>
+              <a:r>
+                <a:rPr lang="en-US" sz="2400" dirty="0">
+                  <a:solidFill>
+                    <a:schemeClr val="bg1"/>
+                  </a:solidFill>
+                  <a:ea typeface="Calibri" panose="020F0502020204030204" pitchFamily="34" charset="0"/>
+                  <a:cs typeface="Times New Roman" panose="02020603050405020304" pitchFamily="18" charset="0"/>
+                </a:rPr>
+                <a:t> </a:t>
               </a:r>
               <a:r>
                 <a:rPr lang="en-US" sz="2400" dirty="0" err="1">
@@ -9026,86 +10497,6 @@
                 </a:rPr>
                 <a:t>wadah</a:t>
               </a:r>
-              <a:r>
-                <a:rPr lang="en-US" sz="2400" dirty="0">
-                  <a:solidFill>
-                    <a:schemeClr val="bg1"/>
-                  </a:solidFill>
-                  <a:ea typeface="Calibri" panose="020F0502020204030204" pitchFamily="34" charset="0"/>
-                  <a:cs typeface="Times New Roman" panose="02020603050405020304" pitchFamily="18" charset="0"/>
-                </a:rPr>
-                <a:t> </a:t>
-              </a:r>
-              <a:r>
-                <a:rPr lang="en-US" sz="2400" dirty="0" err="1">
-                  <a:solidFill>
-                    <a:schemeClr val="bg1"/>
-                  </a:solidFill>
-                  <a:ea typeface="Calibri" panose="020F0502020204030204" pitchFamily="34" charset="0"/>
-                  <a:cs typeface="Times New Roman" panose="02020603050405020304" pitchFamily="18" charset="0"/>
-                </a:rPr>
-                <a:t>untuk</a:t>
-              </a:r>
-              <a:r>
-                <a:rPr lang="en-US" sz="2400" dirty="0">
-                  <a:solidFill>
-                    <a:schemeClr val="bg1"/>
-                  </a:solidFill>
-                  <a:ea typeface="Calibri" panose="020F0502020204030204" pitchFamily="34" charset="0"/>
-                  <a:cs typeface="Times New Roman" panose="02020603050405020304" pitchFamily="18" charset="0"/>
-                </a:rPr>
-                <a:t> </a:t>
-              </a:r>
-              <a:r>
-                <a:rPr lang="en-US" sz="2400" dirty="0" err="1">
-                  <a:solidFill>
-                    <a:schemeClr val="bg1"/>
-                  </a:solidFill>
-                  <a:ea typeface="Calibri" panose="020F0502020204030204" pitchFamily="34" charset="0"/>
-                  <a:cs typeface="Times New Roman" panose="02020603050405020304" pitchFamily="18" charset="0"/>
-                </a:rPr>
-                <a:t>mewakili</a:t>
-              </a:r>
-              <a:r>
-                <a:rPr lang="en-US" sz="2400" dirty="0">
-                  <a:solidFill>
-                    <a:schemeClr val="bg1"/>
-                  </a:solidFill>
-                  <a:ea typeface="Calibri" panose="020F0502020204030204" pitchFamily="34" charset="0"/>
-                  <a:cs typeface="Times New Roman" panose="02020603050405020304" pitchFamily="18" charset="0"/>
-                </a:rPr>
-                <a:t> </a:t>
-              </a:r>
-              <a:r>
-                <a:rPr lang="en-US" sz="2400" dirty="0" err="1">
-                  <a:solidFill>
-                    <a:schemeClr val="bg1"/>
-                  </a:solidFill>
-                  <a:ea typeface="Calibri" panose="020F0502020204030204" pitchFamily="34" charset="0"/>
-                  <a:cs typeface="Times New Roman" panose="02020603050405020304" pitchFamily="18" charset="0"/>
-                </a:rPr>
-                <a:t>satu</a:t>
-              </a:r>
-              <a:r>
-                <a:rPr lang="en-US" sz="2400" dirty="0">
-                  <a:solidFill>
-                    <a:schemeClr val="bg1"/>
-                  </a:solidFill>
-                  <a:ea typeface="Calibri" panose="020F0502020204030204" pitchFamily="34" charset="0"/>
-                  <a:cs typeface="Times New Roman" panose="02020603050405020304" pitchFamily="18" charset="0"/>
-                </a:rPr>
-                <a:t> </a:t>
-              </a:r>
-              <a:r>
-                <a:rPr lang="en-US" sz="2400" dirty="0" err="1">
-                  <a:solidFill>
-                    <a:schemeClr val="bg1"/>
-                  </a:solidFill>
-                  <a:ea typeface="Calibri" panose="020F0502020204030204" pitchFamily="34" charset="0"/>
-                  <a:cs typeface="Times New Roman" panose="02020603050405020304" pitchFamily="18" charset="0"/>
-                </a:rPr>
-                <a:t>kolam</a:t>
-              </a:r>
               <a:endParaRPr lang="en-US" sz="3200" dirty="0">
                 <a:solidFill>
                   <a:schemeClr val="bg1"/>
@@ -9289,6 +10680,198 @@
           </p:txBody>
         </p:sp>
       </p:grpSp>
+      <p:grpSp>
+        <p:nvGrpSpPr>
+          <p:cNvPr id="14" name="Group 13">
+            <a:extLst>
+              <a:ext uri="{FF2B5EF4-FFF2-40B4-BE49-F238E27FC236}">
+                <a16:creationId xmlns:a16="http://schemas.microsoft.com/office/drawing/2014/main" id="{C31153F7-5C4F-4101-9E4D-290151BB0AA2}"/>
+              </a:ext>
+            </a:extLst>
+          </p:cNvPr>
+          <p:cNvGrpSpPr/>
+          <p:nvPr/>
+        </p:nvGrpSpPr>
+        <p:grpSpPr>
+          <a:xfrm>
+            <a:off x="2766406" y="6028605"/>
+            <a:ext cx="5631934" cy="568960"/>
+            <a:chOff x="2113611" y="4144597"/>
+            <a:chExt cx="5631934" cy="568960"/>
+          </a:xfrm>
+        </p:grpSpPr>
+        <p:sp>
+          <p:nvSpPr>
+            <p:cNvPr id="15" name="Oval 14">
+              <a:extLst>
+                <a:ext uri="{FF2B5EF4-FFF2-40B4-BE49-F238E27FC236}">
+                  <a16:creationId xmlns:a16="http://schemas.microsoft.com/office/drawing/2014/main" id="{256E8B9D-29D0-4917-ABF7-BB96EF4785F1}"/>
+                </a:ext>
+              </a:extLst>
+            </p:cNvPr>
+            <p:cNvSpPr/>
+            <p:nvPr/>
+          </p:nvSpPr>
+          <p:spPr>
+            <a:xfrm>
+              <a:off x="2113611" y="4144597"/>
+              <a:ext cx="568960" cy="568960"/>
+            </a:xfrm>
+            <a:prstGeom prst="ellipse">
+              <a:avLst/>
+            </a:prstGeom>
+            <a:ln>
+              <a:solidFill>
+                <a:schemeClr val="bg1"/>
+              </a:solidFill>
+            </a:ln>
+          </p:spPr>
+          <p:style>
+            <a:lnRef idx="2">
+              <a:schemeClr val="dk1"/>
+            </a:lnRef>
+            <a:fillRef idx="1">
+              <a:schemeClr val="lt1"/>
+            </a:fillRef>
+            <a:effectRef idx="0">
+              <a:schemeClr val="dk1"/>
+            </a:effectRef>
+            <a:fontRef idx="minor">
+              <a:schemeClr val="dk1"/>
+            </a:fontRef>
+          </p:style>
+          <p:txBody>
+            <a:bodyPr rtlCol="0" anchor="ctr"/>
+            <a:lstStyle/>
+            <a:p>
+              <a:pPr algn="ctr"/>
+              <a:r>
+                <a:rPr lang="en-US" sz="2800" b="1" dirty="0">
+                  <a:solidFill>
+                    <a:srgbClr val="5F9ED7"/>
+                  </a:solidFill>
+                </a:rPr>
+                <a:t>4</a:t>
+              </a:r>
+            </a:p>
+          </p:txBody>
+        </p:sp>
+        <p:sp>
+          <p:nvSpPr>
+            <p:cNvPr id="16" name="Rectangle 15">
+              <a:extLst>
+                <a:ext uri="{FF2B5EF4-FFF2-40B4-BE49-F238E27FC236}">
+                  <a16:creationId xmlns:a16="http://schemas.microsoft.com/office/drawing/2014/main" id="{26D3298D-6AB8-4AEC-A096-3E12A5D2D755}"/>
+                </a:ext>
+              </a:extLst>
+            </p:cNvPr>
+            <p:cNvSpPr/>
+            <p:nvPr/>
+          </p:nvSpPr>
+          <p:spPr>
+            <a:xfrm>
+              <a:off x="2738020" y="4194077"/>
+              <a:ext cx="5007525" cy="470000"/>
+            </a:xfrm>
+            <a:prstGeom prst="rect">
+              <a:avLst/>
+            </a:prstGeom>
+          </p:spPr>
+          <p:txBody>
+            <a:bodyPr wrap="none">
+              <a:spAutoFit/>
+            </a:bodyPr>
+            <a:lstStyle/>
+            <a:p>
+              <a:pPr lvl="0" algn="just">
+                <a:lnSpc>
+                  <a:spcPct val="107000"/>
+                </a:lnSpc>
+                <a:spcAft>
+                  <a:spcPts val="800"/>
+                </a:spcAft>
+              </a:pPr>
+              <a:r>
+                <a:rPr lang="en-US" sz="2400" dirty="0">
+                  <a:solidFill>
+                    <a:schemeClr val="bg1"/>
+                  </a:solidFill>
+                  <a:ea typeface="Calibri" panose="020F0502020204030204" pitchFamily="34" charset="0"/>
+                  <a:cs typeface="Times New Roman" panose="02020603050405020304" pitchFamily="18" charset="0"/>
+                </a:rPr>
+                <a:t>Gambar </a:t>
+              </a:r>
+              <a:r>
+                <a:rPr lang="en-US" sz="2400" dirty="0" err="1">
+                  <a:solidFill>
+                    <a:schemeClr val="bg1"/>
+                  </a:solidFill>
+                  <a:ea typeface="Calibri" panose="020F0502020204030204" pitchFamily="34" charset="0"/>
+                  <a:cs typeface="Times New Roman" panose="02020603050405020304" pitchFamily="18" charset="0"/>
+                </a:rPr>
+                <a:t>diambil</a:t>
+              </a:r>
+              <a:r>
+                <a:rPr lang="en-US" sz="2400" dirty="0">
+                  <a:solidFill>
+                    <a:schemeClr val="bg1"/>
+                  </a:solidFill>
+                  <a:ea typeface="Calibri" panose="020F0502020204030204" pitchFamily="34" charset="0"/>
+                  <a:cs typeface="Times New Roman" panose="02020603050405020304" pitchFamily="18" charset="0"/>
+                </a:rPr>
+                <a:t> oleh </a:t>
+              </a:r>
+              <a:r>
+                <a:rPr lang="en-US" sz="2400" dirty="0" err="1">
+                  <a:solidFill>
+                    <a:schemeClr val="bg1"/>
+                  </a:solidFill>
+                  <a:ea typeface="Calibri" panose="020F0502020204030204" pitchFamily="34" charset="0"/>
+                  <a:cs typeface="Times New Roman" panose="02020603050405020304" pitchFamily="18" charset="0"/>
+                </a:rPr>
+                <a:t>kamera</a:t>
+              </a:r>
+              <a:r>
+                <a:rPr lang="en-US" sz="2400" dirty="0">
+                  <a:solidFill>
+                    <a:schemeClr val="bg1"/>
+                  </a:solidFill>
+                  <a:ea typeface="Calibri" panose="020F0502020204030204" pitchFamily="34" charset="0"/>
+                  <a:cs typeface="Times New Roman" panose="02020603050405020304" pitchFamily="18" charset="0"/>
+                </a:rPr>
+                <a:t> </a:t>
+              </a:r>
+              <a:r>
+                <a:rPr lang="en-US" sz="2400" dirty="0" err="1">
+                  <a:solidFill>
+                    <a:schemeClr val="bg1"/>
+                  </a:solidFill>
+                  <a:ea typeface="Calibri" panose="020F0502020204030204" pitchFamily="34" charset="0"/>
+                  <a:cs typeface="Times New Roman" panose="02020603050405020304" pitchFamily="18" charset="0"/>
+                </a:rPr>
+                <a:t>diatas</a:t>
+              </a:r>
+              <a:r>
+                <a:rPr lang="en-US" sz="2400" dirty="0">
+                  <a:solidFill>
+                    <a:schemeClr val="bg1"/>
+                  </a:solidFill>
+                  <a:ea typeface="Calibri" panose="020F0502020204030204" pitchFamily="34" charset="0"/>
+                  <a:cs typeface="Times New Roman" panose="02020603050405020304" pitchFamily="18" charset="0"/>
+                </a:rPr>
+                <a:t> air</a:t>
+              </a:r>
+              <a:endParaRPr lang="en-US" sz="3200" dirty="0">
+                <a:solidFill>
+                  <a:schemeClr val="bg1"/>
+                </a:solidFill>
+                <a:ea typeface="Calibri" panose="020F0502020204030204" pitchFamily="34" charset="0"/>
+                <a:cs typeface="Times New Roman" panose="02020603050405020304" pitchFamily="18" charset="0"/>
+              </a:endParaRPr>
+            </a:p>
+          </p:txBody>
+        </p:sp>
+      </p:grpSp>
     </p:spTree>
     <p:extLst>
       <p:ext uri="{BB962C8B-B14F-4D97-AF65-F5344CB8AC3E}">
@@ -9397,7 +10980,7 @@
         <p:spPr>
           <a:xfrm>
             <a:off x="1695448" y="4168849"/>
-            <a:ext cx="9845041" cy="1655518"/>
+            <a:ext cx="9845041" cy="2050690"/>
           </a:xfrm>
           <a:prstGeom prst="rect">
             <a:avLst/>
@@ -9760,6 +11343,66 @@
                 <a:cs typeface="Times New Roman" panose="02020603050405020304" pitchFamily="18" charset="0"/>
               </a:rPr>
               <a:t>kolam</a:t>
+            </a:r>
+            <a:r>
+              <a:rPr lang="en-US" sz="2400" dirty="0">
+                <a:solidFill>
+                  <a:schemeClr val="bg1"/>
+                </a:solidFill>
+                <a:ea typeface="Calibri" panose="020F0502020204030204" pitchFamily="34" charset="0"/>
+                <a:cs typeface="Times New Roman" panose="02020603050405020304" pitchFamily="18" charset="0"/>
+              </a:rPr>
+              <a:t> </a:t>
+            </a:r>
+            <a:r>
+              <a:rPr lang="en-US" sz="2400" dirty="0" err="1">
+                <a:solidFill>
+                  <a:schemeClr val="bg1"/>
+                </a:solidFill>
+                <a:ea typeface="Calibri" panose="020F0502020204030204" pitchFamily="34" charset="0"/>
+                <a:cs typeface="Times New Roman" panose="02020603050405020304" pitchFamily="18" charset="0"/>
+              </a:rPr>
+              <a:t>dengan</a:t>
+            </a:r>
+            <a:r>
+              <a:rPr lang="en-US" sz="2400" dirty="0">
+                <a:solidFill>
+                  <a:schemeClr val="bg1"/>
+                </a:solidFill>
+                <a:ea typeface="Calibri" panose="020F0502020204030204" pitchFamily="34" charset="0"/>
+                <a:cs typeface="Times New Roman" panose="02020603050405020304" pitchFamily="18" charset="0"/>
+              </a:rPr>
+              <a:t> </a:t>
+            </a:r>
+            <a:r>
+              <a:rPr lang="en-US" sz="2400" dirty="0" err="1">
+                <a:solidFill>
+                  <a:schemeClr val="bg1"/>
+                </a:solidFill>
+                <a:ea typeface="Calibri" panose="020F0502020204030204" pitchFamily="34" charset="0"/>
+                <a:cs typeface="Times New Roman" panose="02020603050405020304" pitchFamily="18" charset="0"/>
+              </a:rPr>
+              <a:t>perhitungan</a:t>
+            </a:r>
+            <a:r>
+              <a:rPr lang="en-US" sz="2400" dirty="0">
+                <a:solidFill>
+                  <a:schemeClr val="bg1"/>
+                </a:solidFill>
+                <a:ea typeface="Calibri" panose="020F0502020204030204" pitchFamily="34" charset="0"/>
+                <a:cs typeface="Times New Roman" panose="02020603050405020304" pitchFamily="18" charset="0"/>
+              </a:rPr>
+              <a:t> yang </a:t>
+            </a:r>
+            <a:r>
+              <a:rPr lang="en-US" sz="2400" dirty="0" err="1">
+                <a:solidFill>
+                  <a:schemeClr val="bg1"/>
+                </a:solidFill>
+                <a:ea typeface="Calibri" panose="020F0502020204030204" pitchFamily="34" charset="0"/>
+                <a:cs typeface="Times New Roman" panose="02020603050405020304" pitchFamily="18" charset="0"/>
+              </a:rPr>
+              <a:t>jelas</a:t>
             </a:r>
             <a:endParaRPr lang="en-US" sz="2400" dirty="0">
               <a:solidFill>
@@ -10144,8 +11787,8 @@
         </p:nvSpPr>
         <p:spPr>
           <a:xfrm>
-            <a:off x="845511" y="4415761"/>
-            <a:ext cx="2076305" cy="1655518"/>
+            <a:off x="686970" y="4415761"/>
+            <a:ext cx="2626848" cy="1260345"/>
           </a:xfrm>
           <a:prstGeom prst="rect">
             <a:avLst/>
@@ -10253,7 +11896,7 @@
                 <a:ea typeface="Calibri" panose="020F0502020204030204" pitchFamily="34" charset="0"/>
                 <a:cs typeface="Times New Roman" panose="02020603050405020304" pitchFamily="18" charset="0"/>
               </a:rPr>
-              <a:t>tanpa</a:t>
+              <a:t>secara</a:t>
             </a:r>
             <a:r>
               <a:rPr lang="en-US" sz="2400" b="1" dirty="0">
@@ -10273,18 +11916,15 @@
                 <a:ea typeface="Calibri" panose="020F0502020204030204" pitchFamily="34" charset="0"/>
                 <a:cs typeface="Times New Roman" panose="02020603050405020304" pitchFamily="18" charset="0"/>
               </a:rPr>
-              <a:t>perasaan</a:t>
-            </a:r>
-            <a:r>
-              <a:rPr lang="en-US" sz="2400" b="1" dirty="0">
-                <a:solidFill>
-                  <a:srgbClr val="5F9ED7"/>
-                </a:solidFill>
-                <a:ea typeface="Calibri" panose="020F0502020204030204" pitchFamily="34" charset="0"/>
-                <a:cs typeface="Times New Roman" panose="02020603050405020304" pitchFamily="18" charset="0"/>
-              </a:rPr>
-              <a:t> </a:t>
-            </a:r>
+              <a:t>otomatis</a:t>
+            </a:r>
+            <a:endParaRPr lang="en-US" sz="2400" b="1" dirty="0">
+              <a:solidFill>
+                <a:srgbClr val="5F9ED7"/>
+              </a:solidFill>
+              <a:ea typeface="Calibri" panose="020F0502020204030204" pitchFamily="34" charset="0"/>
+              <a:cs typeface="Times New Roman" panose="02020603050405020304" pitchFamily="18" charset="0"/>
+            </a:endParaRPr>
           </a:p>
         </p:txBody>
       </p:sp>
@@ -10843,6 +12483,684 @@
           </a:fontRef>
         </p:style>
       </p:cxnSp>
+      <p:graphicFrame>
+        <p:nvGraphicFramePr>
+          <p:cNvPr id="2" name="Table 1">
+            <a:extLst>
+              <a:ext uri="{FF2B5EF4-FFF2-40B4-BE49-F238E27FC236}">
+                <a16:creationId xmlns:a16="http://schemas.microsoft.com/office/drawing/2014/main" id="{130F3555-7FB0-43D2-83CC-90B94AB06F16}"/>
+              </a:ext>
+            </a:extLst>
+          </p:cNvPr>
+          <p:cNvGraphicFramePr>
+            <a:graphicFrameLocks noGrp="1"/>
+          </p:cNvGraphicFramePr>
+          <p:nvPr>
+            <p:extLst>
+              <p:ext uri="{D42A27DB-BD31-4B8C-83A1-F6EECF244321}">
+                <p14:modId xmlns:p14="http://schemas.microsoft.com/office/powerpoint/2010/main" val="4219184442"/>
+              </p:ext>
+            </p:extLst>
+          </p:nvPr>
+        </p:nvGraphicFramePr>
+        <p:xfrm>
+          <a:off x="396070" y="1443404"/>
+          <a:ext cx="11513081" cy="5231710"/>
+        </p:xfrm>
+        <a:graphic>
+          <a:graphicData uri="http://schemas.openxmlformats.org/drawingml/2006/table">
+            <a:tbl>
+              <a:tblPr firstRow="1" bandRow="1">
+                <a:tableStyleId>{5C22544A-7EE6-4342-B048-85BDC9FD1C3A}</a:tableStyleId>
+              </a:tblPr>
+              <a:tblGrid>
+                <a:gridCol w="1609820">
+                  <a:extLst>
+                    <a:ext uri="{9D8B030D-6E8A-4147-A177-3AD203B41FA5}">
+                      <a16:colId xmlns:a16="http://schemas.microsoft.com/office/drawing/2014/main" val="3645325008"/>
+                    </a:ext>
+                  </a:extLst>
+                </a:gridCol>
+                <a:gridCol w="3413211">
+                  <a:extLst>
+                    <a:ext uri="{9D8B030D-6E8A-4147-A177-3AD203B41FA5}">
+                      <a16:colId xmlns:a16="http://schemas.microsoft.com/office/drawing/2014/main" val="2980398819"/>
+                    </a:ext>
+                  </a:extLst>
+                </a:gridCol>
+                <a:gridCol w="1592832">
+                  <a:extLst>
+                    <a:ext uri="{9D8B030D-6E8A-4147-A177-3AD203B41FA5}">
+                      <a16:colId xmlns:a16="http://schemas.microsoft.com/office/drawing/2014/main" val="27981380"/>
+                    </a:ext>
+                  </a:extLst>
+                </a:gridCol>
+                <a:gridCol w="1009123">
+                  <a:extLst>
+                    <a:ext uri="{9D8B030D-6E8A-4147-A177-3AD203B41FA5}">
+                      <a16:colId xmlns:a16="http://schemas.microsoft.com/office/drawing/2014/main" val="244153763"/>
+                    </a:ext>
+                  </a:extLst>
+                </a:gridCol>
+                <a:gridCol w="1683356">
+                  <a:extLst>
+                    <a:ext uri="{9D8B030D-6E8A-4147-A177-3AD203B41FA5}">
+                      <a16:colId xmlns:a16="http://schemas.microsoft.com/office/drawing/2014/main" val="831976328"/>
+                    </a:ext>
+                  </a:extLst>
+                </a:gridCol>
+                <a:gridCol w="2204739">
+                  <a:extLst>
+                    <a:ext uri="{9D8B030D-6E8A-4147-A177-3AD203B41FA5}">
+                      <a16:colId xmlns:a16="http://schemas.microsoft.com/office/drawing/2014/main" val="3135535711"/>
+                    </a:ext>
+                  </a:extLst>
+                </a:gridCol>
+              </a:tblGrid>
+              <a:tr h="621589">
+                <a:tc>
+                  <a:txBody>
+                    <a:bodyPr/>
+                    <a:lstStyle/>
+                    <a:p>
+                      <a:pPr algn="ctr"/>
+                      <a:r>
+                        <a:rPr lang="en-US" dirty="0" err="1"/>
+                        <a:t>Peneliti</a:t>
+                      </a:r>
+                      <a:r>
+                        <a:rPr lang="en-US" dirty="0"/>
+                        <a:t> </a:t>
+                      </a:r>
+                    </a:p>
+                  </a:txBody>
+                  <a:tcPr/>
+                </a:tc>
+                <a:tc>
+                  <a:txBody>
+                    <a:bodyPr/>
+                    <a:lstStyle/>
+                    <a:p>
+                      <a:pPr algn="ctr"/>
+                      <a:r>
+                        <a:rPr lang="en-US" dirty="0" err="1"/>
+                        <a:t>Judul</a:t>
+                      </a:r>
+                      <a:endParaRPr lang="en-US" dirty="0"/>
+                    </a:p>
+                  </a:txBody>
+                  <a:tcPr/>
+                </a:tc>
+                <a:tc>
+                  <a:txBody>
+                    <a:bodyPr/>
+                    <a:lstStyle/>
+                    <a:p>
+                      <a:pPr algn="ctr"/>
+                      <a:r>
+                        <a:rPr lang="en-US" dirty="0" err="1"/>
+                        <a:t>Objek</a:t>
+                      </a:r>
+                      <a:endParaRPr lang="en-US" dirty="0"/>
+                    </a:p>
+                  </a:txBody>
+                  <a:tcPr/>
+                </a:tc>
+                <a:tc>
+                  <a:txBody>
+                    <a:bodyPr/>
+                    <a:lstStyle/>
+                    <a:p>
+                      <a:pPr algn="ctr"/>
+                      <a:r>
+                        <a:rPr lang="en-US" dirty="0" err="1"/>
+                        <a:t>Tahun</a:t>
+                      </a:r>
+                      <a:endParaRPr lang="en-US" dirty="0"/>
+                    </a:p>
+                  </a:txBody>
+                  <a:tcPr/>
+                </a:tc>
+                <a:tc>
+                  <a:txBody>
+                    <a:bodyPr/>
+                    <a:lstStyle/>
+                    <a:p>
+                      <a:pPr algn="ctr"/>
+                      <a:r>
+                        <a:rPr lang="en-US" dirty="0" err="1"/>
+                        <a:t>Metode</a:t>
+                      </a:r>
+                      <a:endParaRPr lang="en-US" dirty="0"/>
+                    </a:p>
+                  </a:txBody>
+                  <a:tcPr/>
+                </a:tc>
+                <a:tc>
+                  <a:txBody>
+                    <a:bodyPr/>
+                    <a:lstStyle/>
+                    <a:p>
+                      <a:pPr algn="ctr"/>
+                      <a:r>
+                        <a:rPr lang="en-US" dirty="0"/>
+                        <a:t>Hasil</a:t>
+                      </a:r>
+                    </a:p>
+                  </a:txBody>
+                  <a:tcPr/>
+                </a:tc>
+                <a:extLst>
+                  <a:ext uri="{0D108BD9-81ED-4DB2-BD59-A6C34878D82A}">
+                    <a16:rowId xmlns:a16="http://schemas.microsoft.com/office/drawing/2014/main" val="3270870341"/>
+                  </a:ext>
+                </a:extLst>
+              </a:tr>
+              <a:tr h="1812969">
+                <a:tc>
+                  <a:txBody>
+                    <a:bodyPr/>
+                    <a:lstStyle/>
+                    <a:p>
+                      <a:r>
+                        <a:rPr lang="fi-FI" sz="1200" b="0" i="0" u="none" strike="noStrike" kern="1200" baseline="0" dirty="0">
+                          <a:solidFill>
+                            <a:schemeClr val="dk1"/>
+                          </a:solidFill>
+                          <a:latin typeface="+mn-lt"/>
+                          <a:ea typeface="+mn-ea"/>
+                          <a:cs typeface="+mn-cs"/>
+                        </a:rPr>
+                        <a:t>Valliappan Raman, Sundresan Perumal, </a:t>
+                      </a:r>
+                    </a:p>
+                    <a:p>
+                      <a:r>
+                        <a:rPr lang="fi-FI" sz="1200" b="0" i="0" u="none" strike="noStrike" kern="1200" baseline="0" dirty="0">
+                          <a:solidFill>
+                            <a:schemeClr val="dk1"/>
+                          </a:solidFill>
+                          <a:latin typeface="+mn-lt"/>
+                          <a:ea typeface="+mn-ea"/>
+                          <a:cs typeface="+mn-cs"/>
+                        </a:rPr>
+                        <a:t>Sujata Navaratnam, </a:t>
+                      </a:r>
+                    </a:p>
+                    <a:p>
+                      <a:r>
+                        <a:rPr lang="fi-FI" sz="1200" b="0" i="0" u="none" strike="noStrike" kern="1200" baseline="0" dirty="0">
+                          <a:solidFill>
+                            <a:schemeClr val="dk1"/>
+                          </a:solidFill>
+                          <a:latin typeface="+mn-lt"/>
+                          <a:ea typeface="+mn-ea"/>
+                          <a:cs typeface="+mn-cs"/>
+                        </a:rPr>
+                        <a:t>Siti Fazilah</a:t>
+                      </a:r>
+                      <a:endParaRPr lang="en-US" sz="1200" dirty="0"/>
+                    </a:p>
+                  </a:txBody>
+                  <a:tcPr/>
+                </a:tc>
+                <a:tc>
+                  <a:txBody>
+                    <a:bodyPr/>
+                    <a:lstStyle/>
+                    <a:p>
+                      <a:r>
+                        <a:rPr lang="en-US" sz="1600" b="1" i="0" u="none" strike="noStrike" kern="1200" baseline="0" dirty="0">
+                          <a:solidFill>
+                            <a:schemeClr val="dk1"/>
+                          </a:solidFill>
+                          <a:latin typeface="+mn-lt"/>
+                          <a:ea typeface="+mn-ea"/>
+                          <a:cs typeface="+mn-cs"/>
+                        </a:rPr>
+                        <a:t>Computer Assisted Counter System for Larvae and Juvenile Fish in Malaysian Fishing Hatcheries by Machine Learning Approach</a:t>
+                      </a:r>
+                      <a:endParaRPr lang="en-US" sz="1600" b="1" dirty="0"/>
+                    </a:p>
+                  </a:txBody>
+                  <a:tcPr/>
+                </a:tc>
+                <a:tc>
+                  <a:txBody>
+                    <a:bodyPr/>
+                    <a:lstStyle/>
+                    <a:p>
+                      <a:r>
+                        <a:rPr lang="en-US" dirty="0"/>
+                        <a:t>Larva dan juvenile </a:t>
+                      </a:r>
+                      <a:r>
+                        <a:rPr lang="en-US" dirty="0" err="1"/>
+                        <a:t>ikan</a:t>
+                      </a:r>
+                      <a:endParaRPr lang="en-US" dirty="0"/>
+                    </a:p>
+                  </a:txBody>
+                  <a:tcPr/>
+                </a:tc>
+                <a:tc>
+                  <a:txBody>
+                    <a:bodyPr/>
+                    <a:lstStyle/>
+                    <a:p>
+                      <a:pPr algn="ctr"/>
+                      <a:r>
+                        <a:rPr lang="en-US" dirty="0"/>
+                        <a:t>2015</a:t>
+                      </a:r>
+                    </a:p>
+                  </a:txBody>
+                  <a:tcPr/>
+                </a:tc>
+                <a:tc>
+                  <a:txBody>
+                    <a:bodyPr/>
+                    <a:lstStyle/>
+                    <a:p>
+                      <a:pPr algn="ctr"/>
+                      <a:r>
+                        <a:rPr lang="en-US" dirty="0" err="1"/>
+                        <a:t>Segmentasi</a:t>
+                      </a:r>
+                      <a:r>
+                        <a:rPr lang="en-US" dirty="0"/>
+                        <a:t> dan </a:t>
+                      </a:r>
+                      <a:r>
+                        <a:rPr lang="en-US" dirty="0" err="1"/>
+                        <a:t>klasifikasi</a:t>
+                      </a:r>
+                      <a:endParaRPr lang="en-US" dirty="0"/>
+                    </a:p>
+                  </a:txBody>
+                  <a:tcPr/>
+                </a:tc>
+                <a:tc>
+                  <a:txBody>
+                    <a:bodyPr/>
+                    <a:lstStyle/>
+                    <a:p>
+                      <a:r>
+                        <a:rPr lang="en-US" dirty="0" err="1"/>
+                        <a:t>Akurasi</a:t>
+                      </a:r>
+                      <a:r>
+                        <a:rPr lang="en-US" dirty="0"/>
+                        <a:t> pada Larva 82% dan </a:t>
+                      </a:r>
+                      <a:r>
+                        <a:rPr lang="en-US" dirty="0" err="1"/>
+                        <a:t>akurasi</a:t>
+                      </a:r>
+                      <a:r>
+                        <a:rPr lang="en-US" dirty="0"/>
+                        <a:t> pada juvenile 87%</a:t>
+                      </a:r>
+                    </a:p>
+                  </a:txBody>
+                  <a:tcPr/>
+                </a:tc>
+                <a:extLst>
+                  <a:ext uri="{0D108BD9-81ED-4DB2-BD59-A6C34878D82A}">
+                    <a16:rowId xmlns:a16="http://schemas.microsoft.com/office/drawing/2014/main" val="1519266206"/>
+                  </a:ext>
+                </a:extLst>
+              </a:tr>
+              <a:tr h="1709371">
+                <a:tc>
+                  <a:txBody>
+                    <a:bodyPr/>
+                    <a:lstStyle/>
+                    <a:p>
+                      <a:r>
+                        <a:rPr lang="en-US" sz="1200" dirty="0"/>
+                        <a:t>A. Sanchez-Ortiz,</a:t>
+                      </a:r>
+                    </a:p>
+                    <a:p>
+                      <a:pPr marL="228600" indent="-228600">
+                        <a:buAutoNum type="alphaUcPeriod"/>
+                      </a:pPr>
+                      <a:r>
+                        <a:rPr lang="en-US" sz="1200" dirty="0"/>
+                        <a:t>Arista-</a:t>
+                      </a:r>
+                      <a:r>
+                        <a:rPr lang="en-US" sz="1200" dirty="0" err="1"/>
+                        <a:t>Jlife</a:t>
+                      </a:r>
+                      <a:r>
+                        <a:rPr lang="en-US" sz="1200" dirty="0"/>
+                        <a:t>,</a:t>
+                      </a:r>
+                    </a:p>
+                    <a:p>
+                      <a:pPr marL="0" indent="0">
+                        <a:buNone/>
+                      </a:pPr>
+                      <a:r>
+                        <a:rPr lang="en-US" sz="1200" dirty="0" err="1"/>
+                        <a:t>Atoany</a:t>
+                      </a:r>
+                      <a:r>
+                        <a:rPr lang="en-US" sz="1200" dirty="0"/>
+                        <a:t> Nazareth Fierro,</a:t>
+                      </a:r>
+                    </a:p>
+                    <a:p>
+                      <a:pPr marL="0" indent="0">
+                        <a:buNone/>
+                      </a:pPr>
+                      <a:r>
+                        <a:rPr lang="en-US" sz="1200" dirty="0"/>
+                        <a:t>M. Cedillo-Hernandez</a:t>
+                      </a:r>
+                    </a:p>
+                  </a:txBody>
+                  <a:tcPr/>
+                </a:tc>
+                <a:tc>
+                  <a:txBody>
+                    <a:bodyPr/>
+                    <a:lstStyle/>
+                    <a:p>
+                      <a:pPr marL="0" marR="0" lvl="0" indent="0" algn="l" defTabSz="914400" rtl="0" eaLnBrk="1" fontAlgn="auto" latinLnBrk="0" hangingPunct="1">
+                        <a:lnSpc>
+                          <a:spcPct val="100000"/>
+                        </a:lnSpc>
+                        <a:spcBef>
+                          <a:spcPts val="0"/>
+                        </a:spcBef>
+                        <a:spcAft>
+                          <a:spcPts val="0"/>
+                        </a:spcAft>
+                        <a:buClrTx/>
+                        <a:buSzTx/>
+                        <a:buFontTx/>
+                        <a:buNone/>
+                        <a:tabLst/>
+                        <a:defRPr/>
+                      </a:pPr>
+                      <a:r>
+                        <a:rPr lang="en-US" sz="1800" b="1" i="0" kern="1200" dirty="0">
+                          <a:solidFill>
+                            <a:schemeClr val="dk1"/>
+                          </a:solidFill>
+                          <a:effectLst/>
+                          <a:latin typeface="+mn-lt"/>
+                          <a:ea typeface="+mn-ea"/>
+                          <a:cs typeface="+mn-cs"/>
+                        </a:rPr>
+                        <a:t>Mosquito larva classification method based on convolutional neural networks</a:t>
+                      </a:r>
+                    </a:p>
+                  </a:txBody>
+                  <a:tcPr/>
+                </a:tc>
+                <a:tc>
+                  <a:txBody>
+                    <a:bodyPr/>
+                    <a:lstStyle/>
+                    <a:p>
+                      <a:r>
+                        <a:rPr lang="en-US" dirty="0" err="1"/>
+                        <a:t>Telur</a:t>
+                      </a:r>
+                      <a:r>
+                        <a:rPr lang="en-US" dirty="0"/>
+                        <a:t> </a:t>
+                      </a:r>
+                      <a:r>
+                        <a:rPr lang="en-US" dirty="0" err="1"/>
+                        <a:t>Nyamuk</a:t>
+                      </a:r>
+                      <a:endParaRPr lang="en-US" dirty="0"/>
+                    </a:p>
+                  </a:txBody>
+                  <a:tcPr/>
+                </a:tc>
+                <a:tc>
+                  <a:txBody>
+                    <a:bodyPr/>
+                    <a:lstStyle/>
+                    <a:p>
+                      <a:pPr algn="ctr"/>
+                      <a:r>
+                        <a:rPr lang="en-US" dirty="0"/>
+                        <a:t>2017</a:t>
+                      </a:r>
+                    </a:p>
+                  </a:txBody>
+                  <a:tcPr/>
+                </a:tc>
+                <a:tc>
+                  <a:txBody>
+                    <a:bodyPr/>
+                    <a:lstStyle/>
+                    <a:p>
+                      <a:r>
+                        <a:rPr lang="en-US" dirty="0"/>
+                        <a:t>Convolutional Neural Network</a:t>
+                      </a:r>
+                    </a:p>
+                  </a:txBody>
+                  <a:tcPr/>
+                </a:tc>
+                <a:tc>
+                  <a:txBody>
+                    <a:bodyPr/>
+                    <a:lstStyle/>
+                    <a:p>
+                      <a:r>
+                        <a:rPr lang="en-US" dirty="0" err="1"/>
+                        <a:t>Akurasi</a:t>
+                      </a:r>
+                      <a:r>
+                        <a:rPr lang="en-US" dirty="0"/>
+                        <a:t> pada </a:t>
+                      </a:r>
+                      <a:r>
+                        <a:rPr lang="en-US" dirty="0" err="1"/>
+                        <a:t>sebuah</a:t>
+                      </a:r>
+                      <a:r>
+                        <a:rPr lang="en-US" dirty="0"/>
+                        <a:t> </a:t>
+                      </a:r>
+                      <a:r>
+                        <a:rPr lang="en-US" dirty="0" err="1"/>
+                        <a:t>telur</a:t>
+                      </a:r>
+                      <a:r>
+                        <a:rPr lang="en-US" dirty="0"/>
+                        <a:t> </a:t>
+                      </a:r>
+                      <a:r>
+                        <a:rPr lang="en-US" dirty="0" err="1"/>
+                        <a:t>nyamuk</a:t>
+                      </a:r>
+                      <a:r>
+                        <a:rPr lang="en-US" dirty="0"/>
+                        <a:t> 96.88%</a:t>
+                      </a:r>
+                    </a:p>
+                  </a:txBody>
+                  <a:tcPr/>
+                </a:tc>
+                <a:extLst>
+                  <a:ext uri="{0D108BD9-81ED-4DB2-BD59-A6C34878D82A}">
+                    <a16:rowId xmlns:a16="http://schemas.microsoft.com/office/drawing/2014/main" val="488404157"/>
+                  </a:ext>
+                </a:extLst>
+              </a:tr>
+              <a:tr h="1087781">
+                <a:tc>
+                  <a:txBody>
+                    <a:bodyPr/>
+                    <a:lstStyle/>
+                    <a:p>
+                      <a:r>
+                        <a:rPr lang="en-US" sz="1200" dirty="0"/>
+                        <a:t>J.H. </a:t>
+                      </a:r>
+                      <a:r>
+                        <a:rPr lang="en-US" sz="1200" dirty="0" err="1"/>
+                        <a:t>Almarinez</a:t>
+                      </a:r>
+                      <a:r>
+                        <a:rPr lang="en-US" sz="1200" dirty="0"/>
+                        <a:t>,</a:t>
+                      </a:r>
+                    </a:p>
+                    <a:p>
+                      <a:r>
+                        <a:rPr lang="en-US" sz="1200" dirty="0"/>
+                        <a:t>Alexander A Hernandez</a:t>
+                      </a:r>
+                    </a:p>
+                  </a:txBody>
+                  <a:tcPr/>
+                </a:tc>
+                <a:tc>
+                  <a:txBody>
+                    <a:bodyPr/>
+                    <a:lstStyle/>
+                    <a:p>
+                      <a:pPr marL="0" marR="0" lvl="0" indent="0" algn="l" defTabSz="914400" rtl="0" eaLnBrk="1" fontAlgn="auto" latinLnBrk="0" hangingPunct="1">
+                        <a:lnSpc>
+                          <a:spcPct val="100000"/>
+                        </a:lnSpc>
+                        <a:spcBef>
+                          <a:spcPts val="0"/>
+                        </a:spcBef>
+                        <a:spcAft>
+                          <a:spcPts val="0"/>
+                        </a:spcAft>
+                        <a:buClrTx/>
+                        <a:buSzTx/>
+                        <a:buFontTx/>
+                        <a:buNone/>
+                        <a:tabLst/>
+                        <a:defRPr/>
+                      </a:pPr>
+                      <a:r>
+                        <a:rPr lang="en-US" sz="1800" b="1" i="0" kern="1200" dirty="0">
+                          <a:solidFill>
+                            <a:schemeClr val="dk1"/>
+                          </a:solidFill>
+                          <a:effectLst/>
+                          <a:latin typeface="+mn-lt"/>
+                          <a:ea typeface="+mn-ea"/>
+                          <a:cs typeface="+mn-cs"/>
+                        </a:rPr>
+                        <a:t>Evaluation of mangrove crab classification system</a:t>
+                      </a:r>
+                    </a:p>
+                  </a:txBody>
+                  <a:tcPr/>
+                </a:tc>
+                <a:tc>
+                  <a:txBody>
+                    <a:bodyPr/>
+                    <a:lstStyle/>
+                    <a:p>
+                      <a:r>
+                        <a:rPr lang="en-US" dirty="0"/>
+                        <a:t>Larva </a:t>
+                      </a:r>
+                      <a:r>
+                        <a:rPr lang="en-US" dirty="0" err="1"/>
+                        <a:t>Kepiting</a:t>
+                      </a:r>
+                      <a:r>
+                        <a:rPr lang="en-US" dirty="0"/>
+                        <a:t> </a:t>
+                      </a:r>
+                      <a:r>
+                        <a:rPr lang="en-US" dirty="0" err="1"/>
+                        <a:t>Bakau</a:t>
+                      </a:r>
+                      <a:endParaRPr lang="en-US" dirty="0"/>
+                    </a:p>
+                  </a:txBody>
+                  <a:tcPr/>
+                </a:tc>
+                <a:tc>
+                  <a:txBody>
+                    <a:bodyPr/>
+                    <a:lstStyle/>
+                    <a:p>
+                      <a:pPr algn="ctr"/>
+                      <a:r>
+                        <a:rPr lang="en-US" dirty="0"/>
+                        <a:t>2019</a:t>
+                      </a:r>
+                    </a:p>
+                  </a:txBody>
+                  <a:tcPr/>
+                </a:tc>
+                <a:tc>
+                  <a:txBody>
+                    <a:bodyPr/>
+                    <a:lstStyle/>
+                    <a:p>
+                      <a:r>
+                        <a:rPr lang="en-US" dirty="0"/>
+                        <a:t>K- Nearest </a:t>
+                      </a:r>
+                      <a:r>
+                        <a:rPr lang="en-US" dirty="0" err="1"/>
+                        <a:t>Neighbour</a:t>
+                      </a:r>
+                      <a:endParaRPr lang="en-US" dirty="0"/>
+                    </a:p>
+                  </a:txBody>
+                  <a:tcPr/>
+                </a:tc>
+                <a:tc>
+                  <a:txBody>
+                    <a:bodyPr/>
+                    <a:lstStyle/>
+                    <a:p>
+                      <a:r>
+                        <a:rPr lang="en-US" dirty="0"/>
+                        <a:t>Rata-rata </a:t>
+                      </a:r>
+                      <a:r>
+                        <a:rPr lang="en-US" dirty="0" err="1"/>
+                        <a:t>akurasi</a:t>
+                      </a:r>
+                      <a:r>
+                        <a:rPr lang="en-US" dirty="0"/>
+                        <a:t> </a:t>
+                      </a:r>
+                      <a:r>
+                        <a:rPr lang="en-US" dirty="0" err="1"/>
+                        <a:t>sebesar</a:t>
+                      </a:r>
+                      <a:r>
+                        <a:rPr lang="en-US" dirty="0"/>
+                        <a:t> 85%</a:t>
+                      </a:r>
+                    </a:p>
+                  </a:txBody>
+                  <a:tcPr/>
+                </a:tc>
+                <a:extLst>
+                  <a:ext uri="{0D108BD9-81ED-4DB2-BD59-A6C34878D82A}">
+                    <a16:rowId xmlns:a16="http://schemas.microsoft.com/office/drawing/2014/main" val="2900969097"/>
+                  </a:ext>
+                </a:extLst>
+              </a:tr>
+            </a:tbl>
+          </a:graphicData>
+        </a:graphic>
+      </p:graphicFrame>
     </p:spTree>
     <p:extLst>
       <p:ext uri="{BB962C8B-B14F-4D97-AF65-F5344CB8AC3E}">
@@ -10857,7 +13175,7 @@
 </file>
 
 <file path=ppt/slides/slide8.xml><?xml version="1.0" encoding="utf-8"?>
-<p:sld xmlns:a="http://schemas.openxmlformats.org/drawingml/2006/main" xmlns:r="http://schemas.openxmlformats.org/officeDocument/2006/relationships" xmlns:p="http://schemas.openxmlformats.org/presentationml/2006/main">
+<p:sld xmlns:a="http://schemas.openxmlformats.org/drawingml/2006/main" xmlns:r="http://schemas.openxmlformats.org/officeDocument/2006/relationships" xmlns:p="http://schemas.openxmlformats.org/presentationml/2006/main" show="0">
   <p:cSld>
     <p:spTree>
       <p:nvGrpSpPr>
@@ -11576,8 +13894,8 @@
         </p:nvSpPr>
         <p:spPr>
           <a:xfrm>
-            <a:off x="6982506" y="1600992"/>
-            <a:ext cx="4809436" cy="2168158"/>
+            <a:off x="7326635" y="1600993"/>
+            <a:ext cx="3911636" cy="1828008"/>
           </a:xfrm>
           <a:prstGeom prst="roundRect">
             <a:avLst/>
@@ -11739,7 +14057,23 @@
                   <a:srgbClr val="5F9ED7"/>
                 </a:solidFill>
               </a:rPr>
-              <a:t>tepat</a:t>
+              <a:t>akurasi</a:t>
+            </a:r>
+            <a:r>
+              <a:rPr lang="en-US" dirty="0">
+                <a:solidFill>
+                  <a:srgbClr val="5F9ED7"/>
+                </a:solidFill>
+              </a:rPr>
+              <a:t> yang </a:t>
+            </a:r>
+            <a:r>
+              <a:rPr lang="en-US" dirty="0" err="1">
+                <a:solidFill>
+                  <a:srgbClr val="5F9ED7"/>
+                </a:solidFill>
+              </a:rPr>
+              <a:t>tinggi</a:t>
             </a:r>
             <a:endParaRPr lang="en-US" dirty="0">
               <a:solidFill>
@@ -11749,6 +14083,92 @@
           </a:p>
         </p:txBody>
       </p:sp>
+      <p:cxnSp>
+        <p:nvCxnSpPr>
+          <p:cNvPr id="4" name="Straight Arrow Connector 3">
+            <a:extLst>
+              <a:ext uri="{FF2B5EF4-FFF2-40B4-BE49-F238E27FC236}">
+                <a16:creationId xmlns:a16="http://schemas.microsoft.com/office/drawing/2014/main" id="{CE7EBFCD-4893-43DA-B0B7-AAFFBBAFFB7E}"/>
+              </a:ext>
+            </a:extLst>
+          </p:cNvPr>
+          <p:cNvCxnSpPr/>
+          <p:nvPr/>
+        </p:nvCxnSpPr>
+        <p:spPr>
+          <a:xfrm>
+            <a:off x="2576052" y="3539306"/>
+            <a:ext cx="2123767" cy="973393"/>
+          </a:xfrm>
+          <a:prstGeom prst="straightConnector1">
+            <a:avLst/>
+          </a:prstGeom>
+          <a:ln w="76200">
+            <a:solidFill>
+              <a:schemeClr val="bg1"/>
+            </a:solidFill>
+            <a:tailEnd type="triangle"/>
+          </a:ln>
+        </p:spPr>
+        <p:style>
+          <a:lnRef idx="1">
+            <a:schemeClr val="accent1"/>
+          </a:lnRef>
+          <a:fillRef idx="0">
+            <a:schemeClr val="accent1"/>
+          </a:fillRef>
+          <a:effectRef idx="0">
+            <a:schemeClr val="accent1"/>
+          </a:effectRef>
+          <a:fontRef idx="minor">
+            <a:schemeClr val="tx1"/>
+          </a:fontRef>
+        </p:style>
+      </p:cxnSp>
+      <p:cxnSp>
+        <p:nvCxnSpPr>
+          <p:cNvPr id="10" name="Straight Arrow Connector 9">
+            <a:extLst>
+              <a:ext uri="{FF2B5EF4-FFF2-40B4-BE49-F238E27FC236}">
+                <a16:creationId xmlns:a16="http://schemas.microsoft.com/office/drawing/2014/main" id="{B4CA4A8D-AACE-491A-A93F-D26489CC6ADE}"/>
+              </a:ext>
+            </a:extLst>
+          </p:cNvPr>
+          <p:cNvCxnSpPr>
+            <a:cxnSpLocks/>
+          </p:cNvCxnSpPr>
+          <p:nvPr/>
+        </p:nvCxnSpPr>
+        <p:spPr>
+          <a:xfrm flipV="1">
+            <a:off x="6096000" y="3539305"/>
+            <a:ext cx="2123767" cy="973393"/>
+          </a:xfrm>
+          <a:prstGeom prst="straightConnector1">
+            <a:avLst/>
+          </a:prstGeom>
+          <a:ln w="76200">
+            <a:solidFill>
+              <a:schemeClr val="bg1"/>
+            </a:solidFill>
+            <a:tailEnd type="triangle"/>
+          </a:ln>
+        </p:spPr>
+        <p:style>
+          <a:lnRef idx="1">
+            <a:schemeClr val="accent1"/>
+          </a:lnRef>
+          <a:fillRef idx="0">
+            <a:schemeClr val="accent1"/>
+          </a:fillRef>
+          <a:effectRef idx="0">
+            <a:schemeClr val="accent1"/>
+          </a:effectRef>
+          <a:fontRef idx="minor">
+            <a:schemeClr val="tx1"/>
+          </a:fontRef>
+        </p:style>
+      </p:cxnSp>
     </p:spTree>
     <p:extLst>
       <p:ext uri="{BB962C8B-B14F-4D97-AF65-F5344CB8AC3E}">
@@ -11799,6 +14219,12 @@
           <a:prstGeom prst="rect">
             <a:avLst/>
           </a:prstGeom>
+          <a:solidFill>
+            <a:schemeClr val="bg1"/>
+          </a:solidFill>
+          <a:ln>
+            <a:noFill/>
+          </a:ln>
         </p:spPr>
         <p:style>
           <a:lnRef idx="2">
@@ -11822,7 +14248,11 @@
           <a:p>
             <a:pPr algn="ctr"/>
             <a:r>
-              <a:rPr lang="en-US" dirty="0"/>
+              <a:rPr lang="en-US" dirty="0">
+                <a:solidFill>
+                  <a:srgbClr val="5F9ED7"/>
+                </a:solidFill>
+              </a:rPr>
               <a:t>Input Gambar</a:t>
             </a:r>
           </a:p>
@@ -11842,12 +14272,18 @@
         </p:nvSpPr>
         <p:spPr>
           <a:xfrm>
-            <a:off x="4873869" y="2175608"/>
+            <a:off x="8656025" y="2175608"/>
             <a:ext cx="2444261" cy="1169377"/>
           </a:xfrm>
           <a:prstGeom prst="rect">
             <a:avLst/>
           </a:prstGeom>
+          <a:solidFill>
+            <a:schemeClr val="bg1"/>
+          </a:solidFill>
+          <a:ln>
+            <a:noFill/>
+          </a:ln>
         </p:spPr>
         <p:style>
           <a:lnRef idx="2">
@@ -11871,34 +14307,66 @@
           <a:p>
             <a:pPr algn="ctr"/>
             <a:r>
-              <a:rPr lang="en-US" dirty="0" err="1"/>
+              <a:rPr lang="en-US" dirty="0" err="1">
+                <a:solidFill>
+                  <a:srgbClr val="5F9ED7"/>
+                </a:solidFill>
+              </a:rPr>
               <a:t>Deteksi</a:t>
             </a:r>
             <a:r>
-              <a:rPr lang="en-US" dirty="0"/>
+              <a:rPr lang="en-US" dirty="0">
+                <a:solidFill>
+                  <a:srgbClr val="5F9ED7"/>
+                </a:solidFill>
+              </a:rPr>
               <a:t> oleh </a:t>
             </a:r>
             <a:r>
-              <a:rPr lang="en-US" dirty="0" err="1"/>
+              <a:rPr lang="en-US" dirty="0" err="1">
+                <a:solidFill>
+                  <a:srgbClr val="5F9ED7"/>
+                </a:solidFill>
+              </a:rPr>
               <a:t>Algoritma</a:t>
             </a:r>
             <a:r>
-              <a:rPr lang="en-US" dirty="0"/>
-              <a:t> </a:t>
-            </a:r>
-            <a:r>
-              <a:rPr lang="en-US" dirty="0" err="1"/>
+              <a:rPr lang="en-US" dirty="0">
+                <a:solidFill>
+                  <a:srgbClr val="5F9ED7"/>
+                </a:solidFill>
+              </a:rPr>
+              <a:t> </a:t>
+            </a:r>
+            <a:r>
+              <a:rPr lang="en-US" dirty="0" err="1">
+                <a:solidFill>
+                  <a:srgbClr val="5F9ED7"/>
+                </a:solidFill>
+              </a:rPr>
               <a:t>deteksi</a:t>
             </a:r>
             <a:r>
-              <a:rPr lang="en-US" dirty="0"/>
-              <a:t> </a:t>
-            </a:r>
-            <a:r>
-              <a:rPr lang="en-US" dirty="0" err="1"/>
+              <a:rPr lang="en-US" dirty="0">
+                <a:solidFill>
+                  <a:srgbClr val="5F9ED7"/>
+                </a:solidFill>
+              </a:rPr>
+              <a:t> </a:t>
+            </a:r>
+            <a:r>
+              <a:rPr lang="en-US" dirty="0" err="1">
+                <a:solidFill>
+                  <a:srgbClr val="5F9ED7"/>
+                </a:solidFill>
+              </a:rPr>
               <a:t>objek</a:t>
             </a:r>
-            <a:endParaRPr lang="en-US" dirty="0"/>
+            <a:endParaRPr lang="en-US" dirty="0">
+              <a:solidFill>
+                <a:srgbClr val="5F9ED7"/>
+              </a:solidFill>
+            </a:endParaRPr>
           </a:p>
         </p:txBody>
       </p:sp>
@@ -11916,12 +14384,18 @@
         </p:nvSpPr>
         <p:spPr>
           <a:xfrm>
-            <a:off x="8656026" y="2175607"/>
+            <a:off x="8656026" y="5399627"/>
             <a:ext cx="2444261" cy="1169377"/>
           </a:xfrm>
           <a:prstGeom prst="rect">
             <a:avLst/>
           </a:prstGeom>
+          <a:solidFill>
+            <a:schemeClr val="bg1"/>
+          </a:solidFill>
+          <a:ln>
+            <a:noFill/>
+          </a:ln>
         </p:spPr>
         <p:style>
           <a:lnRef idx="2">
@@ -11945,26 +14419,50 @@
           <a:p>
             <a:pPr algn="ctr"/>
             <a:r>
-              <a:rPr lang="en-US" dirty="0" err="1"/>
+              <a:rPr lang="en-US" dirty="0" err="1">
+                <a:solidFill>
+                  <a:srgbClr val="5F9ED7"/>
+                </a:solidFill>
+              </a:rPr>
               <a:t>Menghitung</a:t>
             </a:r>
             <a:r>
-              <a:rPr lang="en-US" dirty="0"/>
-              <a:t> </a:t>
-            </a:r>
-            <a:r>
-              <a:rPr lang="en-US" dirty="0" err="1"/>
+              <a:rPr lang="en-US" dirty="0">
+                <a:solidFill>
+                  <a:srgbClr val="5F9ED7"/>
+                </a:solidFill>
+              </a:rPr>
+              <a:t> </a:t>
+            </a:r>
+            <a:r>
+              <a:rPr lang="en-US" dirty="0" err="1">
+                <a:solidFill>
+                  <a:srgbClr val="5F9ED7"/>
+                </a:solidFill>
+              </a:rPr>
               <a:t>Jumlah</a:t>
             </a:r>
             <a:r>
-              <a:rPr lang="en-US" dirty="0"/>
+              <a:rPr lang="en-US" dirty="0">
+                <a:solidFill>
+                  <a:srgbClr val="5F9ED7"/>
+                </a:solidFill>
+              </a:rPr>
               <a:t> larva pada </a:t>
             </a:r>
             <a:r>
-              <a:rPr lang="en-US" dirty="0" err="1"/>
+              <a:rPr lang="en-US" dirty="0" err="1">
+                <a:solidFill>
+                  <a:srgbClr val="5F9ED7"/>
+                </a:solidFill>
+              </a:rPr>
               <a:t>gambar</a:t>
             </a:r>
-            <a:endParaRPr lang="en-US" dirty="0"/>
+            <a:endParaRPr lang="en-US" dirty="0">
+              <a:solidFill>
+                <a:srgbClr val="5F9ED7"/>
+              </a:solidFill>
+            </a:endParaRPr>
           </a:p>
         </p:txBody>
       </p:sp>
@@ -12111,12 +14609,18 @@
         </p:nvSpPr>
         <p:spPr>
           <a:xfrm>
-            <a:off x="8656026" y="4366356"/>
+            <a:off x="993531" y="5399628"/>
             <a:ext cx="2444261" cy="1169377"/>
           </a:xfrm>
           <a:prstGeom prst="rect">
             <a:avLst/>
           </a:prstGeom>
+          <a:solidFill>
+            <a:schemeClr val="bg1"/>
+          </a:solidFill>
+          <a:ln>
+            <a:noFill/>
+          </a:ln>
         </p:spPr>
         <p:style>
           <a:lnRef idx="2">
@@ -12140,185 +14644,60 @@
           <a:p>
             <a:pPr algn="ctr"/>
             <a:r>
-              <a:rPr lang="en-US" dirty="0"/>
+              <a:rPr lang="en-US" dirty="0">
+                <a:solidFill>
+                  <a:srgbClr val="5F9ED7"/>
+                </a:solidFill>
+              </a:rPr>
               <a:t>Hasil Output : </a:t>
             </a:r>
             <a:r>
-              <a:rPr lang="en-US" dirty="0" err="1"/>
+              <a:rPr lang="en-US" dirty="0" err="1">
+                <a:solidFill>
+                  <a:srgbClr val="5F9ED7"/>
+                </a:solidFill>
+              </a:rPr>
               <a:t>Jumlah</a:t>
             </a:r>
             <a:r>
-              <a:rPr lang="en-US" dirty="0"/>
-              <a:t> larva pada </a:t>
-            </a:r>
-            <a:r>
-              <a:rPr lang="en-US" dirty="0" err="1"/>
-              <a:t>gambar</a:t>
-            </a:r>
-            <a:r>
-              <a:rPr lang="en-US" dirty="0"/>
-              <a:t> </a:t>
-            </a:r>
-            <a:r>
-              <a:rPr lang="en-US" dirty="0" err="1"/>
-              <a:t>dalam</a:t>
-            </a:r>
-            <a:r>
-              <a:rPr lang="en-US" dirty="0"/>
-              <a:t> </a:t>
-            </a:r>
-            <a:r>
-              <a:rPr lang="en-US" dirty="0" err="1"/>
-              <a:t>bentuk</a:t>
-            </a:r>
-            <a:r>
-              <a:rPr lang="en-US" dirty="0"/>
-              <a:t> text </a:t>
-            </a:r>
-          </a:p>
-        </p:txBody>
-      </p:sp>
-      <p:sp>
-        <p:nvSpPr>
-          <p:cNvPr id="10" name="Rectangle 9">
-            <a:extLst>
-              <a:ext uri="{FF2B5EF4-FFF2-40B4-BE49-F238E27FC236}">
-                <a16:creationId xmlns:a16="http://schemas.microsoft.com/office/drawing/2014/main" id="{75E626D0-BBFE-4998-B68F-425C1E378BE4}"/>
-              </a:ext>
-            </a:extLst>
-          </p:cNvPr>
-          <p:cNvSpPr/>
-          <p:nvPr/>
-        </p:nvSpPr>
-        <p:spPr>
-          <a:xfrm>
-            <a:off x="4594347" y="4366356"/>
-            <a:ext cx="3003304" cy="1169377"/>
-          </a:xfrm>
-          <a:prstGeom prst="rect">
-            <a:avLst/>
-          </a:prstGeom>
-        </p:spPr>
-        <p:style>
-          <a:lnRef idx="2">
-            <a:schemeClr val="accent1">
-              <a:shade val="50000"/>
-            </a:schemeClr>
-          </a:lnRef>
-          <a:fillRef idx="1">
-            <a:schemeClr val="accent1"/>
-          </a:fillRef>
-          <a:effectRef idx="0">
-            <a:schemeClr val="accent1"/>
-          </a:effectRef>
-          <a:fontRef idx="minor">
-            <a:schemeClr val="lt1"/>
-          </a:fontRef>
-        </p:style>
-        <p:txBody>
-          <a:bodyPr rtlCol="0" anchor="ctr"/>
-          <a:lstStyle/>
-          <a:p>
-            <a:pPr algn="ctr"/>
-            <a:r>
-              <a:rPr lang="en-US" dirty="0"/>
-              <a:t>Nilai </a:t>
-            </a:r>
-            <a:r>
-              <a:rPr lang="en-US" dirty="0" err="1"/>
-              <a:t>akhir</a:t>
-            </a:r>
-            <a:r>
-              <a:rPr lang="en-US" dirty="0"/>
-              <a:t> = </a:t>
-            </a:r>
-          </a:p>
-          <a:p>
-            <a:pPr algn="ctr"/>
-            <a:r>
-              <a:rPr lang="en-US" dirty="0"/>
-              <a:t>Nilai rata-rata 10 </a:t>
-            </a:r>
-            <a:r>
-              <a:rPr lang="en-US" dirty="0" err="1"/>
-              <a:t>gambar</a:t>
-            </a:r>
-            <a:r>
-              <a:rPr lang="en-US" dirty="0"/>
-              <a:t> X 200-</a:t>
-            </a:r>
-          </a:p>
-        </p:txBody>
-      </p:sp>
-      <p:sp>
-        <p:nvSpPr>
-          <p:cNvPr id="11" name="Rectangle 10">
-            <a:extLst>
-              <a:ext uri="{FF2B5EF4-FFF2-40B4-BE49-F238E27FC236}">
-                <a16:creationId xmlns:a16="http://schemas.microsoft.com/office/drawing/2014/main" id="{90132BAE-6B48-442F-AD44-AD51C93D9FBB}"/>
-              </a:ext>
-            </a:extLst>
-          </p:cNvPr>
-          <p:cNvSpPr/>
-          <p:nvPr/>
-        </p:nvSpPr>
-        <p:spPr>
-          <a:xfrm>
-            <a:off x="993531" y="4366355"/>
-            <a:ext cx="2444261" cy="1169377"/>
-          </a:xfrm>
-          <a:prstGeom prst="rect">
-            <a:avLst/>
-          </a:prstGeom>
-        </p:spPr>
-        <p:style>
-          <a:lnRef idx="2">
-            <a:schemeClr val="accent1">
-              <a:shade val="50000"/>
-            </a:schemeClr>
-          </a:lnRef>
-          <a:fillRef idx="1">
-            <a:schemeClr val="accent1"/>
-          </a:fillRef>
-          <a:effectRef idx="0">
-            <a:schemeClr val="accent1"/>
-          </a:effectRef>
-          <a:fontRef idx="minor">
-            <a:schemeClr val="lt1"/>
-          </a:fontRef>
-        </p:style>
-        <p:txBody>
-          <a:bodyPr rtlCol="0" anchor="ctr"/>
-          <a:lstStyle/>
-          <a:p>
-            <a:pPr algn="ctr"/>
-            <a:r>
-              <a:rPr lang="en-US" dirty="0"/>
-              <a:t>Nilai </a:t>
-            </a:r>
-            <a:r>
-              <a:rPr lang="en-US" dirty="0" err="1"/>
-              <a:t>akhir</a:t>
-            </a:r>
-            <a:r>
-              <a:rPr lang="en-US" dirty="0"/>
-              <a:t> </a:t>
-            </a:r>
-            <a:r>
-              <a:rPr lang="en-US" dirty="0" err="1"/>
-              <a:t>dimasukkan</a:t>
-            </a:r>
-            <a:r>
-              <a:rPr lang="en-US" dirty="0"/>
-              <a:t> </a:t>
-            </a:r>
-            <a:r>
-              <a:rPr lang="en-US" dirty="0" err="1"/>
-              <a:t>kedalam</a:t>
-            </a:r>
-            <a:r>
-              <a:rPr lang="en-US" dirty="0"/>
-              <a:t> database</a:t>
+              <a:rPr lang="en-US" dirty="0">
+                <a:solidFill>
+                  <a:srgbClr val="5F9ED7"/>
+                </a:solidFill>
+              </a:rPr>
+              <a:t> larva pada 1 </a:t>
+            </a:r>
+            <a:r>
+              <a:rPr lang="en-US" dirty="0" err="1">
+                <a:solidFill>
+                  <a:srgbClr val="5F9ED7"/>
+                </a:solidFill>
+              </a:rPr>
+              <a:t>kolam</a:t>
+            </a:r>
+            <a:r>
+              <a:rPr lang="en-US" dirty="0">
+                <a:solidFill>
+                  <a:srgbClr val="5F9ED7"/>
+                </a:solidFill>
+              </a:rPr>
+              <a:t> </a:t>
+            </a:r>
+            <a:r>
+              <a:rPr lang="en-US" dirty="0" err="1">
+                <a:solidFill>
+                  <a:srgbClr val="5F9ED7"/>
+                </a:solidFill>
+              </a:rPr>
+              <a:t>Pemeliharaan</a:t>
+            </a:r>
+            <a:r>
+              <a:rPr lang="en-US" dirty="0">
+                <a:solidFill>
+                  <a:srgbClr val="5F9ED7"/>
+                </a:solidFill>
+              </a:rPr>
+              <a:t> </a:t>
             </a:r>
           </a:p>
         </p:txBody>
@@ -12338,11 +14717,14 @@
         <p:spPr>
           <a:xfrm>
             <a:off x="3717314" y="2436445"/>
-            <a:ext cx="870072" cy="647700"/>
+            <a:ext cx="4658590" cy="647700"/>
           </a:xfrm>
           <a:prstGeom prst="rightArrow">
             <a:avLst/>
           </a:prstGeom>
+          <a:solidFill>
+            <a:schemeClr val="bg1"/>
+          </a:solidFill>
         </p:spPr>
         <p:style>
           <a:lnRef idx="2">
@@ -12371,10 +14753,10 @@
       </p:sp>
       <p:sp>
         <p:nvSpPr>
-          <p:cNvPr id="13" name="Arrow: Right 12">
-            <a:extLst>
-              <a:ext uri="{FF2B5EF4-FFF2-40B4-BE49-F238E27FC236}">
-                <a16:creationId xmlns:a16="http://schemas.microsoft.com/office/drawing/2014/main" id="{8B41E7AC-F82C-4E9D-9FA7-96C3FF09EC12}"/>
+          <p:cNvPr id="14" name="Arrow: Right 13">
+            <a:extLst>
+              <a:ext uri="{FF2B5EF4-FFF2-40B4-BE49-F238E27FC236}">
+                <a16:creationId xmlns:a16="http://schemas.microsoft.com/office/drawing/2014/main" id="{78DFDF5D-BE13-401D-A2EC-D4EA1F6C8897}"/>
               </a:ext>
             </a:extLst>
           </p:cNvPr>
@@ -12382,13 +14764,16 @@
           <p:nvPr/>
         </p:nvSpPr>
         <p:spPr>
-          <a:xfrm>
-            <a:off x="7552042" y="2436445"/>
-            <a:ext cx="870072" cy="647700"/>
+          <a:xfrm rot="5400000">
+            <a:off x="8955001" y="4019939"/>
+            <a:ext cx="1846310" cy="647700"/>
           </a:xfrm>
           <a:prstGeom prst="rightArrow">
             <a:avLst/>
           </a:prstGeom>
+          <a:solidFill>
+            <a:schemeClr val="bg1"/>
+          </a:solidFill>
         </p:spPr>
         <p:style>
           <a:lnRef idx="2">
@@ -12417,10 +14802,10 @@
       </p:sp>
       <p:sp>
         <p:nvSpPr>
-          <p:cNvPr id="14" name="Arrow: Right 13">
-            <a:extLst>
-              <a:ext uri="{FF2B5EF4-FFF2-40B4-BE49-F238E27FC236}">
-                <a16:creationId xmlns:a16="http://schemas.microsoft.com/office/drawing/2014/main" id="{78DFDF5D-BE13-401D-A2EC-D4EA1F6C8897}"/>
+          <p:cNvPr id="17" name="Arrow: Right 16">
+            <a:extLst>
+              <a:ext uri="{FF2B5EF4-FFF2-40B4-BE49-F238E27FC236}">
+                <a16:creationId xmlns:a16="http://schemas.microsoft.com/office/drawing/2014/main" id="{FE400D9F-B3CC-4D9E-A5AB-A29E3BF034DA}"/>
               </a:ext>
             </a:extLst>
           </p:cNvPr>
@@ -12428,13 +14813,16 @@
           <p:nvPr/>
         </p:nvSpPr>
         <p:spPr>
-          <a:xfrm rot="5400000">
-            <a:off x="9443120" y="3531820"/>
-            <a:ext cx="870072" cy="647700"/>
+          <a:xfrm flipH="1">
+            <a:off x="3717314" y="5660465"/>
+            <a:ext cx="4658590" cy="647700"/>
           </a:xfrm>
           <a:prstGeom prst="rightArrow">
             <a:avLst/>
           </a:prstGeom>
+          <a:solidFill>
+            <a:schemeClr val="bg1"/>
+          </a:solidFill>
         </p:spPr>
         <p:style>
           <a:lnRef idx="2">
@@ -12461,102 +14849,10 @@
           </a:p>
         </p:txBody>
       </p:sp>
-      <p:sp>
-        <p:nvSpPr>
-          <p:cNvPr id="15" name="Arrow: Right 14">
-            <a:extLst>
-              <a:ext uri="{FF2B5EF4-FFF2-40B4-BE49-F238E27FC236}">
-                <a16:creationId xmlns:a16="http://schemas.microsoft.com/office/drawing/2014/main" id="{0241B655-78D2-466A-93A5-781D9136B33F}"/>
-              </a:ext>
-            </a:extLst>
-          </p:cNvPr>
-          <p:cNvSpPr/>
-          <p:nvPr/>
-        </p:nvSpPr>
-        <p:spPr>
-          <a:xfrm flipH="1">
-            <a:off x="3581033" y="4572976"/>
-            <a:ext cx="870072" cy="647700"/>
-          </a:xfrm>
-          <a:prstGeom prst="rightArrow">
-            <a:avLst/>
-          </a:prstGeom>
-        </p:spPr>
-        <p:style>
-          <a:lnRef idx="2">
-            <a:schemeClr val="accent5">
-              <a:shade val="50000"/>
-            </a:schemeClr>
-          </a:lnRef>
-          <a:fillRef idx="1">
-            <a:schemeClr val="accent5"/>
-          </a:fillRef>
-          <a:effectRef idx="0">
-            <a:schemeClr val="accent5"/>
-          </a:effectRef>
-          <a:fontRef idx="minor">
-            <a:schemeClr val="lt1"/>
-          </a:fontRef>
-        </p:style>
-        <p:txBody>
-          <a:bodyPr rtlCol="0" anchor="ctr"/>
-          <a:lstStyle/>
-          <a:p>
-            <a:pPr algn="ctr"/>
-            <a:endParaRPr lang="en-US"/>
-          </a:p>
-        </p:txBody>
-      </p:sp>
-      <p:sp>
-        <p:nvSpPr>
-          <p:cNvPr id="16" name="Arrow: Right 15">
-            <a:extLst>
-              <a:ext uri="{FF2B5EF4-FFF2-40B4-BE49-F238E27FC236}">
-                <a16:creationId xmlns:a16="http://schemas.microsoft.com/office/drawing/2014/main" id="{E2802100-0DF1-42B9-A336-A0BC2CBEF2B3}"/>
-              </a:ext>
-            </a:extLst>
-          </p:cNvPr>
-          <p:cNvSpPr/>
-          <p:nvPr/>
-        </p:nvSpPr>
-        <p:spPr>
-          <a:xfrm flipH="1">
-            <a:off x="7691802" y="4572976"/>
-            <a:ext cx="870072" cy="647700"/>
-          </a:xfrm>
-          <a:prstGeom prst="rightArrow">
-            <a:avLst/>
-          </a:prstGeom>
-        </p:spPr>
-        <p:style>
-          <a:lnRef idx="2">
-            <a:schemeClr val="accent5">
-              <a:shade val="50000"/>
-            </a:schemeClr>
-          </a:lnRef>
-          <a:fillRef idx="1">
-            <a:schemeClr val="accent5"/>
-          </a:fillRef>
-          <a:effectRef idx="0">
-            <a:schemeClr val="accent5"/>
-          </a:effectRef>
-          <a:fontRef idx="minor">
-            <a:schemeClr val="lt1"/>
-          </a:fontRef>
-        </p:style>
-        <p:txBody>
-          <a:bodyPr rtlCol="0" anchor="ctr"/>
-          <a:lstStyle/>
-          <a:p>
-            <a:pPr algn="ctr"/>
-            <a:endParaRPr lang="en-US"/>
-          </a:p>
-        </p:txBody>
-      </p:sp>
     </p:spTree>
     <p:extLst>
       <p:ext uri="{BB962C8B-B14F-4D97-AF65-F5344CB8AC3E}">
-        <p14:creationId xmlns:p14="http://schemas.microsoft.com/office/powerpoint/2010/main" val="281658937"/>
+        <p14:creationId xmlns:p14="http://schemas.microsoft.com/office/powerpoint/2010/main" val="1115344817"/>
       </p:ext>
     </p:extLst>
   </p:cSld>
